--- a/Презентация и описание/описание/проект.pptx
+++ b/Презентация и описание/описание/проект.pptx
@@ -8,7 +8,18 @@
     <p:sldId id="256" r:id="rId2"/>
     <p:sldId id="257" r:id="rId3"/>
     <p:sldId id="259" r:id="rId4"/>
-    <p:sldId id="260" r:id="rId5"/>
+    <p:sldId id="266" r:id="rId5"/>
+    <p:sldId id="267" r:id="rId6"/>
+    <p:sldId id="268" r:id="rId7"/>
+    <p:sldId id="269" r:id="rId8"/>
+    <p:sldId id="270" r:id="rId9"/>
+    <p:sldId id="271" r:id="rId10"/>
+    <p:sldId id="261" r:id="rId11"/>
+    <p:sldId id="262" r:id="rId12"/>
+    <p:sldId id="263" r:id="rId13"/>
+    <p:sldId id="264" r:id="rId14"/>
+    <p:sldId id="265" r:id="rId15"/>
+    <p:sldId id="260" r:id="rId16"/>
   </p:sldIdLst>
   <p:sldSz cx="12192000" cy="6858000"/>
   <p:notesSz cx="6858000" cy="9144000"/>
@@ -107,6 +118,11 @@
       </a:defRPr>
     </a:lvl9pPr>
   </p:defaultTextStyle>
+  <p:extLst>
+    <p:ext uri="{EFAFB233-063F-42B5-8137-9DF3F51BA10A}">
+      <p15:sldGuideLst xmlns:p15="http://schemas.microsoft.com/office/powerpoint/2012/main"/>
+    </p:ext>
+  </p:extLst>
 </p:presentation>
 </file>
 
@@ -313,7 +329,7 @@
           <a:p>
             <a:fld id="{F0D63F0B-35FC-47F5-9430-4C8FE7340752}" type="datetimeFigureOut">
               <a:rPr lang="ru-RU" smtClean="0"/>
-              <a:t>11.04.2022</a:t>
+              <a:t>14.04.2022</a:t>
             </a:fld>
             <a:endParaRPr lang="ru-RU"/>
           </a:p>
@@ -749,7 +765,7 @@
           <a:p>
             <a:fld id="{F0D63F0B-35FC-47F5-9430-4C8FE7340752}" type="datetimeFigureOut">
               <a:rPr lang="ru-RU" smtClean="0"/>
-              <a:t>11.04.2022</a:t>
+              <a:t>14.04.2022</a:t>
             </a:fld>
             <a:endParaRPr lang="ru-RU"/>
           </a:p>
@@ -999,7 +1015,7 @@
           <a:p>
             <a:fld id="{F0D63F0B-35FC-47F5-9430-4C8FE7340752}" type="datetimeFigureOut">
               <a:rPr lang="ru-RU" smtClean="0"/>
-              <a:t>11.04.2022</a:t>
+              <a:t>14.04.2022</a:t>
             </a:fld>
             <a:endParaRPr lang="ru-RU"/>
           </a:p>
@@ -1307,7 +1323,7 @@
           <a:p>
             <a:fld id="{F0D63F0B-35FC-47F5-9430-4C8FE7340752}" type="datetimeFigureOut">
               <a:rPr lang="ru-RU" smtClean="0"/>
-              <a:t>11.04.2022</a:t>
+              <a:t>14.04.2022</a:t>
             </a:fld>
             <a:endParaRPr lang="ru-RU"/>
           </a:p>
@@ -1625,7 +1641,7 @@
           <a:p>
             <a:fld id="{F0D63F0B-35FC-47F5-9430-4C8FE7340752}" type="datetimeFigureOut">
               <a:rPr lang="ru-RU" smtClean="0"/>
-              <a:t>11.04.2022</a:t>
+              <a:t>14.04.2022</a:t>
             </a:fld>
             <a:endParaRPr lang="ru-RU"/>
           </a:p>
@@ -1927,7 +1943,7 @@
           <a:p>
             <a:fld id="{F0D63F0B-35FC-47F5-9430-4C8FE7340752}" type="datetimeFigureOut">
               <a:rPr lang="ru-RU" smtClean="0"/>
-              <a:t>11.04.2022</a:t>
+              <a:t>14.04.2022</a:t>
             </a:fld>
             <a:endParaRPr lang="ru-RU"/>
           </a:p>
@@ -2294,7 +2310,7 @@
           <a:p>
             <a:fld id="{F0D63F0B-35FC-47F5-9430-4C8FE7340752}" type="datetimeFigureOut">
               <a:rPr lang="ru-RU" smtClean="0"/>
-              <a:t>11.04.2022</a:t>
+              <a:t>14.04.2022</a:t>
             </a:fld>
             <a:endParaRPr lang="ru-RU"/>
           </a:p>
@@ -2468,7 +2484,7 @@
           <a:p>
             <a:fld id="{F0D63F0B-35FC-47F5-9430-4C8FE7340752}" type="datetimeFigureOut">
               <a:rPr lang="ru-RU" smtClean="0"/>
-              <a:t>11.04.2022</a:t>
+              <a:t>14.04.2022</a:t>
             </a:fld>
             <a:endParaRPr lang="ru-RU"/>
           </a:p>
@@ -2648,7 +2664,7 @@
           <a:p>
             <a:fld id="{F0D63F0B-35FC-47F5-9430-4C8FE7340752}" type="datetimeFigureOut">
               <a:rPr lang="ru-RU" smtClean="0"/>
-              <a:t>11.04.2022</a:t>
+              <a:t>14.04.2022</a:t>
             </a:fld>
             <a:endParaRPr lang="ru-RU"/>
           </a:p>
@@ -2818,7 +2834,7 @@
           <a:p>
             <a:fld id="{F0D63F0B-35FC-47F5-9430-4C8FE7340752}" type="datetimeFigureOut">
               <a:rPr lang="ru-RU" smtClean="0"/>
-              <a:t>11.04.2022</a:t>
+              <a:t>14.04.2022</a:t>
             </a:fld>
             <a:endParaRPr lang="ru-RU"/>
           </a:p>
@@ -3068,7 +3084,7 @@
           <a:p>
             <a:fld id="{F0D63F0B-35FC-47F5-9430-4C8FE7340752}" type="datetimeFigureOut">
               <a:rPr lang="ru-RU" smtClean="0"/>
-              <a:t>11.04.2022</a:t>
+              <a:t>14.04.2022</a:t>
             </a:fld>
             <a:endParaRPr lang="ru-RU"/>
           </a:p>
@@ -3304,7 +3320,7 @@
           <a:p>
             <a:fld id="{F0D63F0B-35FC-47F5-9430-4C8FE7340752}" type="datetimeFigureOut">
               <a:rPr lang="ru-RU" smtClean="0"/>
-              <a:t>11.04.2022</a:t>
+              <a:t>14.04.2022</a:t>
             </a:fld>
             <a:endParaRPr lang="ru-RU"/>
           </a:p>
@@ -3686,7 +3702,7 @@
           <a:p>
             <a:fld id="{F0D63F0B-35FC-47F5-9430-4C8FE7340752}" type="datetimeFigureOut">
               <a:rPr lang="ru-RU" smtClean="0"/>
-              <a:t>11.04.2022</a:t>
+              <a:t>14.04.2022</a:t>
             </a:fld>
             <a:endParaRPr lang="ru-RU"/>
           </a:p>
@@ -3804,7 +3820,7 @@
           <a:p>
             <a:fld id="{F0D63F0B-35FC-47F5-9430-4C8FE7340752}" type="datetimeFigureOut">
               <a:rPr lang="ru-RU" smtClean="0"/>
-              <a:t>11.04.2022</a:t>
+              <a:t>14.04.2022</a:t>
             </a:fld>
             <a:endParaRPr lang="ru-RU"/>
           </a:p>
@@ -3899,7 +3915,7 @@
           <a:p>
             <a:fld id="{F0D63F0B-35FC-47F5-9430-4C8FE7340752}" type="datetimeFigureOut">
               <a:rPr lang="ru-RU" smtClean="0"/>
-              <a:t>11.04.2022</a:t>
+              <a:t>14.04.2022</a:t>
             </a:fld>
             <a:endParaRPr lang="ru-RU"/>
           </a:p>
@@ -4154,7 +4170,7 @@
           <a:p>
             <a:fld id="{F0D63F0B-35FC-47F5-9430-4C8FE7340752}" type="datetimeFigureOut">
               <a:rPr lang="ru-RU" smtClean="0"/>
-              <a:t>11.04.2022</a:t>
+              <a:t>14.04.2022</a:t>
             </a:fld>
             <a:endParaRPr lang="ru-RU"/>
           </a:p>
@@ -4437,7 +4453,7 @@
           <a:p>
             <a:fld id="{F0D63F0B-35FC-47F5-9430-4C8FE7340752}" type="datetimeFigureOut">
               <a:rPr lang="ru-RU" smtClean="0"/>
-              <a:t>11.04.2022</a:t>
+              <a:t>14.04.2022</a:t>
             </a:fld>
             <a:endParaRPr lang="ru-RU"/>
           </a:p>
@@ -4843,7 +4859,7 @@
           <a:p>
             <a:fld id="{F0D63F0B-35FC-47F5-9430-4C8FE7340752}" type="datetimeFigureOut">
               <a:rPr lang="ru-RU" smtClean="0"/>
-              <a:t>11.04.2022</a:t>
+              <a:t>14.04.2022</a:t>
             </a:fld>
             <a:endParaRPr lang="ru-RU"/>
           </a:p>
@@ -5512,6 +5528,3287 @@
 </p:sld>
 </file>
 
+<file path=ppt/slides/slide10.xml><?xml version="1.0" encoding="utf-8"?>
+<p:sld xmlns:a="http://schemas.openxmlformats.org/drawingml/2006/main" xmlns:r="http://schemas.openxmlformats.org/officeDocument/2006/relationships" xmlns:p="http://schemas.openxmlformats.org/presentationml/2006/main">
+  <p:cSld>
+    <p:spTree>
+      <p:nvGrpSpPr>
+        <p:cNvPr id="1" name=""/>
+        <p:cNvGrpSpPr/>
+        <p:nvPr/>
+      </p:nvGrpSpPr>
+      <p:grpSpPr>
+        <a:xfrm>
+          <a:off x="0" y="0"/>
+          <a:ext cx="0" cy="0"/>
+          <a:chOff x="0" y="0"/>
+          <a:chExt cx="0" cy="0"/>
+        </a:xfrm>
+      </p:grpSpPr>
+      <p:sp>
+        <p:nvSpPr>
+          <p:cNvPr id="5" name="Заголовок 4"/>
+          <p:cNvSpPr>
+            <a:spLocks noGrp="1"/>
+          </p:cNvSpPr>
+          <p:nvPr>
+            <p:ph type="title"/>
+          </p:nvPr>
+        </p:nvSpPr>
+        <p:spPr>
+          <a:xfrm>
+            <a:off x="420443" y="149469"/>
+            <a:ext cx="11088689" cy="714142"/>
+          </a:xfrm>
+        </p:spPr>
+        <p:txBody>
+          <a:bodyPr>
+            <a:normAutofit fontScale="90000"/>
+          </a:bodyPr>
+          <a:lstStyle/>
+          <a:p>
+            <a:pPr algn="ctr"/>
+            <a:r>
+              <a:rPr lang="en-US" sz="4400" b="1" dirty="0" smtClean="0">
+                <a:solidFill>
+                  <a:schemeClr val="accent5"/>
+                </a:solidFill>
+                <a:latin typeface="Forte" panose="03060902040502070203" pitchFamily="66" charset="0"/>
+              </a:rPr>
+              <a:t>HTML</a:t>
+            </a:r>
+            <a:endParaRPr lang="ru-RU" sz="4400" b="1" dirty="0">
+              <a:solidFill>
+                <a:schemeClr val="accent5"/>
+              </a:solidFill>
+            </a:endParaRPr>
+          </a:p>
+        </p:txBody>
+      </p:sp>
+      <p:sp>
+        <p:nvSpPr>
+          <p:cNvPr id="6" name="Текст 5"/>
+          <p:cNvSpPr>
+            <a:spLocks noGrp="1"/>
+          </p:cNvSpPr>
+          <p:nvPr>
+            <p:ph type="body" idx="1"/>
+          </p:nvPr>
+        </p:nvSpPr>
+        <p:spPr>
+          <a:xfrm>
+            <a:off x="1010321" y="3624386"/>
+            <a:ext cx="9653954" cy="3094892"/>
+          </a:xfrm>
+          <a:solidFill>
+            <a:schemeClr val="tx1"/>
+          </a:solidFill>
+        </p:spPr>
+        <p:txBody>
+          <a:bodyPr>
+            <a:normAutofit fontScale="85000" lnSpcReduction="20000"/>
+          </a:bodyPr>
+          <a:lstStyle/>
+          <a:p>
+            <a:r>
+              <a:rPr lang="ru-RU" dirty="0" smtClean="0">
+                <a:solidFill>
+                  <a:schemeClr val="accent6"/>
+                </a:solidFill>
+              </a:rPr>
+              <a:t>Базовый шаблон </a:t>
+            </a:r>
+            <a:r>
+              <a:rPr lang="en-US" dirty="0" smtClean="0">
+                <a:solidFill>
+                  <a:schemeClr val="accent6"/>
+                </a:solidFill>
+              </a:rPr>
+              <a:t>layout</a:t>
+            </a:r>
+            <a:r>
+              <a:rPr lang="ru-RU" dirty="0" smtClean="0">
+                <a:solidFill>
+                  <a:schemeClr val="accent6"/>
+                </a:solidFill>
+              </a:rPr>
+              <a:t>.</a:t>
+            </a:r>
+            <a:r>
+              <a:rPr lang="en-US" dirty="0" smtClean="0">
+                <a:solidFill>
+                  <a:schemeClr val="accent6"/>
+                </a:solidFill>
+              </a:rPr>
+              <a:t>html </a:t>
+            </a:r>
+            <a:r>
+              <a:rPr lang="ru-RU" dirty="0" smtClean="0">
+                <a:solidFill>
+                  <a:schemeClr val="accent6"/>
+                </a:solidFill>
+              </a:rPr>
+              <a:t>в нём хранятся</a:t>
+            </a:r>
+            <a:r>
+              <a:rPr lang="en-US" dirty="0" smtClean="0">
+                <a:solidFill>
+                  <a:schemeClr val="accent6"/>
+                </a:solidFill>
+              </a:rPr>
+              <a:t>:</a:t>
+            </a:r>
+            <a:endParaRPr lang="ru-RU" dirty="0" smtClean="0">
+              <a:solidFill>
+                <a:schemeClr val="accent6"/>
+              </a:solidFill>
+            </a:endParaRPr>
+          </a:p>
+          <a:p>
+            <a:r>
+              <a:rPr lang="ru-RU" dirty="0" smtClean="0">
+                <a:solidFill>
+                  <a:schemeClr val="accent6"/>
+                </a:solidFill>
+              </a:rPr>
+              <a:t>	</a:t>
+            </a:r>
+            <a:r>
+              <a:rPr lang="en-US" dirty="0" smtClean="0">
+                <a:solidFill>
+                  <a:schemeClr val="accent6"/>
+                </a:solidFill>
+              </a:rPr>
+              <a:t>1.Bootstrap </a:t>
+            </a:r>
+            <a:r>
+              <a:rPr lang="en-US" dirty="0">
+                <a:solidFill>
+                  <a:schemeClr val="accent6"/>
+                </a:solidFill>
+              </a:rPr>
+              <a:t>r</a:t>
+            </a:r>
+            <a:r>
+              <a:rPr lang="en-US" dirty="0" smtClean="0">
+                <a:solidFill>
+                  <a:schemeClr val="accent6"/>
+                </a:solidFill>
+              </a:rPr>
+              <a:t>eboot (</a:t>
+            </a:r>
+            <a:r>
+              <a:rPr lang="ru-RU" dirty="0" smtClean="0">
+                <a:solidFill>
+                  <a:schemeClr val="accent6"/>
+                </a:solidFill>
+              </a:rPr>
+              <a:t>сброс стиля)</a:t>
+            </a:r>
+          </a:p>
+          <a:p>
+            <a:r>
+              <a:rPr lang="ru-RU" dirty="0" smtClean="0">
+                <a:solidFill>
+                  <a:schemeClr val="accent6"/>
+                </a:solidFill>
+              </a:rPr>
+              <a:t>	</a:t>
+            </a:r>
+            <a:r>
+              <a:rPr lang="en-US" dirty="0">
+                <a:solidFill>
+                  <a:schemeClr val="accent6"/>
+                </a:solidFill>
+              </a:rPr>
+              <a:t>2</a:t>
+            </a:r>
+            <a:r>
+              <a:rPr lang="en-US" dirty="0" smtClean="0">
+                <a:solidFill>
+                  <a:schemeClr val="accent6"/>
+                </a:solidFill>
+              </a:rPr>
+              <a:t>.Bootstrap </a:t>
+            </a:r>
+            <a:r>
+              <a:rPr lang="ru-RU" dirty="0" smtClean="0">
+                <a:solidFill>
+                  <a:schemeClr val="accent6"/>
+                </a:solidFill>
+              </a:rPr>
+              <a:t>сетка (для объявлений)</a:t>
+            </a:r>
+          </a:p>
+          <a:p>
+            <a:r>
+              <a:rPr lang="ru-RU" dirty="0" smtClean="0">
+                <a:solidFill>
+                  <a:schemeClr val="accent6"/>
+                </a:solidFill>
+              </a:rPr>
+              <a:t>	</a:t>
+            </a:r>
+            <a:r>
+              <a:rPr lang="en-US" dirty="0" smtClean="0">
+                <a:solidFill>
+                  <a:schemeClr val="accent6"/>
+                </a:solidFill>
+              </a:rPr>
+              <a:t>3.</a:t>
+            </a:r>
+            <a:r>
+              <a:rPr lang="ru-RU" dirty="0" smtClean="0">
+                <a:solidFill>
+                  <a:schemeClr val="accent6"/>
+                </a:solidFill>
+              </a:rPr>
+              <a:t>Шрифты с </a:t>
+            </a:r>
+            <a:r>
+              <a:rPr lang="en-US" dirty="0" smtClean="0">
+                <a:solidFill>
+                  <a:schemeClr val="accent6"/>
+                </a:solidFill>
+              </a:rPr>
+              <a:t>Google Fonts </a:t>
+            </a:r>
+            <a:r>
+              <a:rPr lang="ru-RU" dirty="0" smtClean="0">
+                <a:solidFill>
+                  <a:schemeClr val="accent6"/>
+                </a:solidFill>
+              </a:rPr>
+              <a:t>(</a:t>
+            </a:r>
+            <a:r>
+              <a:rPr lang="en-US" dirty="0" smtClean="0">
+                <a:solidFill>
+                  <a:schemeClr val="accent6"/>
+                </a:solidFill>
+              </a:rPr>
+              <a:t>Nano Sans)</a:t>
+            </a:r>
+            <a:endParaRPr lang="ru-RU" dirty="0" smtClean="0">
+              <a:solidFill>
+                <a:schemeClr val="accent6"/>
+              </a:solidFill>
+            </a:endParaRPr>
+          </a:p>
+          <a:p>
+            <a:r>
+              <a:rPr lang="ru-RU" dirty="0" smtClean="0">
+                <a:solidFill>
+                  <a:schemeClr val="accent6"/>
+                </a:solidFill>
+              </a:rPr>
+              <a:t>	</a:t>
+            </a:r>
+            <a:r>
+              <a:rPr lang="en-US" dirty="0" smtClean="0">
+                <a:solidFill>
+                  <a:schemeClr val="accent6"/>
+                </a:solidFill>
+              </a:rPr>
+              <a:t>4.</a:t>
+            </a:r>
+            <a:r>
+              <a:rPr lang="ru-RU" dirty="0" smtClean="0">
+                <a:solidFill>
+                  <a:schemeClr val="accent6"/>
+                </a:solidFill>
+              </a:rPr>
+              <a:t>Блоки:</a:t>
+            </a:r>
+          </a:p>
+          <a:p>
+            <a:r>
+              <a:rPr lang="ru-RU" dirty="0">
+                <a:solidFill>
+                  <a:schemeClr val="accent6"/>
+                </a:solidFill>
+              </a:rPr>
+              <a:t>	</a:t>
+            </a:r>
+            <a:r>
+              <a:rPr lang="ru-RU" dirty="0" smtClean="0">
+                <a:solidFill>
+                  <a:schemeClr val="accent6"/>
+                </a:solidFill>
+              </a:rPr>
+              <a:t>	</a:t>
+            </a:r>
+            <a:r>
+              <a:rPr lang="en-US" dirty="0" smtClean="0">
+                <a:solidFill>
+                  <a:schemeClr val="accent6"/>
+                </a:solidFill>
+              </a:rPr>
+              <a:t>4.1.Menu</a:t>
+            </a:r>
+          </a:p>
+          <a:p>
+            <a:r>
+              <a:rPr lang="en-US" dirty="0">
+                <a:solidFill>
+                  <a:schemeClr val="accent6"/>
+                </a:solidFill>
+              </a:rPr>
+              <a:t>	</a:t>
+            </a:r>
+            <a:r>
+              <a:rPr lang="en-US" dirty="0" smtClean="0">
+                <a:solidFill>
+                  <a:schemeClr val="accent6"/>
+                </a:solidFill>
+              </a:rPr>
+              <a:t>	4.2.Content</a:t>
+            </a:r>
+          </a:p>
+          <a:p>
+            <a:r>
+              <a:rPr lang="en-US" dirty="0">
+                <a:solidFill>
+                  <a:schemeClr val="accent6"/>
+                </a:solidFill>
+              </a:rPr>
+              <a:t>	</a:t>
+            </a:r>
+            <a:r>
+              <a:rPr lang="en-US" dirty="0" smtClean="0">
+                <a:solidFill>
+                  <a:schemeClr val="accent6"/>
+                </a:solidFill>
+              </a:rPr>
+              <a:t>	4.3.Main_page</a:t>
+            </a:r>
+          </a:p>
+          <a:p>
+            <a:r>
+              <a:rPr lang="en-US" dirty="0">
+                <a:solidFill>
+                  <a:schemeClr val="accent6"/>
+                </a:solidFill>
+              </a:rPr>
+              <a:t>	</a:t>
+            </a:r>
+            <a:r>
+              <a:rPr lang="en-US" dirty="0" smtClean="0">
+                <a:solidFill>
+                  <a:schemeClr val="accent6"/>
+                </a:solidFill>
+              </a:rPr>
+              <a:t>	4.4.Footer</a:t>
+            </a:r>
+          </a:p>
+          <a:p>
+            <a:r>
+              <a:rPr lang="ru-RU" dirty="0" smtClean="0">
+                <a:solidFill>
+                  <a:schemeClr val="accent6"/>
+                </a:solidFill>
+              </a:rPr>
+              <a:t>Так же в нём определяются заголовки страниц </a:t>
+            </a:r>
+            <a:endParaRPr lang="ru-RU" dirty="0">
+              <a:solidFill>
+                <a:schemeClr val="accent6"/>
+              </a:solidFill>
+            </a:endParaRPr>
+          </a:p>
+        </p:txBody>
+      </p:sp>
+      <p:sp>
+        <p:nvSpPr>
+          <p:cNvPr id="7" name="Текст 5"/>
+          <p:cNvSpPr txBox="1">
+            <a:spLocks/>
+          </p:cNvSpPr>
+          <p:nvPr/>
+        </p:nvSpPr>
+        <p:spPr>
+          <a:xfrm>
+            <a:off x="1697588" y="828916"/>
+            <a:ext cx="8534400" cy="396639"/>
+          </a:xfrm>
+          <a:prstGeom prst="rect">
+            <a:avLst/>
+          </a:prstGeom>
+        </p:spPr>
+        <p:txBody>
+          <a:bodyPr vert="horz" lIns="91440" tIns="45720" rIns="91440" bIns="45720" rtlCol="0" anchor="t">
+            <a:normAutofit/>
+          </a:bodyPr>
+          <a:lstStyle>
+            <a:lvl1pPr marL="0" indent="0" algn="l" defTabSz="457200" rtl="0" eaLnBrk="1" latinLnBrk="0" hangingPunct="1">
+              <a:spcBef>
+                <a:spcPct val="20000"/>
+              </a:spcBef>
+              <a:spcAft>
+                <a:spcPts val="600"/>
+              </a:spcAft>
+              <a:buClr>
+                <a:schemeClr val="tx1"/>
+              </a:buClr>
+              <a:buSzPct val="80000"/>
+              <a:buFont typeface="Wingdings 3" panose="05040102010807070707" pitchFamily="18" charset="2"/>
+              <a:buNone/>
+              <a:defRPr sz="1800" kern="1200" cap="none">
+                <a:solidFill>
+                  <a:schemeClr val="bg2">
+                    <a:lumMod val="75000"/>
+                  </a:schemeClr>
+                </a:solidFill>
+                <a:effectLst/>
+                <a:latin typeface="+mn-lt"/>
+                <a:ea typeface="+mn-ea"/>
+                <a:cs typeface="+mn-cs"/>
+              </a:defRPr>
+            </a:lvl1pPr>
+            <a:lvl2pPr marL="457200" indent="0" algn="l" defTabSz="457200" rtl="0" eaLnBrk="1" latinLnBrk="0" hangingPunct="1">
+              <a:spcBef>
+                <a:spcPct val="20000"/>
+              </a:spcBef>
+              <a:spcAft>
+                <a:spcPts val="600"/>
+              </a:spcAft>
+              <a:buClr>
+                <a:schemeClr val="tx1"/>
+              </a:buClr>
+              <a:buSzPct val="80000"/>
+              <a:buFont typeface="Wingdings 3" panose="05040102010807070707" pitchFamily="18" charset="2"/>
+              <a:buNone/>
+              <a:defRPr sz="1800" kern="1200" cap="none">
+                <a:solidFill>
+                  <a:schemeClr val="tx1">
+                    <a:tint val="75000"/>
+                  </a:schemeClr>
+                </a:solidFill>
+                <a:effectLst/>
+                <a:latin typeface="+mn-lt"/>
+                <a:ea typeface="+mn-ea"/>
+                <a:cs typeface="+mn-cs"/>
+              </a:defRPr>
+            </a:lvl2pPr>
+            <a:lvl3pPr marL="914400" indent="0" algn="l" defTabSz="457200" rtl="0" eaLnBrk="1" latinLnBrk="0" hangingPunct="1">
+              <a:spcBef>
+                <a:spcPct val="20000"/>
+              </a:spcBef>
+              <a:spcAft>
+                <a:spcPts val="600"/>
+              </a:spcAft>
+              <a:buClr>
+                <a:schemeClr val="tx1"/>
+              </a:buClr>
+              <a:buSzPct val="80000"/>
+              <a:buFont typeface="Wingdings 3" panose="05040102010807070707" pitchFamily="18" charset="2"/>
+              <a:buNone/>
+              <a:defRPr sz="1600" kern="1200" cap="none">
+                <a:solidFill>
+                  <a:schemeClr val="tx1">
+                    <a:tint val="75000"/>
+                  </a:schemeClr>
+                </a:solidFill>
+                <a:effectLst/>
+                <a:latin typeface="+mn-lt"/>
+                <a:ea typeface="+mn-ea"/>
+                <a:cs typeface="+mn-cs"/>
+              </a:defRPr>
+            </a:lvl3pPr>
+            <a:lvl4pPr marL="1371600" indent="0" algn="l" defTabSz="457200" rtl="0" eaLnBrk="1" latinLnBrk="0" hangingPunct="1">
+              <a:spcBef>
+                <a:spcPct val="20000"/>
+              </a:spcBef>
+              <a:spcAft>
+                <a:spcPts val="600"/>
+              </a:spcAft>
+              <a:buClr>
+                <a:schemeClr val="tx1"/>
+              </a:buClr>
+              <a:buSzPct val="80000"/>
+              <a:buFont typeface="Wingdings 3" panose="05040102010807070707" pitchFamily="18" charset="2"/>
+              <a:buNone/>
+              <a:defRPr sz="1400" kern="1200" cap="none">
+                <a:solidFill>
+                  <a:schemeClr val="tx1">
+                    <a:tint val="75000"/>
+                  </a:schemeClr>
+                </a:solidFill>
+                <a:effectLst/>
+                <a:latin typeface="+mn-lt"/>
+                <a:ea typeface="+mn-ea"/>
+                <a:cs typeface="+mn-cs"/>
+              </a:defRPr>
+            </a:lvl4pPr>
+            <a:lvl5pPr marL="1828800" indent="0" algn="l" defTabSz="457200" rtl="0" eaLnBrk="1" latinLnBrk="0" hangingPunct="1">
+              <a:spcBef>
+                <a:spcPct val="20000"/>
+              </a:spcBef>
+              <a:spcAft>
+                <a:spcPts val="600"/>
+              </a:spcAft>
+              <a:buClr>
+                <a:schemeClr val="tx1"/>
+              </a:buClr>
+              <a:buSzPct val="80000"/>
+              <a:buFont typeface="Wingdings 3" panose="05040102010807070707" pitchFamily="18" charset="2"/>
+              <a:buNone/>
+              <a:defRPr sz="1400" kern="1200" cap="none">
+                <a:solidFill>
+                  <a:schemeClr val="tx1">
+                    <a:tint val="75000"/>
+                  </a:schemeClr>
+                </a:solidFill>
+                <a:effectLst/>
+                <a:latin typeface="+mn-lt"/>
+                <a:ea typeface="+mn-ea"/>
+                <a:cs typeface="+mn-cs"/>
+              </a:defRPr>
+            </a:lvl5pPr>
+            <a:lvl6pPr marL="2286000" indent="0" algn="l" defTabSz="457200" rtl="0" eaLnBrk="1" latinLnBrk="0" hangingPunct="1">
+              <a:spcBef>
+                <a:spcPct val="20000"/>
+              </a:spcBef>
+              <a:spcAft>
+                <a:spcPts val="600"/>
+              </a:spcAft>
+              <a:buClr>
+                <a:schemeClr val="tx1"/>
+              </a:buClr>
+              <a:buSzPct val="80000"/>
+              <a:buFont typeface="Wingdings 3" panose="05040102010807070707" pitchFamily="18" charset="2"/>
+              <a:buNone/>
+              <a:defRPr sz="1400" kern="1200" cap="none">
+                <a:solidFill>
+                  <a:schemeClr val="tx1">
+                    <a:tint val="75000"/>
+                  </a:schemeClr>
+                </a:solidFill>
+                <a:effectLst/>
+                <a:latin typeface="+mn-lt"/>
+                <a:ea typeface="+mn-ea"/>
+                <a:cs typeface="+mn-cs"/>
+              </a:defRPr>
+            </a:lvl6pPr>
+            <a:lvl7pPr marL="2743200" indent="0" algn="l" defTabSz="457200" rtl="0" eaLnBrk="1" latinLnBrk="0" hangingPunct="1">
+              <a:spcBef>
+                <a:spcPct val="20000"/>
+              </a:spcBef>
+              <a:spcAft>
+                <a:spcPts val="600"/>
+              </a:spcAft>
+              <a:buClr>
+                <a:schemeClr val="tx1"/>
+              </a:buClr>
+              <a:buSzPct val="80000"/>
+              <a:buFont typeface="Wingdings 3" panose="05040102010807070707" pitchFamily="18" charset="2"/>
+              <a:buNone/>
+              <a:defRPr sz="1400" kern="1200" cap="none">
+                <a:solidFill>
+                  <a:schemeClr val="tx1">
+                    <a:tint val="75000"/>
+                  </a:schemeClr>
+                </a:solidFill>
+                <a:effectLst/>
+                <a:latin typeface="+mn-lt"/>
+                <a:ea typeface="+mn-ea"/>
+                <a:cs typeface="+mn-cs"/>
+              </a:defRPr>
+            </a:lvl7pPr>
+            <a:lvl8pPr marL="3200400" indent="0" algn="l" defTabSz="457200" rtl="0" eaLnBrk="1" latinLnBrk="0" hangingPunct="1">
+              <a:spcBef>
+                <a:spcPct val="20000"/>
+              </a:spcBef>
+              <a:spcAft>
+                <a:spcPts val="600"/>
+              </a:spcAft>
+              <a:buClr>
+                <a:schemeClr val="tx1"/>
+              </a:buClr>
+              <a:buSzPct val="80000"/>
+              <a:buFont typeface="Wingdings 3" panose="05040102010807070707" pitchFamily="18" charset="2"/>
+              <a:buNone/>
+              <a:defRPr sz="1400" kern="1200" cap="none">
+                <a:solidFill>
+                  <a:schemeClr val="tx1">
+                    <a:tint val="75000"/>
+                  </a:schemeClr>
+                </a:solidFill>
+                <a:effectLst/>
+                <a:latin typeface="+mn-lt"/>
+                <a:ea typeface="+mn-ea"/>
+                <a:cs typeface="+mn-cs"/>
+              </a:defRPr>
+            </a:lvl8pPr>
+            <a:lvl9pPr marL="3657600" indent="0" algn="l" defTabSz="457200" rtl="0" eaLnBrk="1" latinLnBrk="0" hangingPunct="1">
+              <a:spcBef>
+                <a:spcPct val="20000"/>
+              </a:spcBef>
+              <a:spcAft>
+                <a:spcPts val="600"/>
+              </a:spcAft>
+              <a:buClr>
+                <a:schemeClr val="tx1"/>
+              </a:buClr>
+              <a:buSzPct val="80000"/>
+              <a:buFont typeface="Wingdings 3" panose="05040102010807070707" pitchFamily="18" charset="2"/>
+              <a:buNone/>
+              <a:defRPr sz="1400" kern="1200" cap="none">
+                <a:solidFill>
+                  <a:schemeClr val="tx1">
+                    <a:tint val="75000"/>
+                  </a:schemeClr>
+                </a:solidFill>
+                <a:effectLst/>
+                <a:latin typeface="+mn-lt"/>
+                <a:ea typeface="+mn-ea"/>
+                <a:cs typeface="+mn-cs"/>
+              </a:defRPr>
+            </a:lvl9pPr>
+          </a:lstStyle>
+          <a:p>
+            <a:pPr algn="ctr"/>
+            <a:r>
+              <a:rPr lang="ru-RU" dirty="0" smtClean="0"/>
+              <a:t>Шаблоны страниц</a:t>
+            </a:r>
+            <a:endParaRPr lang="ru-RU" dirty="0"/>
+          </a:p>
+        </p:txBody>
+      </p:sp>
+      <p:sp>
+        <p:nvSpPr>
+          <p:cNvPr id="8" name="Текст 5"/>
+          <p:cNvSpPr txBox="1">
+            <a:spLocks/>
+          </p:cNvSpPr>
+          <p:nvPr/>
+        </p:nvSpPr>
+        <p:spPr>
+          <a:xfrm>
+            <a:off x="2225126" y="2649910"/>
+            <a:ext cx="8534400" cy="1498600"/>
+          </a:xfrm>
+          <a:prstGeom prst="rect">
+            <a:avLst/>
+          </a:prstGeom>
+        </p:spPr>
+        <p:txBody>
+          <a:bodyPr vert="horz" lIns="91440" tIns="45720" rIns="91440" bIns="45720" rtlCol="0" anchor="t">
+            <a:normAutofit/>
+          </a:bodyPr>
+          <a:lstStyle>
+            <a:lvl1pPr marL="0" indent="0" algn="l" defTabSz="457200" rtl="0" eaLnBrk="1" latinLnBrk="0" hangingPunct="1">
+              <a:spcBef>
+                <a:spcPct val="20000"/>
+              </a:spcBef>
+              <a:spcAft>
+                <a:spcPts val="600"/>
+              </a:spcAft>
+              <a:buClr>
+                <a:schemeClr val="tx1"/>
+              </a:buClr>
+              <a:buSzPct val="80000"/>
+              <a:buFont typeface="Wingdings 3" panose="05040102010807070707" pitchFamily="18" charset="2"/>
+              <a:buNone/>
+              <a:defRPr sz="1800" kern="1200" cap="none">
+                <a:solidFill>
+                  <a:schemeClr val="bg2">
+                    <a:lumMod val="75000"/>
+                  </a:schemeClr>
+                </a:solidFill>
+                <a:effectLst/>
+                <a:latin typeface="+mn-lt"/>
+                <a:ea typeface="+mn-ea"/>
+                <a:cs typeface="+mn-cs"/>
+              </a:defRPr>
+            </a:lvl1pPr>
+            <a:lvl2pPr marL="457200" indent="0" algn="l" defTabSz="457200" rtl="0" eaLnBrk="1" latinLnBrk="0" hangingPunct="1">
+              <a:spcBef>
+                <a:spcPct val="20000"/>
+              </a:spcBef>
+              <a:spcAft>
+                <a:spcPts val="600"/>
+              </a:spcAft>
+              <a:buClr>
+                <a:schemeClr val="tx1"/>
+              </a:buClr>
+              <a:buSzPct val="80000"/>
+              <a:buFont typeface="Wingdings 3" panose="05040102010807070707" pitchFamily="18" charset="2"/>
+              <a:buNone/>
+              <a:defRPr sz="1800" kern="1200" cap="none">
+                <a:solidFill>
+                  <a:schemeClr val="tx1">
+                    <a:tint val="75000"/>
+                  </a:schemeClr>
+                </a:solidFill>
+                <a:effectLst/>
+                <a:latin typeface="+mn-lt"/>
+                <a:ea typeface="+mn-ea"/>
+                <a:cs typeface="+mn-cs"/>
+              </a:defRPr>
+            </a:lvl2pPr>
+            <a:lvl3pPr marL="914400" indent="0" algn="l" defTabSz="457200" rtl="0" eaLnBrk="1" latinLnBrk="0" hangingPunct="1">
+              <a:spcBef>
+                <a:spcPct val="20000"/>
+              </a:spcBef>
+              <a:spcAft>
+                <a:spcPts val="600"/>
+              </a:spcAft>
+              <a:buClr>
+                <a:schemeClr val="tx1"/>
+              </a:buClr>
+              <a:buSzPct val="80000"/>
+              <a:buFont typeface="Wingdings 3" panose="05040102010807070707" pitchFamily="18" charset="2"/>
+              <a:buNone/>
+              <a:defRPr sz="1600" kern="1200" cap="none">
+                <a:solidFill>
+                  <a:schemeClr val="tx1">
+                    <a:tint val="75000"/>
+                  </a:schemeClr>
+                </a:solidFill>
+                <a:effectLst/>
+                <a:latin typeface="+mn-lt"/>
+                <a:ea typeface="+mn-ea"/>
+                <a:cs typeface="+mn-cs"/>
+              </a:defRPr>
+            </a:lvl3pPr>
+            <a:lvl4pPr marL="1371600" indent="0" algn="l" defTabSz="457200" rtl="0" eaLnBrk="1" latinLnBrk="0" hangingPunct="1">
+              <a:spcBef>
+                <a:spcPct val="20000"/>
+              </a:spcBef>
+              <a:spcAft>
+                <a:spcPts val="600"/>
+              </a:spcAft>
+              <a:buClr>
+                <a:schemeClr val="tx1"/>
+              </a:buClr>
+              <a:buSzPct val="80000"/>
+              <a:buFont typeface="Wingdings 3" panose="05040102010807070707" pitchFamily="18" charset="2"/>
+              <a:buNone/>
+              <a:defRPr sz="1400" kern="1200" cap="none">
+                <a:solidFill>
+                  <a:schemeClr val="tx1">
+                    <a:tint val="75000"/>
+                  </a:schemeClr>
+                </a:solidFill>
+                <a:effectLst/>
+                <a:latin typeface="+mn-lt"/>
+                <a:ea typeface="+mn-ea"/>
+                <a:cs typeface="+mn-cs"/>
+              </a:defRPr>
+            </a:lvl4pPr>
+            <a:lvl5pPr marL="1828800" indent="0" algn="l" defTabSz="457200" rtl="0" eaLnBrk="1" latinLnBrk="0" hangingPunct="1">
+              <a:spcBef>
+                <a:spcPct val="20000"/>
+              </a:spcBef>
+              <a:spcAft>
+                <a:spcPts val="600"/>
+              </a:spcAft>
+              <a:buClr>
+                <a:schemeClr val="tx1"/>
+              </a:buClr>
+              <a:buSzPct val="80000"/>
+              <a:buFont typeface="Wingdings 3" panose="05040102010807070707" pitchFamily="18" charset="2"/>
+              <a:buNone/>
+              <a:defRPr sz="1400" kern="1200" cap="none">
+                <a:solidFill>
+                  <a:schemeClr val="tx1">
+                    <a:tint val="75000"/>
+                  </a:schemeClr>
+                </a:solidFill>
+                <a:effectLst/>
+                <a:latin typeface="+mn-lt"/>
+                <a:ea typeface="+mn-ea"/>
+                <a:cs typeface="+mn-cs"/>
+              </a:defRPr>
+            </a:lvl5pPr>
+            <a:lvl6pPr marL="2286000" indent="0" algn="l" defTabSz="457200" rtl="0" eaLnBrk="1" latinLnBrk="0" hangingPunct="1">
+              <a:spcBef>
+                <a:spcPct val="20000"/>
+              </a:spcBef>
+              <a:spcAft>
+                <a:spcPts val="600"/>
+              </a:spcAft>
+              <a:buClr>
+                <a:schemeClr val="tx1"/>
+              </a:buClr>
+              <a:buSzPct val="80000"/>
+              <a:buFont typeface="Wingdings 3" panose="05040102010807070707" pitchFamily="18" charset="2"/>
+              <a:buNone/>
+              <a:defRPr sz="1400" kern="1200" cap="none">
+                <a:solidFill>
+                  <a:schemeClr val="tx1">
+                    <a:tint val="75000"/>
+                  </a:schemeClr>
+                </a:solidFill>
+                <a:effectLst/>
+                <a:latin typeface="+mn-lt"/>
+                <a:ea typeface="+mn-ea"/>
+                <a:cs typeface="+mn-cs"/>
+              </a:defRPr>
+            </a:lvl6pPr>
+            <a:lvl7pPr marL="2743200" indent="0" algn="l" defTabSz="457200" rtl="0" eaLnBrk="1" latinLnBrk="0" hangingPunct="1">
+              <a:spcBef>
+                <a:spcPct val="20000"/>
+              </a:spcBef>
+              <a:spcAft>
+                <a:spcPts val="600"/>
+              </a:spcAft>
+              <a:buClr>
+                <a:schemeClr val="tx1"/>
+              </a:buClr>
+              <a:buSzPct val="80000"/>
+              <a:buFont typeface="Wingdings 3" panose="05040102010807070707" pitchFamily="18" charset="2"/>
+              <a:buNone/>
+              <a:defRPr sz="1400" kern="1200" cap="none">
+                <a:solidFill>
+                  <a:schemeClr val="tx1">
+                    <a:tint val="75000"/>
+                  </a:schemeClr>
+                </a:solidFill>
+                <a:effectLst/>
+                <a:latin typeface="+mn-lt"/>
+                <a:ea typeface="+mn-ea"/>
+                <a:cs typeface="+mn-cs"/>
+              </a:defRPr>
+            </a:lvl7pPr>
+            <a:lvl8pPr marL="3200400" indent="0" algn="l" defTabSz="457200" rtl="0" eaLnBrk="1" latinLnBrk="0" hangingPunct="1">
+              <a:spcBef>
+                <a:spcPct val="20000"/>
+              </a:spcBef>
+              <a:spcAft>
+                <a:spcPts val="600"/>
+              </a:spcAft>
+              <a:buClr>
+                <a:schemeClr val="tx1"/>
+              </a:buClr>
+              <a:buSzPct val="80000"/>
+              <a:buFont typeface="Wingdings 3" panose="05040102010807070707" pitchFamily="18" charset="2"/>
+              <a:buNone/>
+              <a:defRPr sz="1400" kern="1200" cap="none">
+                <a:solidFill>
+                  <a:schemeClr val="tx1">
+                    <a:tint val="75000"/>
+                  </a:schemeClr>
+                </a:solidFill>
+                <a:effectLst/>
+                <a:latin typeface="+mn-lt"/>
+                <a:ea typeface="+mn-ea"/>
+                <a:cs typeface="+mn-cs"/>
+              </a:defRPr>
+            </a:lvl8pPr>
+            <a:lvl9pPr marL="3657600" indent="0" algn="l" defTabSz="457200" rtl="0" eaLnBrk="1" latinLnBrk="0" hangingPunct="1">
+              <a:spcBef>
+                <a:spcPct val="20000"/>
+              </a:spcBef>
+              <a:spcAft>
+                <a:spcPts val="600"/>
+              </a:spcAft>
+              <a:buClr>
+                <a:schemeClr val="tx1"/>
+              </a:buClr>
+              <a:buSzPct val="80000"/>
+              <a:buFont typeface="Wingdings 3" panose="05040102010807070707" pitchFamily="18" charset="2"/>
+              <a:buNone/>
+              <a:defRPr sz="1400" kern="1200" cap="none">
+                <a:solidFill>
+                  <a:schemeClr val="tx1">
+                    <a:tint val="75000"/>
+                  </a:schemeClr>
+                </a:solidFill>
+                <a:effectLst/>
+                <a:latin typeface="+mn-lt"/>
+                <a:ea typeface="+mn-ea"/>
+                <a:cs typeface="+mn-cs"/>
+              </a:defRPr>
+            </a:lvl9pPr>
+          </a:lstStyle>
+          <a:p>
+            <a:endParaRPr lang="ru-RU"/>
+          </a:p>
+        </p:txBody>
+      </p:sp>
+      <p:sp>
+        <p:nvSpPr>
+          <p:cNvPr id="9" name="Текст 5"/>
+          <p:cNvSpPr txBox="1">
+            <a:spLocks/>
+          </p:cNvSpPr>
+          <p:nvPr/>
+        </p:nvSpPr>
+        <p:spPr>
+          <a:xfrm>
+            <a:off x="1010321" y="1225555"/>
+            <a:ext cx="10964009" cy="2521922"/>
+          </a:xfrm>
+          <a:prstGeom prst="rect">
+            <a:avLst/>
+          </a:prstGeom>
+        </p:spPr>
+        <p:txBody>
+          <a:bodyPr vert="horz" lIns="91440" tIns="45720" rIns="91440" bIns="45720" rtlCol="0" anchor="t">
+            <a:normAutofit lnSpcReduction="10000"/>
+          </a:bodyPr>
+          <a:lstStyle>
+            <a:lvl1pPr marL="0" indent="0" algn="l" defTabSz="457200" rtl="0" eaLnBrk="1" latinLnBrk="0" hangingPunct="1">
+              <a:spcBef>
+                <a:spcPct val="20000"/>
+              </a:spcBef>
+              <a:spcAft>
+                <a:spcPts val="600"/>
+              </a:spcAft>
+              <a:buClr>
+                <a:schemeClr val="tx1"/>
+              </a:buClr>
+              <a:buSzPct val="80000"/>
+              <a:buFont typeface="Wingdings 3" panose="05040102010807070707" pitchFamily="18" charset="2"/>
+              <a:buNone/>
+              <a:defRPr sz="1800" kern="1200" cap="none">
+                <a:solidFill>
+                  <a:schemeClr val="bg2">
+                    <a:lumMod val="75000"/>
+                  </a:schemeClr>
+                </a:solidFill>
+                <a:effectLst/>
+                <a:latin typeface="+mn-lt"/>
+                <a:ea typeface="+mn-ea"/>
+                <a:cs typeface="+mn-cs"/>
+              </a:defRPr>
+            </a:lvl1pPr>
+            <a:lvl2pPr marL="457200" indent="0" algn="l" defTabSz="457200" rtl="0" eaLnBrk="1" latinLnBrk="0" hangingPunct="1">
+              <a:spcBef>
+                <a:spcPct val="20000"/>
+              </a:spcBef>
+              <a:spcAft>
+                <a:spcPts val="600"/>
+              </a:spcAft>
+              <a:buClr>
+                <a:schemeClr val="tx1"/>
+              </a:buClr>
+              <a:buSzPct val="80000"/>
+              <a:buFont typeface="Wingdings 3" panose="05040102010807070707" pitchFamily="18" charset="2"/>
+              <a:buNone/>
+              <a:defRPr sz="1800" kern="1200" cap="none">
+                <a:solidFill>
+                  <a:schemeClr val="tx1">
+                    <a:tint val="75000"/>
+                  </a:schemeClr>
+                </a:solidFill>
+                <a:effectLst/>
+                <a:latin typeface="+mn-lt"/>
+                <a:ea typeface="+mn-ea"/>
+                <a:cs typeface="+mn-cs"/>
+              </a:defRPr>
+            </a:lvl2pPr>
+            <a:lvl3pPr marL="914400" indent="0" algn="l" defTabSz="457200" rtl="0" eaLnBrk="1" latinLnBrk="0" hangingPunct="1">
+              <a:spcBef>
+                <a:spcPct val="20000"/>
+              </a:spcBef>
+              <a:spcAft>
+                <a:spcPts val="600"/>
+              </a:spcAft>
+              <a:buClr>
+                <a:schemeClr val="tx1"/>
+              </a:buClr>
+              <a:buSzPct val="80000"/>
+              <a:buFont typeface="Wingdings 3" panose="05040102010807070707" pitchFamily="18" charset="2"/>
+              <a:buNone/>
+              <a:defRPr sz="1600" kern="1200" cap="none">
+                <a:solidFill>
+                  <a:schemeClr val="tx1">
+                    <a:tint val="75000"/>
+                  </a:schemeClr>
+                </a:solidFill>
+                <a:effectLst/>
+                <a:latin typeface="+mn-lt"/>
+                <a:ea typeface="+mn-ea"/>
+                <a:cs typeface="+mn-cs"/>
+              </a:defRPr>
+            </a:lvl3pPr>
+            <a:lvl4pPr marL="1371600" indent="0" algn="l" defTabSz="457200" rtl="0" eaLnBrk="1" latinLnBrk="0" hangingPunct="1">
+              <a:spcBef>
+                <a:spcPct val="20000"/>
+              </a:spcBef>
+              <a:spcAft>
+                <a:spcPts val="600"/>
+              </a:spcAft>
+              <a:buClr>
+                <a:schemeClr val="tx1"/>
+              </a:buClr>
+              <a:buSzPct val="80000"/>
+              <a:buFont typeface="Wingdings 3" panose="05040102010807070707" pitchFamily="18" charset="2"/>
+              <a:buNone/>
+              <a:defRPr sz="1400" kern="1200" cap="none">
+                <a:solidFill>
+                  <a:schemeClr val="tx1">
+                    <a:tint val="75000"/>
+                  </a:schemeClr>
+                </a:solidFill>
+                <a:effectLst/>
+                <a:latin typeface="+mn-lt"/>
+                <a:ea typeface="+mn-ea"/>
+                <a:cs typeface="+mn-cs"/>
+              </a:defRPr>
+            </a:lvl4pPr>
+            <a:lvl5pPr marL="1828800" indent="0" algn="l" defTabSz="457200" rtl="0" eaLnBrk="1" latinLnBrk="0" hangingPunct="1">
+              <a:spcBef>
+                <a:spcPct val="20000"/>
+              </a:spcBef>
+              <a:spcAft>
+                <a:spcPts val="600"/>
+              </a:spcAft>
+              <a:buClr>
+                <a:schemeClr val="tx1"/>
+              </a:buClr>
+              <a:buSzPct val="80000"/>
+              <a:buFont typeface="Wingdings 3" panose="05040102010807070707" pitchFamily="18" charset="2"/>
+              <a:buNone/>
+              <a:defRPr sz="1400" kern="1200" cap="none">
+                <a:solidFill>
+                  <a:schemeClr val="tx1">
+                    <a:tint val="75000"/>
+                  </a:schemeClr>
+                </a:solidFill>
+                <a:effectLst/>
+                <a:latin typeface="+mn-lt"/>
+                <a:ea typeface="+mn-ea"/>
+                <a:cs typeface="+mn-cs"/>
+              </a:defRPr>
+            </a:lvl5pPr>
+            <a:lvl6pPr marL="2286000" indent="0" algn="l" defTabSz="457200" rtl="0" eaLnBrk="1" latinLnBrk="0" hangingPunct="1">
+              <a:spcBef>
+                <a:spcPct val="20000"/>
+              </a:spcBef>
+              <a:spcAft>
+                <a:spcPts val="600"/>
+              </a:spcAft>
+              <a:buClr>
+                <a:schemeClr val="tx1"/>
+              </a:buClr>
+              <a:buSzPct val="80000"/>
+              <a:buFont typeface="Wingdings 3" panose="05040102010807070707" pitchFamily="18" charset="2"/>
+              <a:buNone/>
+              <a:defRPr sz="1400" kern="1200" cap="none">
+                <a:solidFill>
+                  <a:schemeClr val="tx1">
+                    <a:tint val="75000"/>
+                  </a:schemeClr>
+                </a:solidFill>
+                <a:effectLst/>
+                <a:latin typeface="+mn-lt"/>
+                <a:ea typeface="+mn-ea"/>
+                <a:cs typeface="+mn-cs"/>
+              </a:defRPr>
+            </a:lvl6pPr>
+            <a:lvl7pPr marL="2743200" indent="0" algn="l" defTabSz="457200" rtl="0" eaLnBrk="1" latinLnBrk="0" hangingPunct="1">
+              <a:spcBef>
+                <a:spcPct val="20000"/>
+              </a:spcBef>
+              <a:spcAft>
+                <a:spcPts val="600"/>
+              </a:spcAft>
+              <a:buClr>
+                <a:schemeClr val="tx1"/>
+              </a:buClr>
+              <a:buSzPct val="80000"/>
+              <a:buFont typeface="Wingdings 3" panose="05040102010807070707" pitchFamily="18" charset="2"/>
+              <a:buNone/>
+              <a:defRPr sz="1400" kern="1200" cap="none">
+                <a:solidFill>
+                  <a:schemeClr val="tx1">
+                    <a:tint val="75000"/>
+                  </a:schemeClr>
+                </a:solidFill>
+                <a:effectLst/>
+                <a:latin typeface="+mn-lt"/>
+                <a:ea typeface="+mn-ea"/>
+                <a:cs typeface="+mn-cs"/>
+              </a:defRPr>
+            </a:lvl7pPr>
+            <a:lvl8pPr marL="3200400" indent="0" algn="l" defTabSz="457200" rtl="0" eaLnBrk="1" latinLnBrk="0" hangingPunct="1">
+              <a:spcBef>
+                <a:spcPct val="20000"/>
+              </a:spcBef>
+              <a:spcAft>
+                <a:spcPts val="600"/>
+              </a:spcAft>
+              <a:buClr>
+                <a:schemeClr val="tx1"/>
+              </a:buClr>
+              <a:buSzPct val="80000"/>
+              <a:buFont typeface="Wingdings 3" panose="05040102010807070707" pitchFamily="18" charset="2"/>
+              <a:buNone/>
+              <a:defRPr sz="1400" kern="1200" cap="none">
+                <a:solidFill>
+                  <a:schemeClr val="tx1">
+                    <a:tint val="75000"/>
+                  </a:schemeClr>
+                </a:solidFill>
+                <a:effectLst/>
+                <a:latin typeface="+mn-lt"/>
+                <a:ea typeface="+mn-ea"/>
+                <a:cs typeface="+mn-cs"/>
+              </a:defRPr>
+            </a:lvl8pPr>
+            <a:lvl9pPr marL="3657600" indent="0" algn="l" defTabSz="457200" rtl="0" eaLnBrk="1" latinLnBrk="0" hangingPunct="1">
+              <a:spcBef>
+                <a:spcPct val="20000"/>
+              </a:spcBef>
+              <a:spcAft>
+                <a:spcPts val="600"/>
+              </a:spcAft>
+              <a:buClr>
+                <a:schemeClr val="tx1"/>
+              </a:buClr>
+              <a:buSzPct val="80000"/>
+              <a:buFont typeface="Wingdings 3" panose="05040102010807070707" pitchFamily="18" charset="2"/>
+              <a:buNone/>
+              <a:defRPr sz="1400" kern="1200" cap="none">
+                <a:solidFill>
+                  <a:schemeClr val="tx1">
+                    <a:tint val="75000"/>
+                  </a:schemeClr>
+                </a:solidFill>
+                <a:effectLst/>
+                <a:latin typeface="+mn-lt"/>
+                <a:ea typeface="+mn-ea"/>
+                <a:cs typeface="+mn-cs"/>
+              </a:defRPr>
+            </a:lvl9pPr>
+          </a:lstStyle>
+          <a:p>
+            <a:r>
+              <a:rPr lang="ru-RU" sz="2000" dirty="0" smtClean="0"/>
+              <a:t>Всего на сайте 6 страниц и каждая построена на отдельном </a:t>
+            </a:r>
+            <a:r>
+              <a:rPr lang="en-US" sz="2000" dirty="0" smtClean="0"/>
+              <a:t>html </a:t>
+            </a:r>
+            <a:r>
+              <a:rPr lang="ru-RU" sz="2000" dirty="0" smtClean="0"/>
+              <a:t>шаблоне:</a:t>
+            </a:r>
+          </a:p>
+          <a:p>
+            <a:r>
+              <a:rPr lang="ru-RU" sz="1600" b="1" dirty="0" smtClean="0"/>
+              <a:t>1.Главная – </a:t>
+            </a:r>
+            <a:r>
+              <a:rPr lang="en-US" sz="1600" b="1" dirty="0" smtClean="0"/>
+              <a:t>index.html</a:t>
+            </a:r>
+          </a:p>
+          <a:p>
+            <a:r>
+              <a:rPr lang="en-US" sz="1600" b="1" dirty="0" smtClean="0"/>
+              <a:t>2.</a:t>
+            </a:r>
+            <a:r>
+              <a:rPr lang="ru-RU" sz="1600" b="1" dirty="0" smtClean="0"/>
+              <a:t>Авторизация</a:t>
+            </a:r>
+            <a:r>
+              <a:rPr lang="en-US" sz="1600" b="1" dirty="0" smtClean="0"/>
+              <a:t> </a:t>
+            </a:r>
+            <a:r>
+              <a:rPr lang="ru-RU" sz="1600" b="1" dirty="0" smtClean="0"/>
+              <a:t>-</a:t>
+            </a:r>
+            <a:r>
+              <a:rPr lang="en-US" sz="1600" b="1" dirty="0" smtClean="0"/>
+              <a:t> authorization.html</a:t>
+            </a:r>
+          </a:p>
+          <a:p>
+            <a:r>
+              <a:rPr lang="en-US" sz="1600" b="1" dirty="0" smtClean="0"/>
+              <a:t>3.</a:t>
+            </a:r>
+            <a:r>
+              <a:rPr lang="ru-RU" sz="1600" b="1" dirty="0" smtClean="0"/>
+              <a:t>Регистрация – </a:t>
+            </a:r>
+            <a:r>
+              <a:rPr lang="en-US" sz="1600" b="1" dirty="0" smtClean="0"/>
+              <a:t>register.html</a:t>
+            </a:r>
+          </a:p>
+          <a:p>
+            <a:r>
+              <a:rPr lang="en-US" sz="1600" b="1" dirty="0" smtClean="0"/>
+              <a:t>4.</a:t>
+            </a:r>
+            <a:r>
+              <a:rPr lang="ru-RU" sz="1600" b="1" dirty="0" smtClean="0"/>
+              <a:t>Аккаунт – </a:t>
+            </a:r>
+            <a:r>
+              <a:rPr lang="en-US" sz="1600" b="1" dirty="0" smtClean="0"/>
+              <a:t>account.html</a:t>
+            </a:r>
+          </a:p>
+          <a:p>
+            <a:r>
+              <a:rPr lang="en-US" sz="1600" b="1" dirty="0" smtClean="0"/>
+              <a:t>5.</a:t>
+            </a:r>
+            <a:r>
+              <a:rPr lang="ru-RU" sz="1600" b="1" dirty="0" smtClean="0"/>
+              <a:t>Продажа – </a:t>
+            </a:r>
+            <a:r>
+              <a:rPr lang="en-US" sz="1600" b="1" dirty="0" smtClean="0"/>
+              <a:t>sell_product.html</a:t>
+            </a:r>
+            <a:endParaRPr lang="ru-RU" sz="1600" b="1" dirty="0" smtClean="0"/>
+          </a:p>
+          <a:p>
+            <a:r>
+              <a:rPr lang="ru-RU" sz="1600" b="1" dirty="0" smtClean="0"/>
+              <a:t>6</a:t>
+            </a:r>
+            <a:r>
+              <a:rPr lang="en-US" sz="1600" b="1" dirty="0" smtClean="0"/>
+              <a:t>. </a:t>
+            </a:r>
+            <a:r>
+              <a:rPr lang="ru-RU" sz="1600" b="1" dirty="0" smtClean="0"/>
+              <a:t>Редактирование аккаунта – </a:t>
+            </a:r>
+            <a:r>
+              <a:rPr lang="en-US" sz="1600" b="1" dirty="0" smtClean="0"/>
+              <a:t>edit_account.html</a:t>
+            </a:r>
+          </a:p>
+          <a:p>
+            <a:endParaRPr lang="ru-RU" dirty="0"/>
+          </a:p>
+        </p:txBody>
+      </p:sp>
+    </p:spTree>
+    <p:extLst>
+      <p:ext uri="{BB962C8B-B14F-4D97-AF65-F5344CB8AC3E}">
+        <p14:creationId xmlns:p14="http://schemas.microsoft.com/office/powerpoint/2010/main" val="4179769652"/>
+      </p:ext>
+    </p:extLst>
+  </p:cSld>
+  <p:clrMapOvr>
+    <a:masterClrMapping/>
+  </p:clrMapOvr>
+  <p:timing>
+    <p:tnLst>
+      <p:par>
+        <p:cTn id="1" dur="indefinite" restart="never" nodeType="tmRoot"/>
+      </p:par>
+    </p:tnLst>
+  </p:timing>
+</p:sld>
+</file>
+
+<file path=ppt/slides/slide11.xml><?xml version="1.0" encoding="utf-8"?>
+<p:sld xmlns:a="http://schemas.openxmlformats.org/drawingml/2006/main" xmlns:r="http://schemas.openxmlformats.org/officeDocument/2006/relationships" xmlns:p="http://schemas.openxmlformats.org/presentationml/2006/main">
+  <p:cSld>
+    <p:spTree>
+      <p:nvGrpSpPr>
+        <p:cNvPr id="1" name=""/>
+        <p:cNvGrpSpPr/>
+        <p:nvPr/>
+      </p:nvGrpSpPr>
+      <p:grpSpPr>
+        <a:xfrm>
+          <a:off x="0" y="0"/>
+          <a:ext cx="0" cy="0"/>
+          <a:chOff x="0" y="0"/>
+          <a:chExt cx="0" cy="0"/>
+        </a:xfrm>
+      </p:grpSpPr>
+      <p:sp>
+        <p:nvSpPr>
+          <p:cNvPr id="3" name="Текст 2"/>
+          <p:cNvSpPr>
+            <a:spLocks noGrp="1"/>
+          </p:cNvSpPr>
+          <p:nvPr>
+            <p:ph type="body" idx="1"/>
+          </p:nvPr>
+        </p:nvSpPr>
+        <p:spPr>
+          <a:xfrm>
+            <a:off x="103803" y="1503969"/>
+            <a:ext cx="11959243" cy="1688935"/>
+          </a:xfrm>
+        </p:spPr>
+        <p:txBody>
+          <a:bodyPr>
+            <a:normAutofit fontScale="92500" lnSpcReduction="10000"/>
+          </a:bodyPr>
+          <a:lstStyle/>
+          <a:p>
+            <a:r>
+              <a:rPr lang="ru-RU" sz="1400" dirty="0" smtClean="0"/>
+              <a:t>Основное на этой странице это объявления. С помощью </a:t>
+            </a:r>
+            <a:r>
+              <a:rPr lang="en-US" sz="1400" dirty="0" smtClean="0"/>
+              <a:t>class=‘container mt</a:t>
+            </a:r>
+            <a:r>
+              <a:rPr lang="en-US" sz="1400" dirty="0"/>
+              <a:t>-</a:t>
+            </a:r>
+            <a:r>
+              <a:rPr lang="en-US" sz="1400" dirty="0" smtClean="0"/>
+              <a:t>5’</a:t>
+            </a:r>
+            <a:r>
+              <a:rPr lang="ru-RU" sz="1400" dirty="0" smtClean="0"/>
+              <a:t> мы создаём разметку для объявлений. </a:t>
+            </a:r>
+            <a:r>
+              <a:rPr lang="en-US" sz="1400" dirty="0" smtClean="0"/>
+              <a:t>Class=‘row’</a:t>
+            </a:r>
+            <a:r>
+              <a:rPr lang="ru-RU" sz="1400" dirty="0" smtClean="0"/>
+              <a:t> позволяет располагать объявления горизонтально.</a:t>
+            </a:r>
+          </a:p>
+          <a:p>
+            <a:r>
+              <a:rPr lang="ru-RU" sz="1400" dirty="0" smtClean="0"/>
+              <a:t>Объявление:</a:t>
+            </a:r>
+          </a:p>
+          <a:p>
+            <a:r>
+              <a:rPr lang="ru-RU" sz="1400" dirty="0" smtClean="0"/>
+              <a:t>  1.</a:t>
+            </a:r>
+            <a:r>
+              <a:rPr lang="en-US" sz="1400" dirty="0" smtClean="0"/>
+              <a:t>class=‘short</a:t>
+            </a:r>
+            <a:r>
+              <a:rPr lang="ru-RU" sz="1400" dirty="0" smtClean="0"/>
+              <a:t>_</a:t>
+            </a:r>
+            <a:r>
+              <a:rPr lang="en-US" sz="1400" dirty="0" smtClean="0"/>
+              <a:t>user’ </a:t>
+            </a:r>
+            <a:r>
+              <a:rPr lang="ru-RU" sz="1400" dirty="0" smtClean="0"/>
+              <a:t>он располагает фотографию пользователя, имя, фамилию, почту.</a:t>
+            </a:r>
+          </a:p>
+          <a:p>
+            <a:r>
+              <a:rPr lang="ru-RU" sz="1400" dirty="0" smtClean="0"/>
+              <a:t>  2.</a:t>
+            </a:r>
+            <a:r>
+              <a:rPr lang="en-US" sz="1400" dirty="0" smtClean="0"/>
+              <a:t>id=‘</a:t>
+            </a:r>
+            <a:r>
+              <a:rPr lang="en-US" sz="1400" dirty="0" err="1" smtClean="0"/>
+              <a:t>zatemnenie</a:t>
+            </a:r>
+            <a:r>
+              <a:rPr lang="en-US" sz="1400" dirty="0" smtClean="0"/>
+              <a:t>’ </a:t>
+            </a:r>
+            <a:r>
+              <a:rPr lang="ru-RU" sz="1400" dirty="0" smtClean="0"/>
+              <a:t>всплывающее окно затемняющее задний фон.</a:t>
+            </a:r>
+          </a:p>
+          <a:p>
+            <a:r>
+              <a:rPr lang="ru-RU" sz="1400" dirty="0" smtClean="0"/>
+              <a:t>  3.Остальные классы оформляют расположение и вид фотографии, названия продукта, цены, кнопки «купить» в виде корзины, описания.</a:t>
+            </a:r>
+          </a:p>
+        </p:txBody>
+      </p:sp>
+      <p:sp>
+        <p:nvSpPr>
+          <p:cNvPr id="4" name="Заголовок 4"/>
+          <p:cNvSpPr>
+            <a:spLocks noGrp="1"/>
+          </p:cNvSpPr>
+          <p:nvPr>
+            <p:ph type="title"/>
+          </p:nvPr>
+        </p:nvSpPr>
+        <p:spPr>
+          <a:xfrm>
+            <a:off x="420443" y="149469"/>
+            <a:ext cx="11088689" cy="714142"/>
+          </a:xfrm>
+        </p:spPr>
+        <p:txBody>
+          <a:bodyPr>
+            <a:normAutofit fontScale="90000"/>
+          </a:bodyPr>
+          <a:lstStyle/>
+          <a:p>
+            <a:pPr algn="ctr"/>
+            <a:r>
+              <a:rPr lang="en-US" sz="4400" b="1" dirty="0" smtClean="0">
+                <a:solidFill>
+                  <a:schemeClr val="accent5"/>
+                </a:solidFill>
+                <a:latin typeface="Forte" panose="03060902040502070203" pitchFamily="66" charset="0"/>
+              </a:rPr>
+              <a:t>HTML</a:t>
+            </a:r>
+            <a:endParaRPr lang="ru-RU" sz="4400" b="1" dirty="0">
+              <a:solidFill>
+                <a:schemeClr val="accent5"/>
+              </a:solidFill>
+            </a:endParaRPr>
+          </a:p>
+        </p:txBody>
+      </p:sp>
+      <p:sp>
+        <p:nvSpPr>
+          <p:cNvPr id="5" name="Текст 5"/>
+          <p:cNvSpPr txBox="1">
+            <a:spLocks/>
+          </p:cNvSpPr>
+          <p:nvPr/>
+        </p:nvSpPr>
+        <p:spPr>
+          <a:xfrm>
+            <a:off x="1697588" y="828916"/>
+            <a:ext cx="8534400" cy="744907"/>
+          </a:xfrm>
+          <a:prstGeom prst="rect">
+            <a:avLst/>
+          </a:prstGeom>
+        </p:spPr>
+        <p:txBody>
+          <a:bodyPr vert="horz" lIns="91440" tIns="45720" rIns="91440" bIns="45720" rtlCol="0" anchor="t">
+            <a:normAutofit lnSpcReduction="10000"/>
+          </a:bodyPr>
+          <a:lstStyle>
+            <a:lvl1pPr marL="0" indent="0" algn="l" defTabSz="457200" rtl="0" eaLnBrk="1" latinLnBrk="0" hangingPunct="1">
+              <a:spcBef>
+                <a:spcPct val="20000"/>
+              </a:spcBef>
+              <a:spcAft>
+                <a:spcPts val="600"/>
+              </a:spcAft>
+              <a:buClr>
+                <a:schemeClr val="tx1"/>
+              </a:buClr>
+              <a:buSzPct val="80000"/>
+              <a:buFont typeface="Wingdings 3" panose="05040102010807070707" pitchFamily="18" charset="2"/>
+              <a:buNone/>
+              <a:defRPr sz="1800" kern="1200" cap="none">
+                <a:solidFill>
+                  <a:schemeClr val="bg2">
+                    <a:lumMod val="75000"/>
+                  </a:schemeClr>
+                </a:solidFill>
+                <a:effectLst/>
+                <a:latin typeface="+mn-lt"/>
+                <a:ea typeface="+mn-ea"/>
+                <a:cs typeface="+mn-cs"/>
+              </a:defRPr>
+            </a:lvl1pPr>
+            <a:lvl2pPr marL="457200" indent="0" algn="l" defTabSz="457200" rtl="0" eaLnBrk="1" latinLnBrk="0" hangingPunct="1">
+              <a:spcBef>
+                <a:spcPct val="20000"/>
+              </a:spcBef>
+              <a:spcAft>
+                <a:spcPts val="600"/>
+              </a:spcAft>
+              <a:buClr>
+                <a:schemeClr val="tx1"/>
+              </a:buClr>
+              <a:buSzPct val="80000"/>
+              <a:buFont typeface="Wingdings 3" panose="05040102010807070707" pitchFamily="18" charset="2"/>
+              <a:buNone/>
+              <a:defRPr sz="1800" kern="1200" cap="none">
+                <a:solidFill>
+                  <a:schemeClr val="tx1">
+                    <a:tint val="75000"/>
+                  </a:schemeClr>
+                </a:solidFill>
+                <a:effectLst/>
+                <a:latin typeface="+mn-lt"/>
+                <a:ea typeface="+mn-ea"/>
+                <a:cs typeface="+mn-cs"/>
+              </a:defRPr>
+            </a:lvl2pPr>
+            <a:lvl3pPr marL="914400" indent="0" algn="l" defTabSz="457200" rtl="0" eaLnBrk="1" latinLnBrk="0" hangingPunct="1">
+              <a:spcBef>
+                <a:spcPct val="20000"/>
+              </a:spcBef>
+              <a:spcAft>
+                <a:spcPts val="600"/>
+              </a:spcAft>
+              <a:buClr>
+                <a:schemeClr val="tx1"/>
+              </a:buClr>
+              <a:buSzPct val="80000"/>
+              <a:buFont typeface="Wingdings 3" panose="05040102010807070707" pitchFamily="18" charset="2"/>
+              <a:buNone/>
+              <a:defRPr sz="1600" kern="1200" cap="none">
+                <a:solidFill>
+                  <a:schemeClr val="tx1">
+                    <a:tint val="75000"/>
+                  </a:schemeClr>
+                </a:solidFill>
+                <a:effectLst/>
+                <a:latin typeface="+mn-lt"/>
+                <a:ea typeface="+mn-ea"/>
+                <a:cs typeface="+mn-cs"/>
+              </a:defRPr>
+            </a:lvl3pPr>
+            <a:lvl4pPr marL="1371600" indent="0" algn="l" defTabSz="457200" rtl="0" eaLnBrk="1" latinLnBrk="0" hangingPunct="1">
+              <a:spcBef>
+                <a:spcPct val="20000"/>
+              </a:spcBef>
+              <a:spcAft>
+                <a:spcPts val="600"/>
+              </a:spcAft>
+              <a:buClr>
+                <a:schemeClr val="tx1"/>
+              </a:buClr>
+              <a:buSzPct val="80000"/>
+              <a:buFont typeface="Wingdings 3" panose="05040102010807070707" pitchFamily="18" charset="2"/>
+              <a:buNone/>
+              <a:defRPr sz="1400" kern="1200" cap="none">
+                <a:solidFill>
+                  <a:schemeClr val="tx1">
+                    <a:tint val="75000"/>
+                  </a:schemeClr>
+                </a:solidFill>
+                <a:effectLst/>
+                <a:latin typeface="+mn-lt"/>
+                <a:ea typeface="+mn-ea"/>
+                <a:cs typeface="+mn-cs"/>
+              </a:defRPr>
+            </a:lvl4pPr>
+            <a:lvl5pPr marL="1828800" indent="0" algn="l" defTabSz="457200" rtl="0" eaLnBrk="1" latinLnBrk="0" hangingPunct="1">
+              <a:spcBef>
+                <a:spcPct val="20000"/>
+              </a:spcBef>
+              <a:spcAft>
+                <a:spcPts val="600"/>
+              </a:spcAft>
+              <a:buClr>
+                <a:schemeClr val="tx1"/>
+              </a:buClr>
+              <a:buSzPct val="80000"/>
+              <a:buFont typeface="Wingdings 3" panose="05040102010807070707" pitchFamily="18" charset="2"/>
+              <a:buNone/>
+              <a:defRPr sz="1400" kern="1200" cap="none">
+                <a:solidFill>
+                  <a:schemeClr val="tx1">
+                    <a:tint val="75000"/>
+                  </a:schemeClr>
+                </a:solidFill>
+                <a:effectLst/>
+                <a:latin typeface="+mn-lt"/>
+                <a:ea typeface="+mn-ea"/>
+                <a:cs typeface="+mn-cs"/>
+              </a:defRPr>
+            </a:lvl5pPr>
+            <a:lvl6pPr marL="2286000" indent="0" algn="l" defTabSz="457200" rtl="0" eaLnBrk="1" latinLnBrk="0" hangingPunct="1">
+              <a:spcBef>
+                <a:spcPct val="20000"/>
+              </a:spcBef>
+              <a:spcAft>
+                <a:spcPts val="600"/>
+              </a:spcAft>
+              <a:buClr>
+                <a:schemeClr val="tx1"/>
+              </a:buClr>
+              <a:buSzPct val="80000"/>
+              <a:buFont typeface="Wingdings 3" panose="05040102010807070707" pitchFamily="18" charset="2"/>
+              <a:buNone/>
+              <a:defRPr sz="1400" kern="1200" cap="none">
+                <a:solidFill>
+                  <a:schemeClr val="tx1">
+                    <a:tint val="75000"/>
+                  </a:schemeClr>
+                </a:solidFill>
+                <a:effectLst/>
+                <a:latin typeface="+mn-lt"/>
+                <a:ea typeface="+mn-ea"/>
+                <a:cs typeface="+mn-cs"/>
+              </a:defRPr>
+            </a:lvl6pPr>
+            <a:lvl7pPr marL="2743200" indent="0" algn="l" defTabSz="457200" rtl="0" eaLnBrk="1" latinLnBrk="0" hangingPunct="1">
+              <a:spcBef>
+                <a:spcPct val="20000"/>
+              </a:spcBef>
+              <a:spcAft>
+                <a:spcPts val="600"/>
+              </a:spcAft>
+              <a:buClr>
+                <a:schemeClr val="tx1"/>
+              </a:buClr>
+              <a:buSzPct val="80000"/>
+              <a:buFont typeface="Wingdings 3" panose="05040102010807070707" pitchFamily="18" charset="2"/>
+              <a:buNone/>
+              <a:defRPr sz="1400" kern="1200" cap="none">
+                <a:solidFill>
+                  <a:schemeClr val="tx1">
+                    <a:tint val="75000"/>
+                  </a:schemeClr>
+                </a:solidFill>
+                <a:effectLst/>
+                <a:latin typeface="+mn-lt"/>
+                <a:ea typeface="+mn-ea"/>
+                <a:cs typeface="+mn-cs"/>
+              </a:defRPr>
+            </a:lvl7pPr>
+            <a:lvl8pPr marL="3200400" indent="0" algn="l" defTabSz="457200" rtl="0" eaLnBrk="1" latinLnBrk="0" hangingPunct="1">
+              <a:spcBef>
+                <a:spcPct val="20000"/>
+              </a:spcBef>
+              <a:spcAft>
+                <a:spcPts val="600"/>
+              </a:spcAft>
+              <a:buClr>
+                <a:schemeClr val="tx1"/>
+              </a:buClr>
+              <a:buSzPct val="80000"/>
+              <a:buFont typeface="Wingdings 3" panose="05040102010807070707" pitchFamily="18" charset="2"/>
+              <a:buNone/>
+              <a:defRPr sz="1400" kern="1200" cap="none">
+                <a:solidFill>
+                  <a:schemeClr val="tx1">
+                    <a:tint val="75000"/>
+                  </a:schemeClr>
+                </a:solidFill>
+                <a:effectLst/>
+                <a:latin typeface="+mn-lt"/>
+                <a:ea typeface="+mn-ea"/>
+                <a:cs typeface="+mn-cs"/>
+              </a:defRPr>
+            </a:lvl8pPr>
+            <a:lvl9pPr marL="3657600" indent="0" algn="l" defTabSz="457200" rtl="0" eaLnBrk="1" latinLnBrk="0" hangingPunct="1">
+              <a:spcBef>
+                <a:spcPct val="20000"/>
+              </a:spcBef>
+              <a:spcAft>
+                <a:spcPts val="600"/>
+              </a:spcAft>
+              <a:buClr>
+                <a:schemeClr val="tx1"/>
+              </a:buClr>
+              <a:buSzPct val="80000"/>
+              <a:buFont typeface="Wingdings 3" panose="05040102010807070707" pitchFamily="18" charset="2"/>
+              <a:buNone/>
+              <a:defRPr sz="1400" kern="1200" cap="none">
+                <a:solidFill>
+                  <a:schemeClr val="tx1">
+                    <a:tint val="75000"/>
+                  </a:schemeClr>
+                </a:solidFill>
+                <a:effectLst/>
+                <a:latin typeface="+mn-lt"/>
+                <a:ea typeface="+mn-ea"/>
+                <a:cs typeface="+mn-cs"/>
+              </a:defRPr>
+            </a:lvl9pPr>
+          </a:lstStyle>
+          <a:p>
+            <a:pPr algn="ctr"/>
+            <a:r>
+              <a:rPr lang="ru-RU" dirty="0" smtClean="0"/>
+              <a:t>Шаблоны страниц</a:t>
+            </a:r>
+            <a:endParaRPr lang="en-US" dirty="0" smtClean="0"/>
+          </a:p>
+          <a:p>
+            <a:pPr algn="ctr"/>
+            <a:r>
+              <a:rPr lang="ru-RU" dirty="0" smtClean="0"/>
+              <a:t>Главная</a:t>
+            </a:r>
+            <a:endParaRPr lang="ru-RU" dirty="0"/>
+          </a:p>
+        </p:txBody>
+      </p:sp>
+      <p:pic>
+        <p:nvPicPr>
+          <p:cNvPr id="8" name="Рисунок 7"/>
+          <p:cNvPicPr>
+            <a:picLocks noChangeAspect="1"/>
+          </p:cNvPicPr>
+          <p:nvPr/>
+        </p:nvPicPr>
+        <p:blipFill>
+          <a:blip r:embed="rId2">
+            <a:extLst>
+              <a:ext uri="{28A0092B-C50C-407E-A947-70E740481C1C}">
+                <a14:useLocalDpi xmlns:a14="http://schemas.microsoft.com/office/drawing/2010/main" val="0"/>
+              </a:ext>
+            </a:extLst>
+          </a:blip>
+          <a:stretch>
+            <a:fillRect/>
+          </a:stretch>
+        </p:blipFill>
+        <p:spPr>
+          <a:xfrm>
+            <a:off x="7111972" y="3197964"/>
+            <a:ext cx="4951074" cy="3554528"/>
+          </a:xfrm>
+          <a:prstGeom prst="rect">
+            <a:avLst/>
+          </a:prstGeom>
+        </p:spPr>
+      </p:pic>
+      <p:pic>
+        <p:nvPicPr>
+          <p:cNvPr id="9" name="Рисунок 8"/>
+          <p:cNvPicPr>
+            <a:picLocks noChangeAspect="1"/>
+          </p:cNvPicPr>
+          <p:nvPr/>
+        </p:nvPicPr>
+        <p:blipFill>
+          <a:blip r:embed="rId3" cstate="print">
+            <a:extLst>
+              <a:ext uri="{28A0092B-C50C-407E-A947-70E740481C1C}">
+                <a14:useLocalDpi xmlns:a14="http://schemas.microsoft.com/office/drawing/2010/main" val="0"/>
+              </a:ext>
+            </a:extLst>
+          </a:blip>
+          <a:stretch>
+            <a:fillRect/>
+          </a:stretch>
+        </p:blipFill>
+        <p:spPr>
+          <a:xfrm>
+            <a:off x="103801" y="3192904"/>
+            <a:ext cx="7008171" cy="3559588"/>
+          </a:xfrm>
+          <a:prstGeom prst="rect">
+            <a:avLst/>
+          </a:prstGeom>
+        </p:spPr>
+      </p:pic>
+    </p:spTree>
+    <p:extLst>
+      <p:ext uri="{BB962C8B-B14F-4D97-AF65-F5344CB8AC3E}">
+        <p14:creationId xmlns:p14="http://schemas.microsoft.com/office/powerpoint/2010/main" val="2577850829"/>
+      </p:ext>
+    </p:extLst>
+  </p:cSld>
+  <p:clrMapOvr>
+    <a:masterClrMapping/>
+  </p:clrMapOvr>
+  <p:timing>
+    <p:tnLst>
+      <p:par>
+        <p:cTn id="1" dur="indefinite" restart="never" nodeType="tmRoot"/>
+      </p:par>
+    </p:tnLst>
+  </p:timing>
+</p:sld>
+</file>
+
+<file path=ppt/slides/slide12.xml><?xml version="1.0" encoding="utf-8"?>
+<p:sld xmlns:a="http://schemas.openxmlformats.org/drawingml/2006/main" xmlns:r="http://schemas.openxmlformats.org/officeDocument/2006/relationships" xmlns:p="http://schemas.openxmlformats.org/presentationml/2006/main">
+  <p:cSld>
+    <p:spTree>
+      <p:nvGrpSpPr>
+        <p:cNvPr id="1" name=""/>
+        <p:cNvGrpSpPr/>
+        <p:nvPr/>
+      </p:nvGrpSpPr>
+      <p:grpSpPr>
+        <a:xfrm>
+          <a:off x="0" y="0"/>
+          <a:ext cx="0" cy="0"/>
+          <a:chOff x="0" y="0"/>
+          <a:chExt cx="0" cy="0"/>
+        </a:xfrm>
+      </p:grpSpPr>
+      <p:sp>
+        <p:nvSpPr>
+          <p:cNvPr id="3" name="Текст 2"/>
+          <p:cNvSpPr>
+            <a:spLocks noGrp="1"/>
+          </p:cNvSpPr>
+          <p:nvPr>
+            <p:ph type="body" idx="1"/>
+          </p:nvPr>
+        </p:nvSpPr>
+        <p:spPr>
+          <a:xfrm>
+            <a:off x="388109" y="1543057"/>
+            <a:ext cx="11486004" cy="1507873"/>
+          </a:xfrm>
+        </p:spPr>
+        <p:txBody>
+          <a:bodyPr>
+            <a:normAutofit/>
+          </a:bodyPr>
+          <a:lstStyle/>
+          <a:p>
+            <a:r>
+              <a:rPr lang="ru-RU" sz="1400" dirty="0" smtClean="0"/>
+              <a:t>В блоке </a:t>
+            </a:r>
+            <a:r>
+              <a:rPr lang="en-US" sz="1400" dirty="0" smtClean="0"/>
+              <a:t>‘content’</a:t>
+            </a:r>
+            <a:r>
+              <a:rPr lang="ru-RU" sz="1400" dirty="0" smtClean="0"/>
+              <a:t> на этой странице расположена анкета регистрации (</a:t>
+            </a:r>
+            <a:r>
+              <a:rPr lang="en-US" sz="1400" dirty="0" smtClean="0"/>
+              <a:t>class=‘advertisement’</a:t>
+            </a:r>
+            <a:r>
+              <a:rPr lang="ru-RU" sz="1400" dirty="0" smtClean="0"/>
+              <a:t>)</a:t>
+            </a:r>
+            <a:r>
+              <a:rPr lang="en-US" sz="1400" dirty="0" smtClean="0"/>
+              <a:t>.</a:t>
+            </a:r>
+            <a:r>
+              <a:rPr lang="ru-RU" sz="1400" dirty="0"/>
+              <a:t> </a:t>
+            </a:r>
+            <a:r>
+              <a:rPr lang="ru-RU" sz="1400" dirty="0" smtClean="0"/>
+              <a:t>Так же использован </a:t>
+            </a:r>
+            <a:r>
+              <a:rPr lang="en-US" sz="1400" dirty="0" smtClean="0"/>
+              <a:t>class=‘row’ </a:t>
+            </a:r>
+            <a:r>
+              <a:rPr lang="ru-RU" sz="1400" dirty="0" smtClean="0"/>
+              <a:t>как и на прошлой странице, </a:t>
+            </a:r>
+            <a:r>
+              <a:rPr lang="en-US" sz="1400" dirty="0" smtClean="0"/>
+              <a:t>class=’group’ </a:t>
+            </a:r>
+            <a:r>
+              <a:rPr lang="ru-RU" sz="1400" dirty="0" smtClean="0"/>
+              <a:t>соединяет название поля и поле заполнения данных.</a:t>
+            </a:r>
+            <a:endParaRPr lang="en-US" sz="1400" dirty="0" smtClean="0"/>
+          </a:p>
+          <a:p>
+            <a:r>
+              <a:rPr lang="ru-RU" sz="1400" dirty="0" smtClean="0"/>
+              <a:t>В </a:t>
+            </a:r>
+            <a:r>
+              <a:rPr lang="en-US" sz="1400" dirty="0" smtClean="0"/>
+              <a:t>html </a:t>
+            </a:r>
+            <a:r>
+              <a:rPr lang="ru-RU" sz="1400" dirty="0" smtClean="0"/>
+              <a:t>коде для страницы продажи продукта и редактирования аккаунта</a:t>
+            </a:r>
+            <a:r>
+              <a:rPr lang="en-US" sz="1400" dirty="0" smtClean="0"/>
+              <a:t> </a:t>
+            </a:r>
+            <a:r>
+              <a:rPr lang="ru-RU" sz="1400" dirty="0" smtClean="0"/>
+              <a:t>использована кодировка </a:t>
+            </a:r>
+            <a:r>
+              <a:rPr lang="en-US" sz="1400" dirty="0" smtClean="0"/>
+              <a:t>‘multipart/form-data’.</a:t>
+            </a:r>
+            <a:endParaRPr lang="ru-RU" sz="1400" dirty="0" smtClean="0"/>
+          </a:p>
+        </p:txBody>
+      </p:sp>
+      <p:sp>
+        <p:nvSpPr>
+          <p:cNvPr id="4" name="Заголовок 4"/>
+          <p:cNvSpPr txBox="1">
+            <a:spLocks/>
+          </p:cNvSpPr>
+          <p:nvPr/>
+        </p:nvSpPr>
+        <p:spPr>
+          <a:xfrm>
+            <a:off x="420443" y="149469"/>
+            <a:ext cx="11088689" cy="714142"/>
+          </a:xfrm>
+          <a:prstGeom prst="rect">
+            <a:avLst/>
+          </a:prstGeom>
+          <a:effectLst/>
+        </p:spPr>
+        <p:txBody>
+          <a:bodyPr vert="horz" lIns="91440" tIns="45720" rIns="91440" bIns="45720" rtlCol="0" anchor="b">
+            <a:normAutofit fontScale="97500" lnSpcReduction="10000"/>
+          </a:bodyPr>
+          <a:lstStyle>
+            <a:lvl1pPr algn="l" defTabSz="457200" rtl="0" eaLnBrk="1" latinLnBrk="0" hangingPunct="1">
+              <a:spcBef>
+                <a:spcPct val="0"/>
+              </a:spcBef>
+              <a:buNone/>
+              <a:defRPr sz="3600" b="0" kern="1200" cap="all">
+                <a:ln w="3175" cmpd="sng">
+                  <a:noFill/>
+                </a:ln>
+                <a:solidFill>
+                  <a:schemeClr val="tx1"/>
+                </a:solidFill>
+                <a:effectLst/>
+                <a:latin typeface="+mj-lt"/>
+                <a:ea typeface="+mj-ea"/>
+                <a:cs typeface="+mj-cs"/>
+              </a:defRPr>
+            </a:lvl1pPr>
+            <a:lvl2pPr eaLnBrk="1" hangingPunct="1">
+              <a:defRPr>
+                <a:solidFill>
+                  <a:schemeClr val="tx2"/>
+                </a:solidFill>
+              </a:defRPr>
+            </a:lvl2pPr>
+            <a:lvl3pPr eaLnBrk="1" hangingPunct="1">
+              <a:defRPr>
+                <a:solidFill>
+                  <a:schemeClr val="tx2"/>
+                </a:solidFill>
+              </a:defRPr>
+            </a:lvl3pPr>
+            <a:lvl4pPr eaLnBrk="1" hangingPunct="1">
+              <a:defRPr>
+                <a:solidFill>
+                  <a:schemeClr val="tx2"/>
+                </a:solidFill>
+              </a:defRPr>
+            </a:lvl4pPr>
+            <a:lvl5pPr eaLnBrk="1" hangingPunct="1">
+              <a:defRPr>
+                <a:solidFill>
+                  <a:schemeClr val="tx2"/>
+                </a:solidFill>
+              </a:defRPr>
+            </a:lvl5pPr>
+            <a:lvl6pPr eaLnBrk="1" hangingPunct="1">
+              <a:defRPr>
+                <a:solidFill>
+                  <a:schemeClr val="tx2"/>
+                </a:solidFill>
+              </a:defRPr>
+            </a:lvl6pPr>
+            <a:lvl7pPr eaLnBrk="1" hangingPunct="1">
+              <a:defRPr>
+                <a:solidFill>
+                  <a:schemeClr val="tx2"/>
+                </a:solidFill>
+              </a:defRPr>
+            </a:lvl7pPr>
+            <a:lvl8pPr eaLnBrk="1" hangingPunct="1">
+              <a:defRPr>
+                <a:solidFill>
+                  <a:schemeClr val="tx2"/>
+                </a:solidFill>
+              </a:defRPr>
+            </a:lvl8pPr>
+            <a:lvl9pPr eaLnBrk="1" hangingPunct="1">
+              <a:defRPr>
+                <a:solidFill>
+                  <a:schemeClr val="tx2"/>
+                </a:solidFill>
+              </a:defRPr>
+            </a:lvl9pPr>
+          </a:lstStyle>
+          <a:p>
+            <a:pPr algn="ctr"/>
+            <a:r>
+              <a:rPr lang="en-US" sz="4400" b="1" dirty="0" smtClean="0">
+                <a:solidFill>
+                  <a:schemeClr val="accent5"/>
+                </a:solidFill>
+                <a:latin typeface="Forte" panose="03060902040502070203" pitchFamily="66" charset="0"/>
+              </a:rPr>
+              <a:t>HTML</a:t>
+            </a:r>
+            <a:endParaRPr lang="ru-RU" sz="4400" b="1" dirty="0">
+              <a:solidFill>
+                <a:schemeClr val="accent5"/>
+              </a:solidFill>
+            </a:endParaRPr>
+          </a:p>
+        </p:txBody>
+      </p:sp>
+      <p:sp>
+        <p:nvSpPr>
+          <p:cNvPr id="5" name="Текст 5"/>
+          <p:cNvSpPr txBox="1">
+            <a:spLocks/>
+          </p:cNvSpPr>
+          <p:nvPr/>
+        </p:nvSpPr>
+        <p:spPr>
+          <a:xfrm>
+            <a:off x="1697588" y="828916"/>
+            <a:ext cx="8534400" cy="744907"/>
+          </a:xfrm>
+          <a:prstGeom prst="rect">
+            <a:avLst/>
+          </a:prstGeom>
+        </p:spPr>
+        <p:txBody>
+          <a:bodyPr vert="horz" lIns="91440" tIns="45720" rIns="91440" bIns="45720" rtlCol="0" anchor="t">
+            <a:normAutofit lnSpcReduction="10000"/>
+          </a:bodyPr>
+          <a:lstStyle>
+            <a:lvl1pPr marL="0" indent="0" algn="l" defTabSz="457200" rtl="0" eaLnBrk="1" latinLnBrk="0" hangingPunct="1">
+              <a:spcBef>
+                <a:spcPct val="20000"/>
+              </a:spcBef>
+              <a:spcAft>
+                <a:spcPts val="600"/>
+              </a:spcAft>
+              <a:buClr>
+                <a:schemeClr val="tx1"/>
+              </a:buClr>
+              <a:buSzPct val="80000"/>
+              <a:buFont typeface="Wingdings 3" panose="05040102010807070707" pitchFamily="18" charset="2"/>
+              <a:buNone/>
+              <a:defRPr sz="1800" kern="1200" cap="none">
+                <a:solidFill>
+                  <a:schemeClr val="bg2">
+                    <a:lumMod val="75000"/>
+                  </a:schemeClr>
+                </a:solidFill>
+                <a:effectLst/>
+                <a:latin typeface="+mn-lt"/>
+                <a:ea typeface="+mn-ea"/>
+                <a:cs typeface="+mn-cs"/>
+              </a:defRPr>
+            </a:lvl1pPr>
+            <a:lvl2pPr marL="457200" indent="0" algn="l" defTabSz="457200" rtl="0" eaLnBrk="1" latinLnBrk="0" hangingPunct="1">
+              <a:spcBef>
+                <a:spcPct val="20000"/>
+              </a:spcBef>
+              <a:spcAft>
+                <a:spcPts val="600"/>
+              </a:spcAft>
+              <a:buClr>
+                <a:schemeClr val="tx1"/>
+              </a:buClr>
+              <a:buSzPct val="80000"/>
+              <a:buFont typeface="Wingdings 3" panose="05040102010807070707" pitchFamily="18" charset="2"/>
+              <a:buNone/>
+              <a:defRPr sz="1800" kern="1200" cap="none">
+                <a:solidFill>
+                  <a:schemeClr val="tx1">
+                    <a:tint val="75000"/>
+                  </a:schemeClr>
+                </a:solidFill>
+                <a:effectLst/>
+                <a:latin typeface="+mn-lt"/>
+                <a:ea typeface="+mn-ea"/>
+                <a:cs typeface="+mn-cs"/>
+              </a:defRPr>
+            </a:lvl2pPr>
+            <a:lvl3pPr marL="914400" indent="0" algn="l" defTabSz="457200" rtl="0" eaLnBrk="1" latinLnBrk="0" hangingPunct="1">
+              <a:spcBef>
+                <a:spcPct val="20000"/>
+              </a:spcBef>
+              <a:spcAft>
+                <a:spcPts val="600"/>
+              </a:spcAft>
+              <a:buClr>
+                <a:schemeClr val="tx1"/>
+              </a:buClr>
+              <a:buSzPct val="80000"/>
+              <a:buFont typeface="Wingdings 3" panose="05040102010807070707" pitchFamily="18" charset="2"/>
+              <a:buNone/>
+              <a:defRPr sz="1600" kern="1200" cap="none">
+                <a:solidFill>
+                  <a:schemeClr val="tx1">
+                    <a:tint val="75000"/>
+                  </a:schemeClr>
+                </a:solidFill>
+                <a:effectLst/>
+                <a:latin typeface="+mn-lt"/>
+                <a:ea typeface="+mn-ea"/>
+                <a:cs typeface="+mn-cs"/>
+              </a:defRPr>
+            </a:lvl3pPr>
+            <a:lvl4pPr marL="1371600" indent="0" algn="l" defTabSz="457200" rtl="0" eaLnBrk="1" latinLnBrk="0" hangingPunct="1">
+              <a:spcBef>
+                <a:spcPct val="20000"/>
+              </a:spcBef>
+              <a:spcAft>
+                <a:spcPts val="600"/>
+              </a:spcAft>
+              <a:buClr>
+                <a:schemeClr val="tx1"/>
+              </a:buClr>
+              <a:buSzPct val="80000"/>
+              <a:buFont typeface="Wingdings 3" panose="05040102010807070707" pitchFamily="18" charset="2"/>
+              <a:buNone/>
+              <a:defRPr sz="1400" kern="1200" cap="none">
+                <a:solidFill>
+                  <a:schemeClr val="tx1">
+                    <a:tint val="75000"/>
+                  </a:schemeClr>
+                </a:solidFill>
+                <a:effectLst/>
+                <a:latin typeface="+mn-lt"/>
+                <a:ea typeface="+mn-ea"/>
+                <a:cs typeface="+mn-cs"/>
+              </a:defRPr>
+            </a:lvl4pPr>
+            <a:lvl5pPr marL="1828800" indent="0" algn="l" defTabSz="457200" rtl="0" eaLnBrk="1" latinLnBrk="0" hangingPunct="1">
+              <a:spcBef>
+                <a:spcPct val="20000"/>
+              </a:spcBef>
+              <a:spcAft>
+                <a:spcPts val="600"/>
+              </a:spcAft>
+              <a:buClr>
+                <a:schemeClr val="tx1"/>
+              </a:buClr>
+              <a:buSzPct val="80000"/>
+              <a:buFont typeface="Wingdings 3" panose="05040102010807070707" pitchFamily="18" charset="2"/>
+              <a:buNone/>
+              <a:defRPr sz="1400" kern="1200" cap="none">
+                <a:solidFill>
+                  <a:schemeClr val="tx1">
+                    <a:tint val="75000"/>
+                  </a:schemeClr>
+                </a:solidFill>
+                <a:effectLst/>
+                <a:latin typeface="+mn-lt"/>
+                <a:ea typeface="+mn-ea"/>
+                <a:cs typeface="+mn-cs"/>
+              </a:defRPr>
+            </a:lvl5pPr>
+            <a:lvl6pPr marL="2286000" indent="0" algn="l" defTabSz="457200" rtl="0" eaLnBrk="1" latinLnBrk="0" hangingPunct="1">
+              <a:spcBef>
+                <a:spcPct val="20000"/>
+              </a:spcBef>
+              <a:spcAft>
+                <a:spcPts val="600"/>
+              </a:spcAft>
+              <a:buClr>
+                <a:schemeClr val="tx1"/>
+              </a:buClr>
+              <a:buSzPct val="80000"/>
+              <a:buFont typeface="Wingdings 3" panose="05040102010807070707" pitchFamily="18" charset="2"/>
+              <a:buNone/>
+              <a:defRPr sz="1400" kern="1200" cap="none">
+                <a:solidFill>
+                  <a:schemeClr val="tx1">
+                    <a:tint val="75000"/>
+                  </a:schemeClr>
+                </a:solidFill>
+                <a:effectLst/>
+                <a:latin typeface="+mn-lt"/>
+                <a:ea typeface="+mn-ea"/>
+                <a:cs typeface="+mn-cs"/>
+              </a:defRPr>
+            </a:lvl6pPr>
+            <a:lvl7pPr marL="2743200" indent="0" algn="l" defTabSz="457200" rtl="0" eaLnBrk="1" latinLnBrk="0" hangingPunct="1">
+              <a:spcBef>
+                <a:spcPct val="20000"/>
+              </a:spcBef>
+              <a:spcAft>
+                <a:spcPts val="600"/>
+              </a:spcAft>
+              <a:buClr>
+                <a:schemeClr val="tx1"/>
+              </a:buClr>
+              <a:buSzPct val="80000"/>
+              <a:buFont typeface="Wingdings 3" panose="05040102010807070707" pitchFamily="18" charset="2"/>
+              <a:buNone/>
+              <a:defRPr sz="1400" kern="1200" cap="none">
+                <a:solidFill>
+                  <a:schemeClr val="tx1">
+                    <a:tint val="75000"/>
+                  </a:schemeClr>
+                </a:solidFill>
+                <a:effectLst/>
+                <a:latin typeface="+mn-lt"/>
+                <a:ea typeface="+mn-ea"/>
+                <a:cs typeface="+mn-cs"/>
+              </a:defRPr>
+            </a:lvl7pPr>
+            <a:lvl8pPr marL="3200400" indent="0" algn="l" defTabSz="457200" rtl="0" eaLnBrk="1" latinLnBrk="0" hangingPunct="1">
+              <a:spcBef>
+                <a:spcPct val="20000"/>
+              </a:spcBef>
+              <a:spcAft>
+                <a:spcPts val="600"/>
+              </a:spcAft>
+              <a:buClr>
+                <a:schemeClr val="tx1"/>
+              </a:buClr>
+              <a:buSzPct val="80000"/>
+              <a:buFont typeface="Wingdings 3" panose="05040102010807070707" pitchFamily="18" charset="2"/>
+              <a:buNone/>
+              <a:defRPr sz="1400" kern="1200" cap="none">
+                <a:solidFill>
+                  <a:schemeClr val="tx1">
+                    <a:tint val="75000"/>
+                  </a:schemeClr>
+                </a:solidFill>
+                <a:effectLst/>
+                <a:latin typeface="+mn-lt"/>
+                <a:ea typeface="+mn-ea"/>
+                <a:cs typeface="+mn-cs"/>
+              </a:defRPr>
+            </a:lvl8pPr>
+            <a:lvl9pPr marL="3657600" indent="0" algn="l" defTabSz="457200" rtl="0" eaLnBrk="1" latinLnBrk="0" hangingPunct="1">
+              <a:spcBef>
+                <a:spcPct val="20000"/>
+              </a:spcBef>
+              <a:spcAft>
+                <a:spcPts val="600"/>
+              </a:spcAft>
+              <a:buClr>
+                <a:schemeClr val="tx1"/>
+              </a:buClr>
+              <a:buSzPct val="80000"/>
+              <a:buFont typeface="Wingdings 3" panose="05040102010807070707" pitchFamily="18" charset="2"/>
+              <a:buNone/>
+              <a:defRPr sz="1400" kern="1200" cap="none">
+                <a:solidFill>
+                  <a:schemeClr val="tx1">
+                    <a:tint val="75000"/>
+                  </a:schemeClr>
+                </a:solidFill>
+                <a:effectLst/>
+                <a:latin typeface="+mn-lt"/>
+                <a:ea typeface="+mn-ea"/>
+                <a:cs typeface="+mn-cs"/>
+              </a:defRPr>
+            </a:lvl9pPr>
+          </a:lstStyle>
+          <a:p>
+            <a:pPr algn="ctr"/>
+            <a:r>
+              <a:rPr lang="ru-RU" dirty="0" smtClean="0"/>
+              <a:t>Шаблоны страниц</a:t>
+            </a:r>
+            <a:endParaRPr lang="en-US" dirty="0" smtClean="0"/>
+          </a:p>
+          <a:p>
+            <a:pPr algn="ctr"/>
+            <a:r>
+              <a:rPr lang="ru-RU" dirty="0" smtClean="0"/>
+              <a:t>Регистрация, авторизация, продажа продукта.</a:t>
+            </a:r>
+            <a:endParaRPr lang="ru-RU" dirty="0"/>
+          </a:p>
+        </p:txBody>
+      </p:sp>
+      <p:pic>
+        <p:nvPicPr>
+          <p:cNvPr id="6" name="Рисунок 5"/>
+          <p:cNvPicPr>
+            <a:picLocks noChangeAspect="1"/>
+          </p:cNvPicPr>
+          <p:nvPr/>
+        </p:nvPicPr>
+        <p:blipFill>
+          <a:blip r:embed="rId2" cstate="print">
+            <a:extLst>
+              <a:ext uri="{28A0092B-C50C-407E-A947-70E740481C1C}">
+                <a14:useLocalDpi xmlns:a14="http://schemas.microsoft.com/office/drawing/2010/main" val="0"/>
+              </a:ext>
+            </a:extLst>
+          </a:blip>
+          <a:stretch>
+            <a:fillRect/>
+          </a:stretch>
+        </p:blipFill>
+        <p:spPr>
+          <a:xfrm>
+            <a:off x="4645047" y="3050930"/>
+            <a:ext cx="7229066" cy="3639070"/>
+          </a:xfrm>
+          <a:prstGeom prst="rect">
+            <a:avLst/>
+          </a:prstGeom>
+        </p:spPr>
+      </p:pic>
+      <p:pic>
+        <p:nvPicPr>
+          <p:cNvPr id="7" name="Рисунок 6"/>
+          <p:cNvPicPr>
+            <a:picLocks noChangeAspect="1"/>
+          </p:cNvPicPr>
+          <p:nvPr/>
+        </p:nvPicPr>
+        <p:blipFill>
+          <a:blip r:embed="rId3">
+            <a:extLst>
+              <a:ext uri="{28A0092B-C50C-407E-A947-70E740481C1C}">
+                <a14:useLocalDpi xmlns:a14="http://schemas.microsoft.com/office/drawing/2010/main" val="0"/>
+              </a:ext>
+            </a:extLst>
+          </a:blip>
+          <a:stretch>
+            <a:fillRect/>
+          </a:stretch>
+        </p:blipFill>
+        <p:spPr>
+          <a:xfrm>
+            <a:off x="388110" y="2415441"/>
+            <a:ext cx="4256936" cy="4250592"/>
+          </a:xfrm>
+          <a:prstGeom prst="rect">
+            <a:avLst/>
+          </a:prstGeom>
+        </p:spPr>
+      </p:pic>
+    </p:spTree>
+    <p:extLst>
+      <p:ext uri="{BB962C8B-B14F-4D97-AF65-F5344CB8AC3E}">
+        <p14:creationId xmlns:p14="http://schemas.microsoft.com/office/powerpoint/2010/main" val="2586046250"/>
+      </p:ext>
+    </p:extLst>
+  </p:cSld>
+  <p:clrMapOvr>
+    <a:masterClrMapping/>
+  </p:clrMapOvr>
+  <p:timing>
+    <p:tnLst>
+      <p:par>
+        <p:cTn id="1" dur="indefinite" restart="never" nodeType="tmRoot"/>
+      </p:par>
+    </p:tnLst>
+  </p:timing>
+</p:sld>
+</file>
+
+<file path=ppt/slides/slide13.xml><?xml version="1.0" encoding="utf-8"?>
+<p:sld xmlns:a="http://schemas.openxmlformats.org/drawingml/2006/main" xmlns:r="http://schemas.openxmlformats.org/officeDocument/2006/relationships" xmlns:p="http://schemas.openxmlformats.org/presentationml/2006/main">
+  <p:cSld>
+    <p:spTree>
+      <p:nvGrpSpPr>
+        <p:cNvPr id="1" name=""/>
+        <p:cNvGrpSpPr/>
+        <p:nvPr/>
+      </p:nvGrpSpPr>
+      <p:grpSpPr>
+        <a:xfrm>
+          <a:off x="0" y="0"/>
+          <a:ext cx="0" cy="0"/>
+          <a:chOff x="0" y="0"/>
+          <a:chExt cx="0" cy="0"/>
+        </a:xfrm>
+      </p:grpSpPr>
+      <p:sp>
+        <p:nvSpPr>
+          <p:cNvPr id="3" name="Текст 2"/>
+          <p:cNvSpPr>
+            <a:spLocks noGrp="1"/>
+          </p:cNvSpPr>
+          <p:nvPr>
+            <p:ph type="body" idx="1"/>
+          </p:nvPr>
+        </p:nvSpPr>
+        <p:spPr>
+          <a:xfrm>
+            <a:off x="486343" y="1620715"/>
+            <a:ext cx="11419434" cy="1036632"/>
+          </a:xfrm>
+        </p:spPr>
+        <p:txBody>
+          <a:bodyPr/>
+          <a:lstStyle/>
+          <a:p>
+            <a:r>
+              <a:rPr lang="ru-RU" dirty="0" smtClean="0"/>
+              <a:t>Окно аккаунта похоже на главную страницу, единственные отличия это </a:t>
+            </a:r>
+            <a:r>
+              <a:rPr lang="ru-RU" dirty="0" err="1" smtClean="0"/>
+              <a:t>аватар</a:t>
+            </a:r>
+            <a:r>
+              <a:rPr lang="ru-RU" dirty="0" smtClean="0"/>
+              <a:t> пользователя, расположенный вверху, почта, дата регистрации и кнопка редактирования аккаунта.</a:t>
+            </a:r>
+            <a:endParaRPr lang="ru-RU" dirty="0"/>
+          </a:p>
+        </p:txBody>
+      </p:sp>
+      <p:sp>
+        <p:nvSpPr>
+          <p:cNvPr id="4" name="Заголовок 4"/>
+          <p:cNvSpPr txBox="1">
+            <a:spLocks/>
+          </p:cNvSpPr>
+          <p:nvPr/>
+        </p:nvSpPr>
+        <p:spPr>
+          <a:xfrm>
+            <a:off x="420443" y="149469"/>
+            <a:ext cx="11088689" cy="714142"/>
+          </a:xfrm>
+          <a:prstGeom prst="rect">
+            <a:avLst/>
+          </a:prstGeom>
+          <a:effectLst/>
+        </p:spPr>
+        <p:txBody>
+          <a:bodyPr vert="horz" lIns="91440" tIns="45720" rIns="91440" bIns="45720" rtlCol="0" anchor="b">
+            <a:normAutofit fontScale="97500" lnSpcReduction="10000"/>
+          </a:bodyPr>
+          <a:lstStyle>
+            <a:lvl1pPr algn="l" defTabSz="457200" rtl="0" eaLnBrk="1" latinLnBrk="0" hangingPunct="1">
+              <a:spcBef>
+                <a:spcPct val="0"/>
+              </a:spcBef>
+              <a:buNone/>
+              <a:defRPr sz="3600" b="0" kern="1200" cap="all">
+                <a:ln w="3175" cmpd="sng">
+                  <a:noFill/>
+                </a:ln>
+                <a:solidFill>
+                  <a:schemeClr val="tx1"/>
+                </a:solidFill>
+                <a:effectLst/>
+                <a:latin typeface="+mj-lt"/>
+                <a:ea typeface="+mj-ea"/>
+                <a:cs typeface="+mj-cs"/>
+              </a:defRPr>
+            </a:lvl1pPr>
+            <a:lvl2pPr eaLnBrk="1" hangingPunct="1">
+              <a:defRPr>
+                <a:solidFill>
+                  <a:schemeClr val="tx2"/>
+                </a:solidFill>
+              </a:defRPr>
+            </a:lvl2pPr>
+            <a:lvl3pPr eaLnBrk="1" hangingPunct="1">
+              <a:defRPr>
+                <a:solidFill>
+                  <a:schemeClr val="tx2"/>
+                </a:solidFill>
+              </a:defRPr>
+            </a:lvl3pPr>
+            <a:lvl4pPr eaLnBrk="1" hangingPunct="1">
+              <a:defRPr>
+                <a:solidFill>
+                  <a:schemeClr val="tx2"/>
+                </a:solidFill>
+              </a:defRPr>
+            </a:lvl4pPr>
+            <a:lvl5pPr eaLnBrk="1" hangingPunct="1">
+              <a:defRPr>
+                <a:solidFill>
+                  <a:schemeClr val="tx2"/>
+                </a:solidFill>
+              </a:defRPr>
+            </a:lvl5pPr>
+            <a:lvl6pPr eaLnBrk="1" hangingPunct="1">
+              <a:defRPr>
+                <a:solidFill>
+                  <a:schemeClr val="tx2"/>
+                </a:solidFill>
+              </a:defRPr>
+            </a:lvl6pPr>
+            <a:lvl7pPr eaLnBrk="1" hangingPunct="1">
+              <a:defRPr>
+                <a:solidFill>
+                  <a:schemeClr val="tx2"/>
+                </a:solidFill>
+              </a:defRPr>
+            </a:lvl7pPr>
+            <a:lvl8pPr eaLnBrk="1" hangingPunct="1">
+              <a:defRPr>
+                <a:solidFill>
+                  <a:schemeClr val="tx2"/>
+                </a:solidFill>
+              </a:defRPr>
+            </a:lvl8pPr>
+            <a:lvl9pPr eaLnBrk="1" hangingPunct="1">
+              <a:defRPr>
+                <a:solidFill>
+                  <a:schemeClr val="tx2"/>
+                </a:solidFill>
+              </a:defRPr>
+            </a:lvl9pPr>
+          </a:lstStyle>
+          <a:p>
+            <a:pPr algn="ctr"/>
+            <a:r>
+              <a:rPr lang="en-US" sz="4400" b="1" dirty="0" smtClean="0">
+                <a:solidFill>
+                  <a:schemeClr val="accent5"/>
+                </a:solidFill>
+                <a:latin typeface="Forte" panose="03060902040502070203" pitchFamily="66" charset="0"/>
+              </a:rPr>
+              <a:t>HTML</a:t>
+            </a:r>
+            <a:endParaRPr lang="ru-RU" sz="4400" b="1" dirty="0">
+              <a:solidFill>
+                <a:schemeClr val="accent5"/>
+              </a:solidFill>
+            </a:endParaRPr>
+          </a:p>
+        </p:txBody>
+      </p:sp>
+      <p:sp>
+        <p:nvSpPr>
+          <p:cNvPr id="5" name="Текст 5"/>
+          <p:cNvSpPr txBox="1">
+            <a:spLocks/>
+          </p:cNvSpPr>
+          <p:nvPr/>
+        </p:nvSpPr>
+        <p:spPr>
+          <a:xfrm>
+            <a:off x="1697588" y="828916"/>
+            <a:ext cx="8534400" cy="744907"/>
+          </a:xfrm>
+          <a:prstGeom prst="rect">
+            <a:avLst/>
+          </a:prstGeom>
+        </p:spPr>
+        <p:txBody>
+          <a:bodyPr vert="horz" lIns="91440" tIns="45720" rIns="91440" bIns="45720" rtlCol="0" anchor="t">
+            <a:normAutofit lnSpcReduction="10000"/>
+          </a:bodyPr>
+          <a:lstStyle>
+            <a:lvl1pPr marL="0" indent="0" algn="l" defTabSz="457200" rtl="0" eaLnBrk="1" latinLnBrk="0" hangingPunct="1">
+              <a:spcBef>
+                <a:spcPct val="20000"/>
+              </a:spcBef>
+              <a:spcAft>
+                <a:spcPts val="600"/>
+              </a:spcAft>
+              <a:buClr>
+                <a:schemeClr val="tx1"/>
+              </a:buClr>
+              <a:buSzPct val="80000"/>
+              <a:buFont typeface="Wingdings 3" panose="05040102010807070707" pitchFamily="18" charset="2"/>
+              <a:buNone/>
+              <a:defRPr sz="1800" kern="1200" cap="none">
+                <a:solidFill>
+                  <a:schemeClr val="bg2">
+                    <a:lumMod val="75000"/>
+                  </a:schemeClr>
+                </a:solidFill>
+                <a:effectLst/>
+                <a:latin typeface="+mn-lt"/>
+                <a:ea typeface="+mn-ea"/>
+                <a:cs typeface="+mn-cs"/>
+              </a:defRPr>
+            </a:lvl1pPr>
+            <a:lvl2pPr marL="457200" indent="0" algn="l" defTabSz="457200" rtl="0" eaLnBrk="1" latinLnBrk="0" hangingPunct="1">
+              <a:spcBef>
+                <a:spcPct val="20000"/>
+              </a:spcBef>
+              <a:spcAft>
+                <a:spcPts val="600"/>
+              </a:spcAft>
+              <a:buClr>
+                <a:schemeClr val="tx1"/>
+              </a:buClr>
+              <a:buSzPct val="80000"/>
+              <a:buFont typeface="Wingdings 3" panose="05040102010807070707" pitchFamily="18" charset="2"/>
+              <a:buNone/>
+              <a:defRPr sz="1800" kern="1200" cap="none">
+                <a:solidFill>
+                  <a:schemeClr val="tx1">
+                    <a:tint val="75000"/>
+                  </a:schemeClr>
+                </a:solidFill>
+                <a:effectLst/>
+                <a:latin typeface="+mn-lt"/>
+                <a:ea typeface="+mn-ea"/>
+                <a:cs typeface="+mn-cs"/>
+              </a:defRPr>
+            </a:lvl2pPr>
+            <a:lvl3pPr marL="914400" indent="0" algn="l" defTabSz="457200" rtl="0" eaLnBrk="1" latinLnBrk="0" hangingPunct="1">
+              <a:spcBef>
+                <a:spcPct val="20000"/>
+              </a:spcBef>
+              <a:spcAft>
+                <a:spcPts val="600"/>
+              </a:spcAft>
+              <a:buClr>
+                <a:schemeClr val="tx1"/>
+              </a:buClr>
+              <a:buSzPct val="80000"/>
+              <a:buFont typeface="Wingdings 3" panose="05040102010807070707" pitchFamily="18" charset="2"/>
+              <a:buNone/>
+              <a:defRPr sz="1600" kern="1200" cap="none">
+                <a:solidFill>
+                  <a:schemeClr val="tx1">
+                    <a:tint val="75000"/>
+                  </a:schemeClr>
+                </a:solidFill>
+                <a:effectLst/>
+                <a:latin typeface="+mn-lt"/>
+                <a:ea typeface="+mn-ea"/>
+                <a:cs typeface="+mn-cs"/>
+              </a:defRPr>
+            </a:lvl3pPr>
+            <a:lvl4pPr marL="1371600" indent="0" algn="l" defTabSz="457200" rtl="0" eaLnBrk="1" latinLnBrk="0" hangingPunct="1">
+              <a:spcBef>
+                <a:spcPct val="20000"/>
+              </a:spcBef>
+              <a:spcAft>
+                <a:spcPts val="600"/>
+              </a:spcAft>
+              <a:buClr>
+                <a:schemeClr val="tx1"/>
+              </a:buClr>
+              <a:buSzPct val="80000"/>
+              <a:buFont typeface="Wingdings 3" panose="05040102010807070707" pitchFamily="18" charset="2"/>
+              <a:buNone/>
+              <a:defRPr sz="1400" kern="1200" cap="none">
+                <a:solidFill>
+                  <a:schemeClr val="tx1">
+                    <a:tint val="75000"/>
+                  </a:schemeClr>
+                </a:solidFill>
+                <a:effectLst/>
+                <a:latin typeface="+mn-lt"/>
+                <a:ea typeface="+mn-ea"/>
+                <a:cs typeface="+mn-cs"/>
+              </a:defRPr>
+            </a:lvl4pPr>
+            <a:lvl5pPr marL="1828800" indent="0" algn="l" defTabSz="457200" rtl="0" eaLnBrk="1" latinLnBrk="0" hangingPunct="1">
+              <a:spcBef>
+                <a:spcPct val="20000"/>
+              </a:spcBef>
+              <a:spcAft>
+                <a:spcPts val="600"/>
+              </a:spcAft>
+              <a:buClr>
+                <a:schemeClr val="tx1"/>
+              </a:buClr>
+              <a:buSzPct val="80000"/>
+              <a:buFont typeface="Wingdings 3" panose="05040102010807070707" pitchFamily="18" charset="2"/>
+              <a:buNone/>
+              <a:defRPr sz="1400" kern="1200" cap="none">
+                <a:solidFill>
+                  <a:schemeClr val="tx1">
+                    <a:tint val="75000"/>
+                  </a:schemeClr>
+                </a:solidFill>
+                <a:effectLst/>
+                <a:latin typeface="+mn-lt"/>
+                <a:ea typeface="+mn-ea"/>
+                <a:cs typeface="+mn-cs"/>
+              </a:defRPr>
+            </a:lvl5pPr>
+            <a:lvl6pPr marL="2286000" indent="0" algn="l" defTabSz="457200" rtl="0" eaLnBrk="1" latinLnBrk="0" hangingPunct="1">
+              <a:spcBef>
+                <a:spcPct val="20000"/>
+              </a:spcBef>
+              <a:spcAft>
+                <a:spcPts val="600"/>
+              </a:spcAft>
+              <a:buClr>
+                <a:schemeClr val="tx1"/>
+              </a:buClr>
+              <a:buSzPct val="80000"/>
+              <a:buFont typeface="Wingdings 3" panose="05040102010807070707" pitchFamily="18" charset="2"/>
+              <a:buNone/>
+              <a:defRPr sz="1400" kern="1200" cap="none">
+                <a:solidFill>
+                  <a:schemeClr val="tx1">
+                    <a:tint val="75000"/>
+                  </a:schemeClr>
+                </a:solidFill>
+                <a:effectLst/>
+                <a:latin typeface="+mn-lt"/>
+                <a:ea typeface="+mn-ea"/>
+                <a:cs typeface="+mn-cs"/>
+              </a:defRPr>
+            </a:lvl6pPr>
+            <a:lvl7pPr marL="2743200" indent="0" algn="l" defTabSz="457200" rtl="0" eaLnBrk="1" latinLnBrk="0" hangingPunct="1">
+              <a:spcBef>
+                <a:spcPct val="20000"/>
+              </a:spcBef>
+              <a:spcAft>
+                <a:spcPts val="600"/>
+              </a:spcAft>
+              <a:buClr>
+                <a:schemeClr val="tx1"/>
+              </a:buClr>
+              <a:buSzPct val="80000"/>
+              <a:buFont typeface="Wingdings 3" panose="05040102010807070707" pitchFamily="18" charset="2"/>
+              <a:buNone/>
+              <a:defRPr sz="1400" kern="1200" cap="none">
+                <a:solidFill>
+                  <a:schemeClr val="tx1">
+                    <a:tint val="75000"/>
+                  </a:schemeClr>
+                </a:solidFill>
+                <a:effectLst/>
+                <a:latin typeface="+mn-lt"/>
+                <a:ea typeface="+mn-ea"/>
+                <a:cs typeface="+mn-cs"/>
+              </a:defRPr>
+            </a:lvl7pPr>
+            <a:lvl8pPr marL="3200400" indent="0" algn="l" defTabSz="457200" rtl="0" eaLnBrk="1" latinLnBrk="0" hangingPunct="1">
+              <a:spcBef>
+                <a:spcPct val="20000"/>
+              </a:spcBef>
+              <a:spcAft>
+                <a:spcPts val="600"/>
+              </a:spcAft>
+              <a:buClr>
+                <a:schemeClr val="tx1"/>
+              </a:buClr>
+              <a:buSzPct val="80000"/>
+              <a:buFont typeface="Wingdings 3" panose="05040102010807070707" pitchFamily="18" charset="2"/>
+              <a:buNone/>
+              <a:defRPr sz="1400" kern="1200" cap="none">
+                <a:solidFill>
+                  <a:schemeClr val="tx1">
+                    <a:tint val="75000"/>
+                  </a:schemeClr>
+                </a:solidFill>
+                <a:effectLst/>
+                <a:latin typeface="+mn-lt"/>
+                <a:ea typeface="+mn-ea"/>
+                <a:cs typeface="+mn-cs"/>
+              </a:defRPr>
+            </a:lvl8pPr>
+            <a:lvl9pPr marL="3657600" indent="0" algn="l" defTabSz="457200" rtl="0" eaLnBrk="1" latinLnBrk="0" hangingPunct="1">
+              <a:spcBef>
+                <a:spcPct val="20000"/>
+              </a:spcBef>
+              <a:spcAft>
+                <a:spcPts val="600"/>
+              </a:spcAft>
+              <a:buClr>
+                <a:schemeClr val="tx1"/>
+              </a:buClr>
+              <a:buSzPct val="80000"/>
+              <a:buFont typeface="Wingdings 3" panose="05040102010807070707" pitchFamily="18" charset="2"/>
+              <a:buNone/>
+              <a:defRPr sz="1400" kern="1200" cap="none">
+                <a:solidFill>
+                  <a:schemeClr val="tx1">
+                    <a:tint val="75000"/>
+                  </a:schemeClr>
+                </a:solidFill>
+                <a:effectLst/>
+                <a:latin typeface="+mn-lt"/>
+                <a:ea typeface="+mn-ea"/>
+                <a:cs typeface="+mn-cs"/>
+              </a:defRPr>
+            </a:lvl9pPr>
+          </a:lstStyle>
+          <a:p>
+            <a:pPr algn="ctr"/>
+            <a:r>
+              <a:rPr lang="ru-RU" dirty="0" smtClean="0"/>
+              <a:t>Шаблоны страниц</a:t>
+            </a:r>
+            <a:endParaRPr lang="en-US" dirty="0" smtClean="0"/>
+          </a:p>
+          <a:p>
+            <a:pPr algn="ctr"/>
+            <a:r>
+              <a:rPr lang="ru-RU" dirty="0" smtClean="0"/>
+              <a:t>Аккаунт.</a:t>
+            </a:r>
+            <a:endParaRPr lang="ru-RU" dirty="0"/>
+          </a:p>
+        </p:txBody>
+      </p:sp>
+      <p:pic>
+        <p:nvPicPr>
+          <p:cNvPr id="6" name="Рисунок 5"/>
+          <p:cNvPicPr>
+            <a:picLocks noChangeAspect="1"/>
+          </p:cNvPicPr>
+          <p:nvPr/>
+        </p:nvPicPr>
+        <p:blipFill rotWithShape="1">
+          <a:blip r:embed="rId2">
+            <a:extLst>
+              <a:ext uri="{28A0092B-C50C-407E-A947-70E740481C1C}">
+                <a14:useLocalDpi xmlns:a14="http://schemas.microsoft.com/office/drawing/2010/main" val="0"/>
+              </a:ext>
+            </a:extLst>
+          </a:blip>
+          <a:srcRect l="223" t="-443" r="-223" b="30837"/>
+          <a:stretch/>
+        </p:blipFill>
+        <p:spPr>
+          <a:xfrm>
+            <a:off x="7098177" y="3006966"/>
+            <a:ext cx="4917750" cy="3408724"/>
+          </a:xfrm>
+          <a:prstGeom prst="rect">
+            <a:avLst/>
+          </a:prstGeom>
+        </p:spPr>
+      </p:pic>
+      <p:pic>
+        <p:nvPicPr>
+          <p:cNvPr id="7" name="Рисунок 6"/>
+          <p:cNvPicPr>
+            <a:picLocks noChangeAspect="1"/>
+          </p:cNvPicPr>
+          <p:nvPr/>
+        </p:nvPicPr>
+        <p:blipFill>
+          <a:blip r:embed="rId3" cstate="print">
+            <a:extLst>
+              <a:ext uri="{28A0092B-C50C-407E-A947-70E740481C1C}">
+                <a14:useLocalDpi xmlns:a14="http://schemas.microsoft.com/office/drawing/2010/main" val="0"/>
+              </a:ext>
+            </a:extLst>
+          </a:blip>
+          <a:stretch>
+            <a:fillRect/>
+          </a:stretch>
+        </p:blipFill>
+        <p:spPr>
+          <a:xfrm>
+            <a:off x="486343" y="3006966"/>
+            <a:ext cx="6611834" cy="3408723"/>
+          </a:xfrm>
+          <a:prstGeom prst="rect">
+            <a:avLst/>
+          </a:prstGeom>
+        </p:spPr>
+      </p:pic>
+    </p:spTree>
+    <p:extLst>
+      <p:ext uri="{BB962C8B-B14F-4D97-AF65-F5344CB8AC3E}">
+        <p14:creationId xmlns:p14="http://schemas.microsoft.com/office/powerpoint/2010/main" val="319881754"/>
+      </p:ext>
+    </p:extLst>
+  </p:cSld>
+  <p:clrMapOvr>
+    <a:masterClrMapping/>
+  </p:clrMapOvr>
+  <p:timing>
+    <p:tnLst>
+      <p:par>
+        <p:cTn id="1" dur="indefinite" restart="never" nodeType="tmRoot"/>
+      </p:par>
+    </p:tnLst>
+  </p:timing>
+</p:sld>
+</file>
+
+<file path=ppt/slides/slide14.xml><?xml version="1.0" encoding="utf-8"?>
+<p:sld xmlns:a="http://schemas.openxmlformats.org/drawingml/2006/main" xmlns:r="http://schemas.openxmlformats.org/officeDocument/2006/relationships" xmlns:p="http://schemas.openxmlformats.org/presentationml/2006/main">
+  <p:cSld>
+    <p:spTree>
+      <p:nvGrpSpPr>
+        <p:cNvPr id="1" name=""/>
+        <p:cNvGrpSpPr/>
+        <p:nvPr/>
+      </p:nvGrpSpPr>
+      <p:grpSpPr>
+        <a:xfrm>
+          <a:off x="0" y="0"/>
+          <a:ext cx="0" cy="0"/>
+          <a:chOff x="0" y="0"/>
+          <a:chExt cx="0" cy="0"/>
+        </a:xfrm>
+      </p:grpSpPr>
+      <p:sp>
+        <p:nvSpPr>
+          <p:cNvPr id="2" name="Заголовок 1"/>
+          <p:cNvSpPr>
+            <a:spLocks noGrp="1"/>
+          </p:cNvSpPr>
+          <p:nvPr>
+            <p:ph type="title"/>
+          </p:nvPr>
+        </p:nvSpPr>
+        <p:spPr>
+          <a:xfrm>
+            <a:off x="684213" y="342900"/>
+            <a:ext cx="10869611" cy="706800"/>
+          </a:xfrm>
+        </p:spPr>
+        <p:txBody>
+          <a:bodyPr/>
+          <a:lstStyle/>
+          <a:p>
+            <a:pPr algn="ctr"/>
+            <a:r>
+              <a:rPr lang="en-US" dirty="0" err="1" smtClean="0">
+                <a:solidFill>
+                  <a:schemeClr val="accent5"/>
+                </a:solidFill>
+                <a:latin typeface="Forte" panose="03060902040502070203" pitchFamily="66" charset="0"/>
+              </a:rPr>
+              <a:t>css</a:t>
+            </a:r>
+            <a:endParaRPr lang="ru-RU" dirty="0">
+              <a:solidFill>
+                <a:schemeClr val="accent5"/>
+              </a:solidFill>
+            </a:endParaRPr>
+          </a:p>
+        </p:txBody>
+      </p:sp>
+      <p:sp>
+        <p:nvSpPr>
+          <p:cNvPr id="3" name="Текст 2"/>
+          <p:cNvSpPr>
+            <a:spLocks noGrp="1"/>
+          </p:cNvSpPr>
+          <p:nvPr>
+            <p:ph type="body" idx="1"/>
+          </p:nvPr>
+        </p:nvSpPr>
+        <p:spPr>
+          <a:xfrm>
+            <a:off x="684213" y="1142999"/>
+            <a:ext cx="10869611" cy="4924425"/>
+          </a:xfrm>
+        </p:spPr>
+        <p:txBody>
+          <a:bodyPr/>
+          <a:lstStyle/>
+          <a:p>
+            <a:r>
+              <a:rPr lang="ru-RU" dirty="0" smtClean="0"/>
+              <a:t>Теги использованные в </a:t>
+            </a:r>
+            <a:r>
+              <a:rPr lang="en-US" dirty="0" err="1" smtClean="0"/>
+              <a:t>css</a:t>
+            </a:r>
+            <a:r>
+              <a:rPr lang="ru-RU" dirty="0" smtClean="0"/>
+              <a:t>:</a:t>
+            </a:r>
+          </a:p>
+          <a:p>
+            <a:pPr marL="342900" indent="-342900">
+              <a:buAutoNum type="arabicPeriod"/>
+            </a:pPr>
+            <a:r>
+              <a:rPr lang="en-US" dirty="0" smtClean="0"/>
+              <a:t>box-shadow </a:t>
+            </a:r>
+            <a:r>
+              <a:rPr lang="ru-RU" dirty="0" smtClean="0"/>
+              <a:t>- тень</a:t>
+            </a:r>
+            <a:endParaRPr lang="en-US" dirty="0" smtClean="0"/>
+          </a:p>
+          <a:p>
+            <a:pPr marL="342900" indent="-342900">
+              <a:buAutoNum type="arabicPeriod"/>
+            </a:pPr>
+            <a:r>
+              <a:rPr lang="en-US" dirty="0" smtClean="0"/>
+              <a:t>border-radius</a:t>
+            </a:r>
+            <a:r>
+              <a:rPr lang="ru-RU" dirty="0" smtClean="0"/>
+              <a:t> – закругление краёв</a:t>
+            </a:r>
+            <a:endParaRPr lang="en-US" dirty="0" smtClean="0"/>
+          </a:p>
+          <a:p>
+            <a:pPr marL="342900" indent="-342900">
+              <a:buAutoNum type="arabicPeriod"/>
+            </a:pPr>
+            <a:r>
+              <a:rPr lang="en-US" dirty="0" smtClean="0"/>
+              <a:t>display: flex</a:t>
+            </a:r>
+            <a:r>
+              <a:rPr lang="ru-RU" dirty="0" smtClean="0"/>
+              <a:t> – закрепление объектов </a:t>
+            </a:r>
+            <a:endParaRPr lang="en-US" dirty="0" smtClean="0"/>
+          </a:p>
+          <a:p>
+            <a:pPr marL="342900" indent="-342900">
+              <a:buAutoNum type="arabicPeriod"/>
+            </a:pPr>
+            <a:r>
+              <a:rPr lang="en-US" dirty="0"/>
+              <a:t>o</a:t>
+            </a:r>
+            <a:r>
+              <a:rPr lang="en-US" dirty="0" smtClean="0"/>
+              <a:t>utline</a:t>
+            </a:r>
+            <a:r>
+              <a:rPr lang="ru-RU" dirty="0" smtClean="0"/>
+              <a:t> – внешняя линия</a:t>
+            </a:r>
+            <a:endParaRPr lang="en-US" dirty="0" smtClean="0"/>
+          </a:p>
+          <a:p>
+            <a:pPr marL="342900" indent="-342900">
+              <a:buAutoNum type="arabicPeriod"/>
+            </a:pPr>
+            <a:r>
+              <a:rPr lang="en-US" dirty="0"/>
+              <a:t>h</a:t>
+            </a:r>
+            <a:r>
+              <a:rPr lang="en-US" dirty="0" smtClean="0"/>
+              <a:t>over</a:t>
+            </a:r>
+            <a:r>
+              <a:rPr lang="ru-RU" dirty="0" smtClean="0"/>
+              <a:t> – отслеживает нажатия</a:t>
+            </a:r>
+            <a:endParaRPr lang="en-US" dirty="0" smtClean="0"/>
+          </a:p>
+          <a:p>
+            <a:pPr marL="342900" indent="-342900">
+              <a:buAutoNum type="arabicPeriod"/>
+            </a:pPr>
+            <a:r>
+              <a:rPr lang="en-US" dirty="0" smtClean="0"/>
+              <a:t>focus</a:t>
+            </a:r>
+            <a:r>
+              <a:rPr lang="ru-RU" dirty="0" smtClean="0"/>
+              <a:t> – отслеживает наведение мыши</a:t>
+            </a:r>
+            <a:endParaRPr lang="en-US" dirty="0" smtClean="0"/>
+          </a:p>
+          <a:p>
+            <a:pPr marL="342900" indent="-342900">
+              <a:buAutoNum type="arabicPeriod"/>
+            </a:pPr>
+            <a:r>
+              <a:rPr lang="en-US" dirty="0"/>
+              <a:t>c</a:t>
+            </a:r>
+            <a:r>
+              <a:rPr lang="en-US" dirty="0" smtClean="0"/>
+              <a:t>ursor</a:t>
+            </a:r>
+            <a:r>
+              <a:rPr lang="ru-RU" dirty="0" smtClean="0"/>
+              <a:t> – помогает изменять курсор мыши</a:t>
+            </a:r>
+          </a:p>
+          <a:p>
+            <a:r>
+              <a:rPr lang="ru-RU" dirty="0" smtClean="0"/>
+              <a:t>Тут описаны только те теги о которых я узнал во время работы над этим проектом.</a:t>
+            </a:r>
+            <a:endParaRPr lang="en-US" dirty="0"/>
+          </a:p>
+          <a:p>
+            <a:pPr marL="342900" indent="-342900">
+              <a:buAutoNum type="arabicPeriod"/>
+            </a:pPr>
+            <a:endParaRPr lang="en-US" dirty="0" smtClean="0"/>
+          </a:p>
+          <a:p>
+            <a:pPr marL="342900" indent="-342900">
+              <a:buAutoNum type="arabicPeriod"/>
+            </a:pPr>
+            <a:endParaRPr lang="en-US" dirty="0"/>
+          </a:p>
+          <a:p>
+            <a:pPr marL="342900" indent="-342900">
+              <a:buAutoNum type="arabicPeriod"/>
+            </a:pPr>
+            <a:endParaRPr lang="en-US" dirty="0" smtClean="0"/>
+          </a:p>
+          <a:p>
+            <a:pPr marL="342900" indent="-342900">
+              <a:buAutoNum type="arabicPeriod"/>
+            </a:pPr>
+            <a:endParaRPr lang="en-US" dirty="0"/>
+          </a:p>
+          <a:p>
+            <a:pPr marL="342900" indent="-342900">
+              <a:buAutoNum type="arabicPeriod"/>
+            </a:pPr>
+            <a:endParaRPr lang="en-US" dirty="0"/>
+          </a:p>
+          <a:p>
+            <a:pPr marL="342900" indent="-342900">
+              <a:buAutoNum type="arabicPeriod"/>
+            </a:pPr>
+            <a:endParaRPr lang="en-US" dirty="0" smtClean="0"/>
+          </a:p>
+          <a:p>
+            <a:pPr marL="342900" indent="-342900">
+              <a:buAutoNum type="arabicPeriod"/>
+            </a:pPr>
+            <a:endParaRPr lang="en-US" dirty="0" smtClean="0"/>
+          </a:p>
+        </p:txBody>
+      </p:sp>
+    </p:spTree>
+    <p:extLst>
+      <p:ext uri="{BB962C8B-B14F-4D97-AF65-F5344CB8AC3E}">
+        <p14:creationId xmlns:p14="http://schemas.microsoft.com/office/powerpoint/2010/main" val="1652116709"/>
+      </p:ext>
+    </p:extLst>
+  </p:cSld>
+  <p:clrMapOvr>
+    <a:masterClrMapping/>
+  </p:clrMapOvr>
+  <p:timing>
+    <p:tnLst>
+      <p:par>
+        <p:cTn id="1" dur="indefinite" restart="never" nodeType="tmRoot"/>
+      </p:par>
+    </p:tnLst>
+  </p:timing>
+</p:sld>
+</file>
+
+<file path=ppt/slides/slide15.xml><?xml version="1.0" encoding="utf-8"?>
+<p:sld xmlns:a="http://schemas.openxmlformats.org/drawingml/2006/main" xmlns:r="http://schemas.openxmlformats.org/officeDocument/2006/relationships" xmlns:p="http://schemas.openxmlformats.org/presentationml/2006/main">
+  <p:cSld>
+    <p:spTree>
+      <p:nvGrpSpPr>
+        <p:cNvPr id="1" name=""/>
+        <p:cNvGrpSpPr/>
+        <p:nvPr/>
+      </p:nvGrpSpPr>
+      <p:grpSpPr>
+        <a:xfrm>
+          <a:off x="0" y="0"/>
+          <a:ext cx="0" cy="0"/>
+          <a:chOff x="0" y="0"/>
+          <a:chExt cx="0" cy="0"/>
+        </a:xfrm>
+      </p:grpSpPr>
+      <p:sp>
+        <p:nvSpPr>
+          <p:cNvPr id="5" name="Заголовок 4"/>
+          <p:cNvSpPr>
+            <a:spLocks noGrp="1"/>
+          </p:cNvSpPr>
+          <p:nvPr>
+            <p:ph type="title"/>
+          </p:nvPr>
+        </p:nvSpPr>
+        <p:spPr>
+          <a:xfrm>
+            <a:off x="1398586" y="371475"/>
+            <a:ext cx="8534401" cy="878250"/>
+          </a:xfrm>
+        </p:spPr>
+        <p:txBody>
+          <a:bodyPr/>
+          <a:lstStyle/>
+          <a:p>
+            <a:pPr algn="ctr"/>
+            <a:r>
+              <a:rPr lang="ru-RU" dirty="0" smtClean="0"/>
+              <a:t>Доработки</a:t>
+            </a:r>
+            <a:endParaRPr lang="ru-RU" dirty="0"/>
+          </a:p>
+        </p:txBody>
+      </p:sp>
+      <p:sp>
+        <p:nvSpPr>
+          <p:cNvPr id="6" name="Текст 5"/>
+          <p:cNvSpPr>
+            <a:spLocks noGrp="1"/>
+          </p:cNvSpPr>
+          <p:nvPr>
+            <p:ph type="body" idx="1"/>
+          </p:nvPr>
+        </p:nvSpPr>
+        <p:spPr>
+          <a:xfrm>
+            <a:off x="1150938" y="1828799"/>
+            <a:ext cx="8534400" cy="1876425"/>
+          </a:xfrm>
+        </p:spPr>
+        <p:txBody>
+          <a:bodyPr/>
+          <a:lstStyle/>
+          <a:p>
+            <a:pPr marL="342900" indent="-342900">
+              <a:buAutoNum type="arabicPeriod"/>
+            </a:pPr>
+            <a:r>
+              <a:rPr lang="ru-RU" dirty="0" smtClean="0"/>
+              <a:t>Качество фотографий.</a:t>
+            </a:r>
+          </a:p>
+          <a:p>
+            <a:pPr marL="342900" indent="-342900">
+              <a:buAutoNum type="arabicPeriod"/>
+            </a:pPr>
+            <a:r>
+              <a:rPr lang="ru-RU" dirty="0" smtClean="0"/>
+              <a:t>Сообщения между людьми.</a:t>
+            </a:r>
+          </a:p>
+          <a:p>
+            <a:pPr marL="342900" indent="-342900">
+              <a:buAutoNum type="arabicPeriod"/>
+            </a:pPr>
+            <a:r>
+              <a:rPr lang="ru-RU" dirty="0" smtClean="0"/>
+              <a:t>Ограничения на вводе в форму данных.</a:t>
+            </a:r>
+          </a:p>
+          <a:p>
+            <a:pPr marL="342900" indent="-342900">
+              <a:buAutoNum type="arabicPeriod"/>
+            </a:pPr>
+            <a:r>
+              <a:rPr lang="ru-RU" dirty="0" smtClean="0"/>
+              <a:t>Подключение сервиса оплаты.</a:t>
+            </a:r>
+            <a:endParaRPr lang="ru-RU" dirty="0"/>
+          </a:p>
+        </p:txBody>
+      </p:sp>
+    </p:spTree>
+    <p:extLst>
+      <p:ext uri="{BB962C8B-B14F-4D97-AF65-F5344CB8AC3E}">
+        <p14:creationId xmlns:p14="http://schemas.microsoft.com/office/powerpoint/2010/main" val="4173268816"/>
+      </p:ext>
+    </p:extLst>
+  </p:cSld>
+  <p:clrMapOvr>
+    <a:masterClrMapping/>
+  </p:clrMapOvr>
+  <p:timing>
+    <p:tnLst>
+      <p:par>
+        <p:cTn id="1" dur="indefinite" restart="never" nodeType="tmRoot"/>
+      </p:par>
+    </p:tnLst>
+  </p:timing>
+</p:sld>
+</file>
+
 <file path=ppt/slides/slide2.xml><?xml version="1.0" encoding="utf-8"?>
 <p:sld xmlns:a="http://schemas.openxmlformats.org/drawingml/2006/main" xmlns:r="http://schemas.openxmlformats.org/officeDocument/2006/relationships" xmlns:p="http://schemas.openxmlformats.org/presentationml/2006/main">
   <p:cSld>
@@ -5907,7 +9204,7 @@
       </p:grpSpPr>
       <p:sp>
         <p:nvSpPr>
-          <p:cNvPr id="5" name="Заголовок 4"/>
+          <p:cNvPr id="7" name="Заголовок 4"/>
           <p:cNvSpPr>
             <a:spLocks noGrp="1"/>
           </p:cNvSpPr>
@@ -5917,91 +9214,2435 @@
         </p:nvSpPr>
         <p:spPr>
           <a:xfrm>
-            <a:off x="1398586" y="371475"/>
-            <a:ext cx="8534401" cy="878250"/>
+            <a:off x="420443" y="149469"/>
+            <a:ext cx="11088689" cy="714142"/>
           </a:xfrm>
         </p:spPr>
         <p:txBody>
-          <a:bodyPr/>
+          <a:bodyPr>
+            <a:normAutofit fontScale="90000"/>
+          </a:bodyPr>
           <a:lstStyle/>
           <a:p>
             <a:pPr algn="ctr"/>
             <a:r>
-              <a:rPr lang="ru-RU" dirty="0" smtClean="0"/>
-              <a:t>Доработки</a:t>
-            </a:r>
-            <a:endParaRPr lang="ru-RU" dirty="0"/>
-          </a:p>
-        </p:txBody>
-      </p:sp>
-      <p:sp>
-        <p:nvSpPr>
-          <p:cNvPr id="6" name="Текст 5"/>
-          <p:cNvSpPr>
-            <a:spLocks noGrp="1"/>
-          </p:cNvSpPr>
-          <p:nvPr>
-            <p:ph type="body" idx="1"/>
-          </p:nvPr>
+              <a:rPr lang="ru-RU" sz="4400" b="1" dirty="0" smtClean="0">
+                <a:solidFill>
+                  <a:schemeClr val="accent5"/>
+                </a:solidFill>
+                <a:latin typeface="Forte" panose="03060902040502070203" pitchFamily="66" charset="0"/>
+              </a:rPr>
+              <a:t>Функционал</a:t>
+            </a:r>
+            <a:endParaRPr lang="ru-RU" sz="4400" b="1" dirty="0">
+              <a:solidFill>
+                <a:schemeClr val="accent5"/>
+              </a:solidFill>
+            </a:endParaRPr>
+          </a:p>
+        </p:txBody>
+      </p:sp>
+      <p:sp>
+        <p:nvSpPr>
+          <p:cNvPr id="8" name="Текст 5"/>
+          <p:cNvSpPr txBox="1">
+            <a:spLocks/>
+          </p:cNvSpPr>
+          <p:nvPr/>
         </p:nvSpPr>
         <p:spPr>
           <a:xfrm>
-            <a:off x="1150938" y="1828799"/>
-            <a:ext cx="8534400" cy="1876425"/>
+            <a:off x="1000796" y="863610"/>
+            <a:ext cx="5786751" cy="5546715"/>
           </a:xfrm>
+          <a:prstGeom prst="rect">
+            <a:avLst/>
+          </a:prstGeom>
         </p:spPr>
         <p:txBody>
-          <a:bodyPr/>
-          <a:lstStyle/>
-          <a:p>
-            <a:pPr marL="342900" indent="-342900">
-              <a:buAutoNum type="arabicPeriod"/>
-            </a:pPr>
-            <a:r>
-              <a:rPr lang="ru-RU" dirty="0" smtClean="0"/>
-              <a:t>Качество фотографий.</a:t>
-            </a:r>
-          </a:p>
-          <a:p>
-            <a:pPr marL="342900" indent="-342900">
-              <a:buAutoNum type="arabicPeriod"/>
-            </a:pPr>
-            <a:r>
-              <a:rPr lang="ru-RU" dirty="0" smtClean="0"/>
-              <a:t>Сообщения между людьми.</a:t>
-            </a:r>
-          </a:p>
-          <a:p>
-            <a:pPr marL="342900" indent="-342900">
-              <a:buAutoNum type="arabicPeriod"/>
-            </a:pPr>
-            <a:r>
-              <a:rPr lang="ru-RU" dirty="0" smtClean="0"/>
-              <a:t>Ограничения на вводе в форму данных.</a:t>
-            </a:r>
-          </a:p>
-          <a:p>
-            <a:pPr marL="342900" indent="-342900">
-              <a:buAutoNum type="arabicPeriod"/>
-            </a:pPr>
-            <a:r>
-              <a:rPr lang="ru-RU" dirty="0" smtClean="0"/>
-              <a:t>Подключение сервиса оплаты.</a:t>
-            </a:r>
-            <a:endParaRPr lang="ru-RU" dirty="0"/>
-          </a:p>
-        </p:txBody>
-      </p:sp>
+          <a:bodyPr vert="horz" lIns="91440" tIns="45720" rIns="91440" bIns="45720" rtlCol="0" anchor="t">
+            <a:normAutofit/>
+          </a:bodyPr>
+          <a:lstStyle>
+            <a:lvl1pPr marL="0" indent="0" algn="l" defTabSz="457200" rtl="0" eaLnBrk="1" latinLnBrk="0" hangingPunct="1">
+              <a:spcBef>
+                <a:spcPct val="20000"/>
+              </a:spcBef>
+              <a:spcAft>
+                <a:spcPts val="600"/>
+              </a:spcAft>
+              <a:buClr>
+                <a:schemeClr val="tx1"/>
+              </a:buClr>
+              <a:buSzPct val="80000"/>
+              <a:buFont typeface="Wingdings 3" panose="05040102010807070707" pitchFamily="18" charset="2"/>
+              <a:buNone/>
+              <a:defRPr sz="1800" kern="1200" cap="none">
+                <a:solidFill>
+                  <a:schemeClr val="bg2">
+                    <a:lumMod val="75000"/>
+                  </a:schemeClr>
+                </a:solidFill>
+                <a:effectLst/>
+                <a:latin typeface="+mn-lt"/>
+                <a:ea typeface="+mn-ea"/>
+                <a:cs typeface="+mn-cs"/>
+              </a:defRPr>
+            </a:lvl1pPr>
+            <a:lvl2pPr marL="457200" indent="0" algn="l" defTabSz="457200" rtl="0" eaLnBrk="1" latinLnBrk="0" hangingPunct="1">
+              <a:spcBef>
+                <a:spcPct val="20000"/>
+              </a:spcBef>
+              <a:spcAft>
+                <a:spcPts val="600"/>
+              </a:spcAft>
+              <a:buClr>
+                <a:schemeClr val="tx1"/>
+              </a:buClr>
+              <a:buSzPct val="80000"/>
+              <a:buFont typeface="Wingdings 3" panose="05040102010807070707" pitchFamily="18" charset="2"/>
+              <a:buNone/>
+              <a:defRPr sz="1800" kern="1200" cap="none">
+                <a:solidFill>
+                  <a:schemeClr val="tx1">
+                    <a:tint val="75000"/>
+                  </a:schemeClr>
+                </a:solidFill>
+                <a:effectLst/>
+                <a:latin typeface="+mn-lt"/>
+                <a:ea typeface="+mn-ea"/>
+                <a:cs typeface="+mn-cs"/>
+              </a:defRPr>
+            </a:lvl2pPr>
+            <a:lvl3pPr marL="914400" indent="0" algn="l" defTabSz="457200" rtl="0" eaLnBrk="1" latinLnBrk="0" hangingPunct="1">
+              <a:spcBef>
+                <a:spcPct val="20000"/>
+              </a:spcBef>
+              <a:spcAft>
+                <a:spcPts val="600"/>
+              </a:spcAft>
+              <a:buClr>
+                <a:schemeClr val="tx1"/>
+              </a:buClr>
+              <a:buSzPct val="80000"/>
+              <a:buFont typeface="Wingdings 3" panose="05040102010807070707" pitchFamily="18" charset="2"/>
+              <a:buNone/>
+              <a:defRPr sz="1600" kern="1200" cap="none">
+                <a:solidFill>
+                  <a:schemeClr val="tx1">
+                    <a:tint val="75000"/>
+                  </a:schemeClr>
+                </a:solidFill>
+                <a:effectLst/>
+                <a:latin typeface="+mn-lt"/>
+                <a:ea typeface="+mn-ea"/>
+                <a:cs typeface="+mn-cs"/>
+              </a:defRPr>
+            </a:lvl3pPr>
+            <a:lvl4pPr marL="1371600" indent="0" algn="l" defTabSz="457200" rtl="0" eaLnBrk="1" latinLnBrk="0" hangingPunct="1">
+              <a:spcBef>
+                <a:spcPct val="20000"/>
+              </a:spcBef>
+              <a:spcAft>
+                <a:spcPts val="600"/>
+              </a:spcAft>
+              <a:buClr>
+                <a:schemeClr val="tx1"/>
+              </a:buClr>
+              <a:buSzPct val="80000"/>
+              <a:buFont typeface="Wingdings 3" panose="05040102010807070707" pitchFamily="18" charset="2"/>
+              <a:buNone/>
+              <a:defRPr sz="1400" kern="1200" cap="none">
+                <a:solidFill>
+                  <a:schemeClr val="tx1">
+                    <a:tint val="75000"/>
+                  </a:schemeClr>
+                </a:solidFill>
+                <a:effectLst/>
+                <a:latin typeface="+mn-lt"/>
+                <a:ea typeface="+mn-ea"/>
+                <a:cs typeface="+mn-cs"/>
+              </a:defRPr>
+            </a:lvl4pPr>
+            <a:lvl5pPr marL="1828800" indent="0" algn="l" defTabSz="457200" rtl="0" eaLnBrk="1" latinLnBrk="0" hangingPunct="1">
+              <a:spcBef>
+                <a:spcPct val="20000"/>
+              </a:spcBef>
+              <a:spcAft>
+                <a:spcPts val="600"/>
+              </a:spcAft>
+              <a:buClr>
+                <a:schemeClr val="tx1"/>
+              </a:buClr>
+              <a:buSzPct val="80000"/>
+              <a:buFont typeface="Wingdings 3" panose="05040102010807070707" pitchFamily="18" charset="2"/>
+              <a:buNone/>
+              <a:defRPr sz="1400" kern="1200" cap="none">
+                <a:solidFill>
+                  <a:schemeClr val="tx1">
+                    <a:tint val="75000"/>
+                  </a:schemeClr>
+                </a:solidFill>
+                <a:effectLst/>
+                <a:latin typeface="+mn-lt"/>
+                <a:ea typeface="+mn-ea"/>
+                <a:cs typeface="+mn-cs"/>
+              </a:defRPr>
+            </a:lvl5pPr>
+            <a:lvl6pPr marL="2286000" indent="0" algn="l" defTabSz="457200" rtl="0" eaLnBrk="1" latinLnBrk="0" hangingPunct="1">
+              <a:spcBef>
+                <a:spcPct val="20000"/>
+              </a:spcBef>
+              <a:spcAft>
+                <a:spcPts val="600"/>
+              </a:spcAft>
+              <a:buClr>
+                <a:schemeClr val="tx1"/>
+              </a:buClr>
+              <a:buSzPct val="80000"/>
+              <a:buFont typeface="Wingdings 3" panose="05040102010807070707" pitchFamily="18" charset="2"/>
+              <a:buNone/>
+              <a:defRPr sz="1400" kern="1200" cap="none">
+                <a:solidFill>
+                  <a:schemeClr val="tx1">
+                    <a:tint val="75000"/>
+                  </a:schemeClr>
+                </a:solidFill>
+                <a:effectLst/>
+                <a:latin typeface="+mn-lt"/>
+                <a:ea typeface="+mn-ea"/>
+                <a:cs typeface="+mn-cs"/>
+              </a:defRPr>
+            </a:lvl6pPr>
+            <a:lvl7pPr marL="2743200" indent="0" algn="l" defTabSz="457200" rtl="0" eaLnBrk="1" latinLnBrk="0" hangingPunct="1">
+              <a:spcBef>
+                <a:spcPct val="20000"/>
+              </a:spcBef>
+              <a:spcAft>
+                <a:spcPts val="600"/>
+              </a:spcAft>
+              <a:buClr>
+                <a:schemeClr val="tx1"/>
+              </a:buClr>
+              <a:buSzPct val="80000"/>
+              <a:buFont typeface="Wingdings 3" panose="05040102010807070707" pitchFamily="18" charset="2"/>
+              <a:buNone/>
+              <a:defRPr sz="1400" kern="1200" cap="none">
+                <a:solidFill>
+                  <a:schemeClr val="tx1">
+                    <a:tint val="75000"/>
+                  </a:schemeClr>
+                </a:solidFill>
+                <a:effectLst/>
+                <a:latin typeface="+mn-lt"/>
+                <a:ea typeface="+mn-ea"/>
+                <a:cs typeface="+mn-cs"/>
+              </a:defRPr>
+            </a:lvl7pPr>
+            <a:lvl8pPr marL="3200400" indent="0" algn="l" defTabSz="457200" rtl="0" eaLnBrk="1" latinLnBrk="0" hangingPunct="1">
+              <a:spcBef>
+                <a:spcPct val="20000"/>
+              </a:spcBef>
+              <a:spcAft>
+                <a:spcPts val="600"/>
+              </a:spcAft>
+              <a:buClr>
+                <a:schemeClr val="tx1"/>
+              </a:buClr>
+              <a:buSzPct val="80000"/>
+              <a:buFont typeface="Wingdings 3" panose="05040102010807070707" pitchFamily="18" charset="2"/>
+              <a:buNone/>
+              <a:defRPr sz="1400" kern="1200" cap="none">
+                <a:solidFill>
+                  <a:schemeClr val="tx1">
+                    <a:tint val="75000"/>
+                  </a:schemeClr>
+                </a:solidFill>
+                <a:effectLst/>
+                <a:latin typeface="+mn-lt"/>
+                <a:ea typeface="+mn-ea"/>
+                <a:cs typeface="+mn-cs"/>
+              </a:defRPr>
+            </a:lvl8pPr>
+            <a:lvl9pPr marL="3657600" indent="0" algn="l" defTabSz="457200" rtl="0" eaLnBrk="1" latinLnBrk="0" hangingPunct="1">
+              <a:spcBef>
+                <a:spcPct val="20000"/>
+              </a:spcBef>
+              <a:spcAft>
+                <a:spcPts val="600"/>
+              </a:spcAft>
+              <a:buClr>
+                <a:schemeClr val="tx1"/>
+              </a:buClr>
+              <a:buSzPct val="80000"/>
+              <a:buFont typeface="Wingdings 3" panose="05040102010807070707" pitchFamily="18" charset="2"/>
+              <a:buNone/>
+              <a:defRPr sz="1400" kern="1200" cap="none">
+                <a:solidFill>
+                  <a:schemeClr val="tx1">
+                    <a:tint val="75000"/>
+                  </a:schemeClr>
+                </a:solidFill>
+                <a:effectLst/>
+                <a:latin typeface="+mn-lt"/>
+                <a:ea typeface="+mn-ea"/>
+                <a:cs typeface="+mn-cs"/>
+              </a:defRPr>
+            </a:lvl9pPr>
+          </a:lstStyle>
+          <a:p>
+            <a:r>
+              <a:rPr lang="ru-RU" sz="2400" b="1" dirty="0" smtClean="0"/>
+              <a:t>Основные функции сайта:</a:t>
+            </a:r>
+          </a:p>
+          <a:p>
+            <a:r>
+              <a:rPr lang="ru-RU" sz="2400" b="1" dirty="0" smtClean="0"/>
+              <a:t>1.Сохранение данных</a:t>
+            </a:r>
+          </a:p>
+          <a:p>
+            <a:r>
+              <a:rPr lang="ru-RU" sz="2400" b="1" dirty="0" smtClean="0"/>
+              <a:t>2.Сохранение фотографий</a:t>
+            </a:r>
+          </a:p>
+          <a:p>
+            <a:r>
+              <a:rPr lang="ru-RU" sz="2400" b="1" dirty="0" smtClean="0"/>
+              <a:t>3.</a:t>
+            </a:r>
+            <a:r>
+              <a:rPr lang="en-US" sz="2400" b="1" dirty="0" smtClean="0"/>
+              <a:t> </a:t>
+            </a:r>
+            <a:r>
+              <a:rPr lang="ru-RU" sz="2400" b="1" dirty="0" smtClean="0"/>
+              <a:t>Отображение данных</a:t>
+            </a:r>
+          </a:p>
+          <a:p>
+            <a:r>
+              <a:rPr lang="ru-RU" sz="2400" b="1" dirty="0" smtClean="0"/>
+              <a:t>4. Изменение данных</a:t>
+            </a:r>
+            <a:endParaRPr lang="ru-RU" sz="2400" b="1" dirty="0"/>
+          </a:p>
+          <a:p>
+            <a:r>
+              <a:rPr lang="ru-RU" sz="2400" b="1" dirty="0"/>
+              <a:t>5</a:t>
+            </a:r>
+            <a:r>
+              <a:rPr lang="en-US" sz="2400" b="1" dirty="0" smtClean="0"/>
+              <a:t>. </a:t>
+            </a:r>
+            <a:r>
+              <a:rPr lang="en-US" sz="2400" b="1" dirty="0" err="1" smtClean="0"/>
+              <a:t>Api</a:t>
+            </a:r>
+            <a:endParaRPr lang="ru-RU" sz="2400" b="1" dirty="0" smtClean="0"/>
+          </a:p>
+          <a:p>
+            <a:r>
+              <a:rPr lang="ru-RU" sz="2400" b="1" dirty="0" smtClean="0"/>
+              <a:t>6. Покупка</a:t>
+            </a:r>
+          </a:p>
+          <a:p>
+            <a:r>
+              <a:rPr lang="ru-RU" sz="2400" b="1" dirty="0" smtClean="0"/>
+              <a:t>7. Переадресация на страницы</a:t>
+            </a:r>
+          </a:p>
+          <a:p>
+            <a:r>
+              <a:rPr lang="ru-RU" sz="2400" b="1" dirty="0" smtClean="0"/>
+              <a:t>8. </a:t>
+            </a:r>
+            <a:r>
+              <a:rPr lang="en-US" sz="2400" b="1" dirty="0" smtClean="0"/>
+              <a:t>login/logout</a:t>
+            </a:r>
+          </a:p>
+          <a:p>
+            <a:r>
+              <a:rPr lang="ru-RU" sz="2400" b="1" dirty="0"/>
+              <a:t>9</a:t>
+            </a:r>
+            <a:r>
+              <a:rPr lang="en-US" sz="2400" b="1" dirty="0" smtClean="0"/>
+              <a:t>.</a:t>
+            </a:r>
+            <a:r>
+              <a:rPr lang="ru-RU" sz="2400" b="1" dirty="0" smtClean="0"/>
+              <a:t> Ограничение возможностей для неавторизованных пользователей.</a:t>
+            </a:r>
+            <a:endParaRPr lang="ru-RU" sz="2400" b="1" dirty="0"/>
+          </a:p>
+        </p:txBody>
+      </p:sp>
+      <p:pic>
+        <p:nvPicPr>
+          <p:cNvPr id="9" name="Рисунок 8"/>
+          <p:cNvPicPr>
+            <a:picLocks noChangeAspect="1"/>
+          </p:cNvPicPr>
+          <p:nvPr/>
+        </p:nvPicPr>
+        <p:blipFill>
+          <a:blip r:embed="rId2">
+            <a:extLst>
+              <a:ext uri="{28A0092B-C50C-407E-A947-70E740481C1C}">
+                <a14:useLocalDpi xmlns:a14="http://schemas.microsoft.com/office/drawing/2010/main" val="0"/>
+              </a:ext>
+            </a:extLst>
+          </a:blip>
+          <a:stretch>
+            <a:fillRect/>
+          </a:stretch>
+        </p:blipFill>
+        <p:spPr>
+          <a:xfrm>
+            <a:off x="6787548" y="863611"/>
+            <a:ext cx="4721583" cy="5546714"/>
+          </a:xfrm>
+          <a:prstGeom prst="roundRect">
+            <a:avLst>
+              <a:gd name="adj" fmla="val 4167"/>
+            </a:avLst>
+          </a:prstGeom>
+          <a:solidFill>
+            <a:srgbClr val="FFFFFF"/>
+          </a:solidFill>
+          <a:ln w="76200" cap="sq">
+            <a:solidFill>
+              <a:srgbClr val="292929"/>
+            </a:solidFill>
+            <a:miter lim="800000"/>
+          </a:ln>
+          <a:effectLst>
+            <a:reflection blurRad="12700" stA="28000" endPos="28000" dist="5000" dir="5400000" sy="-100000" algn="bl" rotWithShape="0"/>
+          </a:effectLst>
+          <a:scene3d>
+            <a:camera prst="orthographicFront"/>
+            <a:lightRig rig="threePt" dir="t">
+              <a:rot lat="0" lon="0" rev="2700000"/>
+            </a:lightRig>
+          </a:scene3d>
+          <a:sp3d>
+            <a:bevelT h="38100"/>
+            <a:contourClr>
+              <a:srgbClr val="C0C0C0"/>
+            </a:contourClr>
+          </a:sp3d>
+        </p:spPr>
+      </p:pic>
     </p:spTree>
     <p:extLst>
       <p:ext uri="{BB962C8B-B14F-4D97-AF65-F5344CB8AC3E}">
-        <p14:creationId xmlns:p14="http://schemas.microsoft.com/office/powerpoint/2010/main" val="4173268816"/>
+        <p14:creationId xmlns:p14="http://schemas.microsoft.com/office/powerpoint/2010/main" val="2340670784"/>
       </p:ext>
     </p:extLst>
   </p:cSld>
   <p:clrMapOvr>
     <a:masterClrMapping/>
   </p:clrMapOvr>
+  <p:timing>
+    <p:tnLst>
+      <p:par>
+        <p:cTn id="1" dur="indefinite" restart="never" nodeType="tmRoot"/>
+      </p:par>
+    </p:tnLst>
+  </p:timing>
+</p:sld>
+</file>
+
+<file path=ppt/slides/slide5.xml><?xml version="1.0" encoding="utf-8"?>
+<p:sld xmlns:a="http://schemas.openxmlformats.org/drawingml/2006/main" xmlns:r="http://schemas.openxmlformats.org/officeDocument/2006/relationships" xmlns:p="http://schemas.openxmlformats.org/presentationml/2006/main">
+  <p:cSld>
+    <p:spTree>
+      <p:nvGrpSpPr>
+        <p:cNvPr id="1" name=""/>
+        <p:cNvGrpSpPr/>
+        <p:nvPr/>
+      </p:nvGrpSpPr>
+      <p:grpSpPr>
+        <a:xfrm>
+          <a:off x="0" y="0"/>
+          <a:ext cx="0" cy="0"/>
+          <a:chOff x="0" y="0"/>
+          <a:chExt cx="0" cy="0"/>
+        </a:xfrm>
+      </p:grpSpPr>
+      <p:sp>
+        <p:nvSpPr>
+          <p:cNvPr id="2" name="Заголовок 1"/>
+          <p:cNvSpPr>
+            <a:spLocks noGrp="1"/>
+          </p:cNvSpPr>
+          <p:nvPr>
+            <p:ph type="title"/>
+          </p:nvPr>
+        </p:nvSpPr>
+        <p:spPr>
+          <a:xfrm>
+            <a:off x="1697587" y="863611"/>
+            <a:ext cx="8534400" cy="507989"/>
+          </a:xfrm>
+        </p:spPr>
+        <p:txBody>
+          <a:bodyPr>
+            <a:normAutofit/>
+          </a:bodyPr>
+          <a:lstStyle/>
+          <a:p>
+            <a:pPr algn="ctr"/>
+            <a:r>
+              <a:rPr lang="ru-RU" sz="2400" dirty="0" smtClean="0"/>
+              <a:t>1-4 работа с данными</a:t>
+            </a:r>
+            <a:endParaRPr lang="ru-RU" sz="2400" dirty="0"/>
+          </a:p>
+        </p:txBody>
+      </p:sp>
+      <p:sp>
+        <p:nvSpPr>
+          <p:cNvPr id="5" name="Заголовок 4"/>
+          <p:cNvSpPr txBox="1">
+            <a:spLocks/>
+          </p:cNvSpPr>
+          <p:nvPr/>
+        </p:nvSpPr>
+        <p:spPr>
+          <a:xfrm>
+            <a:off x="420443" y="149469"/>
+            <a:ext cx="11088689" cy="714142"/>
+          </a:xfrm>
+          <a:prstGeom prst="rect">
+            <a:avLst/>
+          </a:prstGeom>
+          <a:effectLst/>
+        </p:spPr>
+        <p:txBody>
+          <a:bodyPr vert="horz" lIns="91440" tIns="45720" rIns="91440" bIns="45720" rtlCol="0" anchor="ctr">
+            <a:normAutofit fontScale="97500" lnSpcReduction="10000"/>
+          </a:bodyPr>
+          <a:lstStyle>
+            <a:lvl1pPr algn="l" defTabSz="457200" rtl="0" eaLnBrk="1" latinLnBrk="0" hangingPunct="1">
+              <a:spcBef>
+                <a:spcPct val="0"/>
+              </a:spcBef>
+              <a:buNone/>
+              <a:defRPr sz="3600" kern="1200" cap="all">
+                <a:ln w="3175" cmpd="sng">
+                  <a:noFill/>
+                </a:ln>
+                <a:solidFill>
+                  <a:schemeClr val="tx1"/>
+                </a:solidFill>
+                <a:effectLst/>
+                <a:latin typeface="+mj-lt"/>
+                <a:ea typeface="+mj-ea"/>
+                <a:cs typeface="+mj-cs"/>
+              </a:defRPr>
+            </a:lvl1pPr>
+            <a:lvl2pPr eaLnBrk="1" hangingPunct="1">
+              <a:defRPr>
+                <a:solidFill>
+                  <a:schemeClr val="tx2"/>
+                </a:solidFill>
+              </a:defRPr>
+            </a:lvl2pPr>
+            <a:lvl3pPr eaLnBrk="1" hangingPunct="1">
+              <a:defRPr>
+                <a:solidFill>
+                  <a:schemeClr val="tx2"/>
+                </a:solidFill>
+              </a:defRPr>
+            </a:lvl3pPr>
+            <a:lvl4pPr eaLnBrk="1" hangingPunct="1">
+              <a:defRPr>
+                <a:solidFill>
+                  <a:schemeClr val="tx2"/>
+                </a:solidFill>
+              </a:defRPr>
+            </a:lvl4pPr>
+            <a:lvl5pPr eaLnBrk="1" hangingPunct="1">
+              <a:defRPr>
+                <a:solidFill>
+                  <a:schemeClr val="tx2"/>
+                </a:solidFill>
+              </a:defRPr>
+            </a:lvl5pPr>
+            <a:lvl6pPr eaLnBrk="1" hangingPunct="1">
+              <a:defRPr>
+                <a:solidFill>
+                  <a:schemeClr val="tx2"/>
+                </a:solidFill>
+              </a:defRPr>
+            </a:lvl6pPr>
+            <a:lvl7pPr eaLnBrk="1" hangingPunct="1">
+              <a:defRPr>
+                <a:solidFill>
+                  <a:schemeClr val="tx2"/>
+                </a:solidFill>
+              </a:defRPr>
+            </a:lvl7pPr>
+            <a:lvl8pPr eaLnBrk="1" hangingPunct="1">
+              <a:defRPr>
+                <a:solidFill>
+                  <a:schemeClr val="tx2"/>
+                </a:solidFill>
+              </a:defRPr>
+            </a:lvl8pPr>
+            <a:lvl9pPr eaLnBrk="1" hangingPunct="1">
+              <a:defRPr>
+                <a:solidFill>
+                  <a:schemeClr val="tx2"/>
+                </a:solidFill>
+              </a:defRPr>
+            </a:lvl9pPr>
+          </a:lstStyle>
+          <a:p>
+            <a:pPr algn="ctr"/>
+            <a:r>
+              <a:rPr lang="ru-RU" sz="4400" b="1" smtClean="0">
+                <a:solidFill>
+                  <a:schemeClr val="accent5"/>
+                </a:solidFill>
+                <a:latin typeface="Forte" panose="03060902040502070203" pitchFamily="66" charset="0"/>
+              </a:rPr>
+              <a:t>Функционал</a:t>
+            </a:r>
+            <a:endParaRPr lang="ru-RU" sz="4400" b="1" dirty="0">
+              <a:solidFill>
+                <a:schemeClr val="accent5"/>
+              </a:solidFill>
+            </a:endParaRPr>
+          </a:p>
+        </p:txBody>
+      </p:sp>
+      <p:sp>
+        <p:nvSpPr>
+          <p:cNvPr id="6" name="TextBox 5"/>
+          <p:cNvSpPr txBox="1"/>
+          <p:nvPr/>
+        </p:nvSpPr>
+        <p:spPr>
+          <a:xfrm>
+            <a:off x="420443" y="1577753"/>
+            <a:ext cx="6046393" cy="646331"/>
+          </a:xfrm>
+          <a:prstGeom prst="rect">
+            <a:avLst/>
+          </a:prstGeom>
+          <a:noFill/>
+        </p:spPr>
+        <p:txBody>
+          <a:bodyPr wrap="square" rtlCol="0">
+            <a:spAutoFit/>
+          </a:bodyPr>
+          <a:lstStyle/>
+          <a:p>
+            <a:r>
+              <a:rPr lang="ru-RU" dirty="0">
+                <a:solidFill>
+                  <a:schemeClr val="accent5"/>
+                </a:solidFill>
+              </a:rPr>
+              <a:t>Я решил объединить эти четыре блока так как в них говорится о данных пользователя</a:t>
+            </a:r>
+            <a:r>
+              <a:rPr lang="ru-RU" dirty="0" smtClean="0">
+                <a:solidFill>
+                  <a:schemeClr val="accent5"/>
+                </a:solidFill>
+              </a:rPr>
+              <a:t>.</a:t>
+            </a:r>
+            <a:endParaRPr lang="ru-RU" dirty="0">
+              <a:solidFill>
+                <a:schemeClr val="accent5"/>
+              </a:solidFill>
+            </a:endParaRPr>
+          </a:p>
+        </p:txBody>
+      </p:sp>
+      <p:pic>
+        <p:nvPicPr>
+          <p:cNvPr id="7" name="Рисунок 6"/>
+          <p:cNvPicPr>
+            <a:picLocks noChangeAspect="1"/>
+          </p:cNvPicPr>
+          <p:nvPr/>
+        </p:nvPicPr>
+        <p:blipFill>
+          <a:blip r:embed="rId2">
+            <a:extLst>
+              <a:ext uri="{28A0092B-C50C-407E-A947-70E740481C1C}">
+                <a14:useLocalDpi xmlns:a14="http://schemas.microsoft.com/office/drawing/2010/main" val="0"/>
+              </a:ext>
+            </a:extLst>
+          </a:blip>
+          <a:stretch>
+            <a:fillRect/>
+          </a:stretch>
+        </p:blipFill>
+        <p:spPr>
+          <a:xfrm>
+            <a:off x="6466836" y="1577753"/>
+            <a:ext cx="5042296" cy="2356984"/>
+          </a:xfrm>
+          <a:prstGeom prst="rect">
+            <a:avLst/>
+          </a:prstGeom>
+        </p:spPr>
+      </p:pic>
+      <p:pic>
+        <p:nvPicPr>
+          <p:cNvPr id="8" name="Рисунок 7"/>
+          <p:cNvPicPr>
+            <a:picLocks noChangeAspect="1"/>
+          </p:cNvPicPr>
+          <p:nvPr/>
+        </p:nvPicPr>
+        <p:blipFill>
+          <a:blip r:embed="rId3">
+            <a:extLst>
+              <a:ext uri="{28A0092B-C50C-407E-A947-70E740481C1C}">
+                <a14:useLocalDpi xmlns:a14="http://schemas.microsoft.com/office/drawing/2010/main" val="0"/>
+              </a:ext>
+            </a:extLst>
+          </a:blip>
+          <a:stretch>
+            <a:fillRect/>
+          </a:stretch>
+        </p:blipFill>
+        <p:spPr>
+          <a:xfrm>
+            <a:off x="6466836" y="4029987"/>
+            <a:ext cx="5042296" cy="2551524"/>
+          </a:xfrm>
+          <a:prstGeom prst="rect">
+            <a:avLst/>
+          </a:prstGeom>
+        </p:spPr>
+      </p:pic>
+      <p:sp>
+        <p:nvSpPr>
+          <p:cNvPr id="9" name="TextBox 8"/>
+          <p:cNvSpPr txBox="1"/>
+          <p:nvPr/>
+        </p:nvSpPr>
+        <p:spPr>
+          <a:xfrm>
+            <a:off x="420443" y="2224084"/>
+            <a:ext cx="5856532" cy="2308324"/>
+          </a:xfrm>
+          <a:prstGeom prst="rect">
+            <a:avLst/>
+          </a:prstGeom>
+          <a:noFill/>
+        </p:spPr>
+        <p:txBody>
+          <a:bodyPr wrap="square" rtlCol="0">
+            <a:spAutoFit/>
+          </a:bodyPr>
+          <a:lstStyle/>
+          <a:p>
+            <a:r>
+              <a:rPr lang="ru-RU" dirty="0">
+                <a:solidFill>
+                  <a:schemeClr val="accent6"/>
+                </a:solidFill>
+              </a:rPr>
+              <a:t>Сохранение </a:t>
+            </a:r>
+            <a:r>
+              <a:rPr lang="ru-RU" dirty="0" smtClean="0">
+                <a:solidFill>
+                  <a:schemeClr val="accent6"/>
+                </a:solidFill>
+              </a:rPr>
+              <a:t>данных:</a:t>
+            </a:r>
+            <a:endParaRPr lang="ru-RU" dirty="0">
+              <a:solidFill>
+                <a:schemeClr val="accent6"/>
+              </a:solidFill>
+            </a:endParaRPr>
+          </a:p>
+          <a:p>
+            <a:r>
+              <a:rPr lang="ru-RU" dirty="0" smtClean="0">
+                <a:solidFill>
+                  <a:schemeClr val="accent6"/>
+                </a:solidFill>
+              </a:rPr>
+              <a:t>Что бы создать базу данных, в директории </a:t>
+            </a:r>
+            <a:r>
+              <a:rPr lang="en-US" dirty="0" smtClean="0">
+                <a:solidFill>
+                  <a:schemeClr val="accent6"/>
+                </a:solidFill>
+              </a:rPr>
+              <a:t>data</a:t>
+            </a:r>
+            <a:r>
+              <a:rPr lang="ru-RU" dirty="0" smtClean="0">
+                <a:solidFill>
+                  <a:schemeClr val="accent6"/>
+                </a:solidFill>
+              </a:rPr>
+              <a:t> были созданы два </a:t>
+            </a:r>
+            <a:r>
+              <a:rPr lang="en-US" dirty="0" smtClean="0">
+                <a:solidFill>
+                  <a:schemeClr val="accent6"/>
+                </a:solidFill>
+              </a:rPr>
+              <a:t>ORM </a:t>
+            </a:r>
+            <a:r>
+              <a:rPr lang="ru-RU" dirty="0" smtClean="0">
+                <a:solidFill>
+                  <a:schemeClr val="accent6"/>
+                </a:solidFill>
+              </a:rPr>
+              <a:t>класса которые создают таблицы пользователей и товаров(они представлены на картинках). И если с данными типа </a:t>
+            </a:r>
+            <a:r>
+              <a:rPr lang="en-US" dirty="0" err="1" smtClean="0">
+                <a:solidFill>
+                  <a:schemeClr val="accent6"/>
+                </a:solidFill>
+              </a:rPr>
+              <a:t>str</a:t>
+            </a:r>
+            <a:r>
+              <a:rPr lang="en-US" dirty="0" smtClean="0">
+                <a:solidFill>
+                  <a:schemeClr val="accent6"/>
+                </a:solidFill>
+              </a:rPr>
+              <a:t> </a:t>
+            </a:r>
+            <a:r>
+              <a:rPr lang="ru-RU" dirty="0" smtClean="0">
+                <a:solidFill>
+                  <a:schemeClr val="accent6"/>
+                </a:solidFill>
+              </a:rPr>
+              <a:t>или </a:t>
+            </a:r>
+            <a:r>
+              <a:rPr lang="en-US" dirty="0" smtClean="0">
+                <a:solidFill>
+                  <a:schemeClr val="accent6"/>
+                </a:solidFill>
+              </a:rPr>
+              <a:t>integer</a:t>
+            </a:r>
+            <a:r>
+              <a:rPr lang="ru-RU" dirty="0" smtClean="0">
+                <a:solidFill>
+                  <a:schemeClr val="accent6"/>
+                </a:solidFill>
+              </a:rPr>
+              <a:t> всё понятно, они хранятся в базе данных в этих же форматах. То сохранение фотографий сложнее.</a:t>
+            </a:r>
+            <a:endParaRPr lang="ru-RU" dirty="0">
+              <a:solidFill>
+                <a:schemeClr val="accent6"/>
+              </a:solidFill>
+            </a:endParaRPr>
+          </a:p>
+        </p:txBody>
+      </p:sp>
+    </p:spTree>
+    <p:extLst>
+      <p:ext uri="{BB962C8B-B14F-4D97-AF65-F5344CB8AC3E}">
+        <p14:creationId xmlns:p14="http://schemas.microsoft.com/office/powerpoint/2010/main" val="1085046874"/>
+      </p:ext>
+    </p:extLst>
+  </p:cSld>
+  <p:clrMapOvr>
+    <a:masterClrMapping/>
+  </p:clrMapOvr>
+  <p:timing>
+    <p:tnLst>
+      <p:par>
+        <p:cTn id="1" dur="indefinite" restart="never" nodeType="tmRoot"/>
+      </p:par>
+    </p:tnLst>
+  </p:timing>
+</p:sld>
+</file>
+
+<file path=ppt/slides/slide6.xml><?xml version="1.0" encoding="utf-8"?>
+<p:sld xmlns:a="http://schemas.openxmlformats.org/drawingml/2006/main" xmlns:r="http://schemas.openxmlformats.org/officeDocument/2006/relationships" xmlns:p="http://schemas.openxmlformats.org/presentationml/2006/main">
+  <p:cSld>
+    <p:spTree>
+      <p:nvGrpSpPr>
+        <p:cNvPr id="1" name=""/>
+        <p:cNvGrpSpPr/>
+        <p:nvPr/>
+      </p:nvGrpSpPr>
+      <p:grpSpPr>
+        <a:xfrm>
+          <a:off x="0" y="0"/>
+          <a:ext cx="0" cy="0"/>
+          <a:chOff x="0" y="0"/>
+          <a:chExt cx="0" cy="0"/>
+        </a:xfrm>
+      </p:grpSpPr>
+      <p:pic>
+        <p:nvPicPr>
+          <p:cNvPr id="5" name="Рисунок 4"/>
+          <p:cNvPicPr>
+            <a:picLocks noChangeAspect="1"/>
+          </p:cNvPicPr>
+          <p:nvPr/>
+        </p:nvPicPr>
+        <p:blipFill>
+          <a:blip r:embed="rId2">
+            <a:extLst>
+              <a:ext uri="{28A0092B-C50C-407E-A947-70E740481C1C}">
+                <a14:useLocalDpi xmlns:a14="http://schemas.microsoft.com/office/drawing/2010/main" val="0"/>
+              </a:ext>
+            </a:extLst>
+          </a:blip>
+          <a:stretch>
+            <a:fillRect/>
+          </a:stretch>
+        </p:blipFill>
+        <p:spPr>
+          <a:xfrm>
+            <a:off x="5538731" y="3816756"/>
+            <a:ext cx="6515212" cy="2024838"/>
+          </a:xfrm>
+          <a:prstGeom prst="rect">
+            <a:avLst/>
+          </a:prstGeom>
+        </p:spPr>
+      </p:pic>
+      <p:pic>
+        <p:nvPicPr>
+          <p:cNvPr id="6" name="Рисунок 5"/>
+          <p:cNvPicPr>
+            <a:picLocks noChangeAspect="1"/>
+          </p:cNvPicPr>
+          <p:nvPr/>
+        </p:nvPicPr>
+        <p:blipFill>
+          <a:blip r:embed="rId3">
+            <a:extLst>
+              <a:ext uri="{28A0092B-C50C-407E-A947-70E740481C1C}">
+                <a14:useLocalDpi xmlns:a14="http://schemas.microsoft.com/office/drawing/2010/main" val="0"/>
+              </a:ext>
+            </a:extLst>
+          </a:blip>
+          <a:stretch>
+            <a:fillRect/>
+          </a:stretch>
+        </p:blipFill>
+        <p:spPr>
+          <a:xfrm>
+            <a:off x="5538731" y="569182"/>
+            <a:ext cx="6515212" cy="2885624"/>
+          </a:xfrm>
+          <a:prstGeom prst="rect">
+            <a:avLst/>
+          </a:prstGeom>
+        </p:spPr>
+      </p:pic>
+      <p:sp>
+        <p:nvSpPr>
+          <p:cNvPr id="7" name="TextBox 6"/>
+          <p:cNvSpPr txBox="1"/>
+          <p:nvPr/>
+        </p:nvSpPr>
+        <p:spPr>
+          <a:xfrm>
+            <a:off x="219075" y="361651"/>
+            <a:ext cx="5319656" cy="6340197"/>
+          </a:xfrm>
+          <a:prstGeom prst="rect">
+            <a:avLst/>
+          </a:prstGeom>
+          <a:noFill/>
+        </p:spPr>
+        <p:txBody>
+          <a:bodyPr wrap="square" rtlCol="0">
+            <a:spAutoFit/>
+          </a:bodyPr>
+          <a:lstStyle/>
+          <a:p>
+            <a:r>
+              <a:rPr lang="ru-RU" sz="2800" dirty="0" smtClean="0">
+                <a:solidFill>
+                  <a:schemeClr val="accent6"/>
+                </a:solidFill>
+              </a:rPr>
+              <a:t>Сохранение фотографий:</a:t>
+            </a:r>
+          </a:p>
+          <a:p>
+            <a:endParaRPr lang="ru-RU" dirty="0"/>
+          </a:p>
+          <a:p>
+            <a:r>
+              <a:rPr lang="ru-RU" dirty="0" smtClean="0"/>
+              <a:t>Изначально я пытался сохранить фотографии в 64-битной системе через библиотеку </a:t>
+            </a:r>
+            <a:r>
+              <a:rPr lang="en-US" dirty="0" smtClean="0"/>
+              <a:t>base64</a:t>
+            </a:r>
+            <a:r>
+              <a:rPr lang="ru-RU" dirty="0" smtClean="0"/>
+              <a:t>. Но прочитав несколько статей в которых описывался тип такого сохранения, я сделал вывод, что если сохранять фотографии на компьютере пользователя, а в базе данных только название файлов, это увеличит скорость загрузки сайта. Так же работает приложения </a:t>
+            </a:r>
+            <a:r>
+              <a:rPr lang="en-US" dirty="0"/>
+              <a:t>T</a:t>
+            </a:r>
+            <a:r>
+              <a:rPr lang="en-US" dirty="0" smtClean="0"/>
+              <a:t>elegram, </a:t>
+            </a:r>
+            <a:r>
+              <a:rPr lang="en-US" dirty="0" err="1" smtClean="0"/>
+              <a:t>WatsApp</a:t>
+            </a:r>
+            <a:r>
+              <a:rPr lang="en-US" dirty="0" smtClean="0"/>
+              <a:t>, </a:t>
+            </a:r>
+            <a:r>
+              <a:rPr lang="ru-RU" dirty="0" smtClean="0"/>
+              <a:t> </a:t>
+            </a:r>
+            <a:r>
+              <a:rPr lang="en-US" dirty="0" smtClean="0"/>
+              <a:t>Viber </a:t>
+            </a:r>
+            <a:r>
+              <a:rPr lang="ru-RU" dirty="0" smtClean="0"/>
+              <a:t>и другие. Для этого я сделал 2 функции в файле </a:t>
+            </a:r>
+            <a:r>
+              <a:rPr lang="en-US" dirty="0" smtClean="0"/>
+              <a:t>utils.py</a:t>
+            </a:r>
+            <a:r>
+              <a:rPr lang="ru-RU" dirty="0" smtClean="0"/>
+              <a:t>. Функция </a:t>
+            </a:r>
+            <a:r>
+              <a:rPr lang="en-US" dirty="0" err="1" smtClean="0"/>
+              <a:t>save_picture_product</a:t>
+            </a:r>
+            <a:r>
+              <a:rPr lang="en-US" dirty="0" smtClean="0"/>
+              <a:t>, </a:t>
+            </a:r>
+            <a:r>
+              <a:rPr lang="ru-RU" dirty="0" smtClean="0"/>
+              <a:t>она создаёт имя файла, создаёт директорию для сохранения фотографий, сохраняет фотографию </a:t>
+            </a:r>
+            <a:r>
+              <a:rPr lang="ru-RU" dirty="0"/>
+              <a:t>с</a:t>
+            </a:r>
+            <a:r>
+              <a:rPr lang="ru-RU" dirty="0" smtClean="0"/>
+              <a:t> заданными параметрами в созданной </a:t>
+            </a:r>
+            <a:r>
+              <a:rPr lang="ru-RU" dirty="0" err="1" smtClean="0"/>
+              <a:t>диретории</a:t>
+            </a:r>
+            <a:r>
+              <a:rPr lang="ru-RU" dirty="0" smtClean="0"/>
+              <a:t> и возвращает имя файла. В обработчиках мы создаём переменные </a:t>
+            </a:r>
+            <a:r>
+              <a:rPr lang="en-US" dirty="0" err="1" smtClean="0"/>
+              <a:t>image_file</a:t>
+            </a:r>
+            <a:r>
+              <a:rPr lang="ru-RU" dirty="0" smtClean="0"/>
+              <a:t>, и передаём в них путь до файла и имя файла.</a:t>
+            </a:r>
+            <a:endParaRPr lang="ru-RU" dirty="0"/>
+          </a:p>
+        </p:txBody>
+      </p:sp>
+    </p:spTree>
+    <p:extLst>
+      <p:ext uri="{BB962C8B-B14F-4D97-AF65-F5344CB8AC3E}">
+        <p14:creationId xmlns:p14="http://schemas.microsoft.com/office/powerpoint/2010/main" val="891745700"/>
+      </p:ext>
+    </p:extLst>
+  </p:cSld>
+  <p:clrMapOvr>
+    <a:masterClrMapping/>
+  </p:clrMapOvr>
+  <p:timing>
+    <p:tnLst>
+      <p:par>
+        <p:cTn id="1" dur="indefinite" restart="never" nodeType="tmRoot"/>
+      </p:par>
+    </p:tnLst>
+  </p:timing>
+</p:sld>
+</file>
+
+<file path=ppt/slides/slide7.xml><?xml version="1.0" encoding="utf-8"?>
+<p:sld xmlns:a="http://schemas.openxmlformats.org/drawingml/2006/main" xmlns:r="http://schemas.openxmlformats.org/officeDocument/2006/relationships" xmlns:p="http://schemas.openxmlformats.org/presentationml/2006/main">
+  <p:cSld>
+    <p:spTree>
+      <p:nvGrpSpPr>
+        <p:cNvPr id="1" name=""/>
+        <p:cNvGrpSpPr/>
+        <p:nvPr/>
+      </p:nvGrpSpPr>
+      <p:grpSpPr>
+        <a:xfrm>
+          <a:off x="0" y="0"/>
+          <a:ext cx="0" cy="0"/>
+          <a:chOff x="0" y="0"/>
+          <a:chExt cx="0" cy="0"/>
+        </a:xfrm>
+      </p:grpSpPr>
+      <p:sp>
+        <p:nvSpPr>
+          <p:cNvPr id="5" name="TextBox 4"/>
+          <p:cNvSpPr txBox="1"/>
+          <p:nvPr/>
+        </p:nvSpPr>
+        <p:spPr>
+          <a:xfrm>
+            <a:off x="0" y="209729"/>
+            <a:ext cx="3209925" cy="400110"/>
+          </a:xfrm>
+          <a:prstGeom prst="rect">
+            <a:avLst/>
+          </a:prstGeom>
+          <a:noFill/>
+        </p:spPr>
+        <p:txBody>
+          <a:bodyPr wrap="square" rtlCol="0">
+            <a:spAutoFit/>
+          </a:bodyPr>
+          <a:lstStyle/>
+          <a:p>
+            <a:pPr algn="ctr"/>
+            <a:r>
+              <a:rPr lang="ru-RU" sz="2000" dirty="0" smtClean="0">
+                <a:solidFill>
+                  <a:schemeClr val="accent6"/>
+                </a:solidFill>
+              </a:rPr>
+              <a:t>Отображение Данных:</a:t>
+            </a:r>
+            <a:endParaRPr lang="ru-RU" sz="2000" dirty="0">
+              <a:solidFill>
+                <a:schemeClr val="accent6"/>
+              </a:solidFill>
+            </a:endParaRPr>
+          </a:p>
+        </p:txBody>
+      </p:sp>
+      <p:sp>
+        <p:nvSpPr>
+          <p:cNvPr id="8" name="TextBox 7"/>
+          <p:cNvSpPr txBox="1"/>
+          <p:nvPr/>
+        </p:nvSpPr>
+        <p:spPr>
+          <a:xfrm>
+            <a:off x="180975" y="790575"/>
+            <a:ext cx="10868025" cy="923330"/>
+          </a:xfrm>
+          <a:prstGeom prst="rect">
+            <a:avLst/>
+          </a:prstGeom>
+          <a:noFill/>
+        </p:spPr>
+        <p:txBody>
+          <a:bodyPr wrap="square" rtlCol="0">
+            <a:spAutoFit/>
+          </a:bodyPr>
+          <a:lstStyle/>
+          <a:p>
+            <a:r>
+              <a:rPr lang="ru-RU" dirty="0" smtClean="0"/>
+              <a:t>В файле </a:t>
+            </a:r>
+            <a:r>
+              <a:rPr lang="en-US" dirty="0" smtClean="0"/>
+              <a:t>‘static/</a:t>
+            </a:r>
+            <a:r>
+              <a:rPr lang="en-US" dirty="0" err="1" smtClean="0"/>
+              <a:t>img</a:t>
+            </a:r>
+            <a:r>
+              <a:rPr lang="en-US" dirty="0" smtClean="0"/>
+              <a:t>’ </a:t>
+            </a:r>
+            <a:r>
+              <a:rPr lang="ru-RU" dirty="0" smtClean="0"/>
+              <a:t>хранятся фотографии (по умолчанию) они </a:t>
+            </a:r>
+            <a:r>
+              <a:rPr lang="ru-RU" dirty="0" err="1" smtClean="0"/>
+              <a:t>вставляюся</a:t>
+            </a:r>
+            <a:r>
+              <a:rPr lang="ru-RU" dirty="0" smtClean="0"/>
+              <a:t> в место фотографий </a:t>
+            </a:r>
+            <a:r>
+              <a:rPr lang="ru-RU" dirty="0" err="1" smtClean="0"/>
+              <a:t>аватарки</a:t>
+            </a:r>
+            <a:r>
+              <a:rPr lang="ru-RU" dirty="0" smtClean="0"/>
+              <a:t> и продукта если, пользователь не вставил фотографию.</a:t>
+            </a:r>
+          </a:p>
+          <a:p>
+            <a:r>
+              <a:rPr lang="ru-RU" dirty="0" smtClean="0"/>
+              <a:t>Остальные фотографии вставляются по пути указанном в </a:t>
+            </a:r>
+            <a:r>
+              <a:rPr lang="en-US" dirty="0" err="1" smtClean="0"/>
+              <a:t>image_file</a:t>
+            </a:r>
+            <a:r>
+              <a:rPr lang="en-US" dirty="0"/>
+              <a:t>.</a:t>
+            </a:r>
+            <a:endParaRPr lang="ru-RU" dirty="0"/>
+          </a:p>
+        </p:txBody>
+      </p:sp>
+      <p:sp>
+        <p:nvSpPr>
+          <p:cNvPr id="9" name="TextBox 8"/>
+          <p:cNvSpPr txBox="1"/>
+          <p:nvPr/>
+        </p:nvSpPr>
+        <p:spPr>
+          <a:xfrm>
+            <a:off x="0" y="2000429"/>
+            <a:ext cx="2943226" cy="400110"/>
+          </a:xfrm>
+          <a:prstGeom prst="rect">
+            <a:avLst/>
+          </a:prstGeom>
+          <a:noFill/>
+        </p:spPr>
+        <p:txBody>
+          <a:bodyPr wrap="square" rtlCol="0">
+            <a:spAutoFit/>
+          </a:bodyPr>
+          <a:lstStyle/>
+          <a:p>
+            <a:pPr algn="ctr"/>
+            <a:r>
+              <a:rPr lang="ru-RU" sz="2000" dirty="0" smtClean="0">
+                <a:solidFill>
+                  <a:schemeClr val="accent6"/>
+                </a:solidFill>
+              </a:rPr>
+              <a:t>Изменение данных:</a:t>
+            </a:r>
+            <a:endParaRPr lang="ru-RU" sz="2000" dirty="0">
+              <a:solidFill>
+                <a:schemeClr val="accent6"/>
+              </a:solidFill>
+            </a:endParaRPr>
+          </a:p>
+        </p:txBody>
+      </p:sp>
+      <p:pic>
+        <p:nvPicPr>
+          <p:cNvPr id="11" name="Рисунок 10"/>
+          <p:cNvPicPr>
+            <a:picLocks noChangeAspect="1"/>
+          </p:cNvPicPr>
+          <p:nvPr/>
+        </p:nvPicPr>
+        <p:blipFill>
+          <a:blip r:embed="rId2">
+            <a:extLst>
+              <a:ext uri="{28A0092B-C50C-407E-A947-70E740481C1C}">
+                <a14:useLocalDpi xmlns:a14="http://schemas.microsoft.com/office/drawing/2010/main" val="0"/>
+              </a:ext>
+            </a:extLst>
+          </a:blip>
+          <a:stretch>
+            <a:fillRect/>
+          </a:stretch>
+        </p:blipFill>
+        <p:spPr>
+          <a:xfrm>
+            <a:off x="180975" y="2400539"/>
+            <a:ext cx="4829060" cy="3867148"/>
+          </a:xfrm>
+          <a:prstGeom prst="rect">
+            <a:avLst/>
+          </a:prstGeom>
+        </p:spPr>
+      </p:pic>
+      <p:sp>
+        <p:nvSpPr>
+          <p:cNvPr id="12" name="TextBox 11"/>
+          <p:cNvSpPr txBox="1"/>
+          <p:nvPr/>
+        </p:nvSpPr>
+        <p:spPr>
+          <a:xfrm>
+            <a:off x="5191010" y="2400539"/>
+            <a:ext cx="6943610" cy="1200329"/>
+          </a:xfrm>
+          <a:prstGeom prst="rect">
+            <a:avLst/>
+          </a:prstGeom>
+          <a:noFill/>
+        </p:spPr>
+        <p:txBody>
+          <a:bodyPr wrap="square" rtlCol="0">
+            <a:spAutoFit/>
+          </a:bodyPr>
+          <a:lstStyle/>
+          <a:p>
+            <a:r>
+              <a:rPr lang="ru-RU" dirty="0" smtClean="0"/>
+              <a:t>Подгружается форма, заполняются данные формы, после нажатия на кнопку данные из формы переносятся в базу данных, если добавляется </a:t>
+            </a:r>
+            <a:r>
+              <a:rPr lang="ru-RU" dirty="0"/>
+              <a:t>ф</a:t>
+            </a:r>
+            <a:r>
+              <a:rPr lang="ru-RU" dirty="0" smtClean="0"/>
+              <a:t>отография, то она проходит через одну из функций файла </a:t>
+            </a:r>
+            <a:r>
+              <a:rPr lang="en-US" dirty="0" smtClean="0"/>
+              <a:t>utils.py.</a:t>
+            </a:r>
+            <a:r>
+              <a:rPr lang="ru-RU" dirty="0" smtClean="0"/>
+              <a:t> </a:t>
+            </a:r>
+            <a:endParaRPr lang="ru-RU" dirty="0"/>
+          </a:p>
+        </p:txBody>
+      </p:sp>
+    </p:spTree>
+    <p:extLst>
+      <p:ext uri="{BB962C8B-B14F-4D97-AF65-F5344CB8AC3E}">
+        <p14:creationId xmlns:p14="http://schemas.microsoft.com/office/powerpoint/2010/main" val="1378278451"/>
+      </p:ext>
+    </p:extLst>
+  </p:cSld>
+  <p:clrMapOvr>
+    <a:masterClrMapping/>
+  </p:clrMapOvr>
+  <p:timing>
+    <p:tnLst>
+      <p:par>
+        <p:cTn id="1" dur="indefinite" restart="never" nodeType="tmRoot"/>
+      </p:par>
+    </p:tnLst>
+  </p:timing>
+</p:sld>
+</file>
+
+<file path=ppt/slides/slide8.xml><?xml version="1.0" encoding="utf-8"?>
+<p:sld xmlns:a="http://schemas.openxmlformats.org/drawingml/2006/main" xmlns:r="http://schemas.openxmlformats.org/officeDocument/2006/relationships" xmlns:p="http://schemas.openxmlformats.org/presentationml/2006/main">
+  <p:cSld>
+    <p:spTree>
+      <p:nvGrpSpPr>
+        <p:cNvPr id="1" name=""/>
+        <p:cNvGrpSpPr/>
+        <p:nvPr/>
+      </p:nvGrpSpPr>
+      <p:grpSpPr>
+        <a:xfrm>
+          <a:off x="0" y="0"/>
+          <a:ext cx="0" cy="0"/>
+          <a:chOff x="0" y="0"/>
+          <a:chExt cx="0" cy="0"/>
+        </a:xfrm>
+      </p:grpSpPr>
+      <p:sp>
+        <p:nvSpPr>
+          <p:cNvPr id="5" name="TextBox 4"/>
+          <p:cNvSpPr txBox="1"/>
+          <p:nvPr/>
+        </p:nvSpPr>
+        <p:spPr>
+          <a:xfrm>
+            <a:off x="1" y="209729"/>
+            <a:ext cx="1057274" cy="400110"/>
+          </a:xfrm>
+          <a:prstGeom prst="rect">
+            <a:avLst/>
+          </a:prstGeom>
+          <a:noFill/>
+        </p:spPr>
+        <p:txBody>
+          <a:bodyPr wrap="square" rtlCol="0">
+            <a:spAutoFit/>
+          </a:bodyPr>
+          <a:lstStyle/>
+          <a:p>
+            <a:pPr algn="ctr"/>
+            <a:r>
+              <a:rPr lang="en-US" sz="2000" dirty="0" smtClean="0">
+                <a:solidFill>
+                  <a:schemeClr val="accent6"/>
+                </a:solidFill>
+              </a:rPr>
+              <a:t>5. </a:t>
+            </a:r>
+            <a:r>
+              <a:rPr lang="en-US" sz="2000" dirty="0" err="1" smtClean="0">
+                <a:solidFill>
+                  <a:schemeClr val="accent6"/>
+                </a:solidFill>
+              </a:rPr>
+              <a:t>Api</a:t>
+            </a:r>
+            <a:r>
+              <a:rPr lang="ru-RU" sz="2000" dirty="0" smtClean="0">
+                <a:solidFill>
+                  <a:schemeClr val="accent6"/>
+                </a:solidFill>
+              </a:rPr>
+              <a:t>:</a:t>
+            </a:r>
+            <a:endParaRPr lang="ru-RU" sz="2000" dirty="0">
+              <a:solidFill>
+                <a:schemeClr val="accent6"/>
+              </a:solidFill>
+            </a:endParaRPr>
+          </a:p>
+        </p:txBody>
+      </p:sp>
+      <p:sp>
+        <p:nvSpPr>
+          <p:cNvPr id="6" name="TextBox 5"/>
+          <p:cNvSpPr txBox="1"/>
+          <p:nvPr/>
+        </p:nvSpPr>
+        <p:spPr>
+          <a:xfrm>
+            <a:off x="219075" y="609839"/>
+            <a:ext cx="11544300" cy="646331"/>
+          </a:xfrm>
+          <a:prstGeom prst="rect">
+            <a:avLst/>
+          </a:prstGeom>
+          <a:noFill/>
+        </p:spPr>
+        <p:txBody>
+          <a:bodyPr wrap="square" rtlCol="0">
+            <a:spAutoFit/>
+          </a:bodyPr>
+          <a:lstStyle/>
+          <a:p>
+            <a:r>
+              <a:rPr lang="ru-RU" dirty="0" smtClean="0"/>
+              <a:t>В файле </a:t>
+            </a:r>
+            <a:r>
+              <a:rPr lang="en-US" dirty="0" smtClean="0"/>
+              <a:t>products_api.py </a:t>
+            </a:r>
+            <a:r>
+              <a:rPr lang="ru-RU" dirty="0" err="1" smtClean="0"/>
+              <a:t>созданно</a:t>
+            </a:r>
+            <a:r>
+              <a:rPr lang="ru-RU" dirty="0" smtClean="0"/>
+              <a:t> </a:t>
+            </a:r>
+            <a:r>
+              <a:rPr lang="en-US" dirty="0" err="1" smtClean="0"/>
+              <a:t>Api</a:t>
+            </a:r>
+            <a:r>
+              <a:rPr lang="en-US" dirty="0" smtClean="0"/>
+              <a:t> </a:t>
+            </a:r>
+            <a:r>
+              <a:rPr lang="ru-RU" dirty="0" smtClean="0"/>
+              <a:t>позволяющее просмотреть все продукты, отдельный продукт по </a:t>
+            </a:r>
+            <a:r>
+              <a:rPr lang="en-US" dirty="0" smtClean="0"/>
+              <a:t>id, </a:t>
+            </a:r>
+            <a:r>
+              <a:rPr lang="ru-RU" dirty="0" smtClean="0"/>
+              <a:t>удалить новость по </a:t>
+            </a:r>
+            <a:r>
+              <a:rPr lang="en-US" dirty="0" smtClean="0"/>
+              <a:t>id, </a:t>
+            </a:r>
+            <a:r>
+              <a:rPr lang="ru-RU" dirty="0" smtClean="0"/>
+              <a:t>создать продукт.</a:t>
+            </a:r>
+            <a:endParaRPr lang="ru-RU" dirty="0"/>
+          </a:p>
+        </p:txBody>
+      </p:sp>
+      <p:sp>
+        <p:nvSpPr>
+          <p:cNvPr id="7" name="TextBox 6"/>
+          <p:cNvSpPr txBox="1"/>
+          <p:nvPr/>
+        </p:nvSpPr>
+        <p:spPr>
+          <a:xfrm>
+            <a:off x="0" y="1256170"/>
+            <a:ext cx="1847850" cy="400110"/>
+          </a:xfrm>
+          <a:prstGeom prst="rect">
+            <a:avLst/>
+          </a:prstGeom>
+          <a:noFill/>
+        </p:spPr>
+        <p:txBody>
+          <a:bodyPr wrap="square" rtlCol="0">
+            <a:spAutoFit/>
+          </a:bodyPr>
+          <a:lstStyle/>
+          <a:p>
+            <a:pPr algn="ctr"/>
+            <a:r>
+              <a:rPr lang="en-US" sz="2000" dirty="0" smtClean="0">
+                <a:solidFill>
+                  <a:schemeClr val="accent6"/>
+                </a:solidFill>
+              </a:rPr>
+              <a:t>6. </a:t>
+            </a:r>
+            <a:r>
+              <a:rPr lang="ru-RU" sz="2000" dirty="0" smtClean="0">
+                <a:solidFill>
+                  <a:schemeClr val="accent6"/>
+                </a:solidFill>
+              </a:rPr>
+              <a:t>Покупка:</a:t>
+            </a:r>
+            <a:endParaRPr lang="ru-RU" sz="2000" dirty="0">
+              <a:solidFill>
+                <a:schemeClr val="accent6"/>
+              </a:solidFill>
+            </a:endParaRPr>
+          </a:p>
+        </p:txBody>
+      </p:sp>
+      <p:sp>
+        <p:nvSpPr>
+          <p:cNvPr id="8" name="TextBox 7"/>
+          <p:cNvSpPr txBox="1"/>
+          <p:nvPr/>
+        </p:nvSpPr>
+        <p:spPr>
+          <a:xfrm>
+            <a:off x="219075" y="1656280"/>
+            <a:ext cx="7388680" cy="2031325"/>
+          </a:xfrm>
+          <a:prstGeom prst="rect">
+            <a:avLst/>
+          </a:prstGeom>
+          <a:noFill/>
+        </p:spPr>
+        <p:txBody>
+          <a:bodyPr wrap="square" rtlCol="0">
+            <a:spAutoFit/>
+          </a:bodyPr>
+          <a:lstStyle/>
+          <a:p>
+            <a:r>
+              <a:rPr lang="ru-RU" dirty="0" smtClean="0"/>
+              <a:t>Что бы подключить возможность оплаты я подключил тестовое </a:t>
+            </a:r>
+            <a:r>
+              <a:rPr lang="en-US" dirty="0" err="1" smtClean="0"/>
+              <a:t>api</a:t>
+            </a:r>
+            <a:r>
+              <a:rPr lang="en-US" dirty="0" smtClean="0"/>
+              <a:t> </a:t>
+            </a:r>
+            <a:r>
+              <a:rPr lang="ru-RU" dirty="0" smtClean="0"/>
+              <a:t>с сайта </a:t>
+            </a:r>
+            <a:r>
+              <a:rPr lang="en-US" dirty="0" err="1" smtClean="0"/>
+              <a:t>Fondy</a:t>
+            </a:r>
+            <a:r>
+              <a:rPr lang="en-US" dirty="0" smtClean="0"/>
+              <a:t>, </a:t>
+            </a:r>
+            <a:r>
+              <a:rPr lang="ru-RU" dirty="0" smtClean="0"/>
+              <a:t>этот сайт позволяет интернет магазинам, подключить онлайн оплату для своих товаров.</a:t>
+            </a:r>
+            <a:r>
+              <a:rPr lang="en-US" dirty="0" smtClean="0"/>
+              <a:t> </a:t>
+            </a:r>
+            <a:r>
+              <a:rPr lang="ru-RU" dirty="0" smtClean="0"/>
+              <a:t>Регистрация на сайте стандартная, но что бы получить настоящую версию, требуется, что бы сайт прошёл проверку. Подключение выглядит вот так. Также нужно установить библиотеку </a:t>
+            </a:r>
+            <a:r>
+              <a:rPr lang="en-US" dirty="0" smtClean="0"/>
+              <a:t>‘</a:t>
+            </a:r>
+            <a:r>
+              <a:rPr lang="en-US" dirty="0" err="1" smtClean="0"/>
+              <a:t>cloudipsp</a:t>
+            </a:r>
+            <a:r>
+              <a:rPr lang="en-US" dirty="0" smtClean="0"/>
+              <a:t>’.</a:t>
+            </a:r>
+            <a:endParaRPr lang="ru-RU" dirty="0"/>
+          </a:p>
+        </p:txBody>
+      </p:sp>
+      <p:pic>
+        <p:nvPicPr>
+          <p:cNvPr id="9" name="Рисунок 8"/>
+          <p:cNvPicPr>
+            <a:picLocks noChangeAspect="1"/>
+          </p:cNvPicPr>
+          <p:nvPr/>
+        </p:nvPicPr>
+        <p:blipFill>
+          <a:blip r:embed="rId2">
+            <a:extLst>
+              <a:ext uri="{28A0092B-C50C-407E-A947-70E740481C1C}">
+                <a14:useLocalDpi xmlns:a14="http://schemas.microsoft.com/office/drawing/2010/main" val="0"/>
+              </a:ext>
+            </a:extLst>
+          </a:blip>
+          <a:stretch>
+            <a:fillRect/>
+          </a:stretch>
+        </p:blipFill>
+        <p:spPr>
+          <a:xfrm>
+            <a:off x="7719335" y="1656280"/>
+            <a:ext cx="4044040" cy="3238498"/>
+          </a:xfrm>
+          <a:prstGeom prst="rect">
+            <a:avLst/>
+          </a:prstGeom>
+        </p:spPr>
+      </p:pic>
+      <p:sp>
+        <p:nvSpPr>
+          <p:cNvPr id="10" name="TextBox 9"/>
+          <p:cNvSpPr txBox="1"/>
+          <p:nvPr/>
+        </p:nvSpPr>
+        <p:spPr>
+          <a:xfrm>
+            <a:off x="219074" y="4894778"/>
+            <a:ext cx="2752725" cy="400110"/>
+          </a:xfrm>
+          <a:prstGeom prst="rect">
+            <a:avLst/>
+          </a:prstGeom>
+          <a:noFill/>
+        </p:spPr>
+        <p:txBody>
+          <a:bodyPr wrap="square" rtlCol="0">
+            <a:spAutoFit/>
+          </a:bodyPr>
+          <a:lstStyle/>
+          <a:p>
+            <a:pPr algn="ctr"/>
+            <a:r>
+              <a:rPr lang="ru-RU" sz="2000" dirty="0">
+                <a:solidFill>
+                  <a:schemeClr val="accent6"/>
+                </a:solidFill>
+              </a:rPr>
+              <a:t>7</a:t>
+            </a:r>
+            <a:r>
+              <a:rPr lang="en-US" sz="2000" dirty="0" smtClean="0">
+                <a:solidFill>
+                  <a:schemeClr val="accent6"/>
+                </a:solidFill>
+              </a:rPr>
+              <a:t>. </a:t>
+            </a:r>
+            <a:r>
+              <a:rPr lang="ru-RU" sz="2000" dirty="0" smtClean="0">
+                <a:solidFill>
+                  <a:schemeClr val="accent6"/>
+                </a:solidFill>
+              </a:rPr>
+              <a:t>Переадресация:</a:t>
+            </a:r>
+            <a:endParaRPr lang="ru-RU" sz="2000" dirty="0">
+              <a:solidFill>
+                <a:schemeClr val="accent6"/>
+              </a:solidFill>
+            </a:endParaRPr>
+          </a:p>
+        </p:txBody>
+      </p:sp>
+      <p:sp>
+        <p:nvSpPr>
+          <p:cNvPr id="11" name="TextBox 10"/>
+          <p:cNvSpPr txBox="1"/>
+          <p:nvPr/>
+        </p:nvSpPr>
+        <p:spPr>
+          <a:xfrm>
+            <a:off x="352425" y="5429250"/>
+            <a:ext cx="11563350" cy="1200329"/>
+          </a:xfrm>
+          <a:prstGeom prst="rect">
+            <a:avLst/>
+          </a:prstGeom>
+          <a:noFill/>
+        </p:spPr>
+        <p:txBody>
+          <a:bodyPr wrap="square" rtlCol="0">
+            <a:spAutoFit/>
+          </a:bodyPr>
+          <a:lstStyle/>
+          <a:p>
+            <a:r>
+              <a:rPr lang="ru-RU" dirty="0" smtClean="0"/>
+              <a:t>Переадресация проходит </a:t>
+            </a:r>
+            <a:r>
+              <a:rPr lang="en-US" dirty="0" smtClean="0"/>
+              <a:t>3</a:t>
+            </a:r>
+            <a:r>
+              <a:rPr lang="ru-RU" dirty="0" smtClean="0"/>
+              <a:t> способами:</a:t>
+            </a:r>
+          </a:p>
+          <a:p>
+            <a:r>
+              <a:rPr lang="ru-RU" dirty="0" smtClean="0"/>
+              <a:t>	1. В </a:t>
+            </a:r>
+            <a:r>
+              <a:rPr lang="en-US" dirty="0" smtClean="0"/>
+              <a:t>html </a:t>
+            </a:r>
+            <a:r>
+              <a:rPr lang="ru-RU" dirty="0" smtClean="0"/>
+              <a:t>через </a:t>
+            </a:r>
+            <a:r>
+              <a:rPr lang="en-US" dirty="0" err="1" smtClean="0"/>
+              <a:t>url_for</a:t>
+            </a:r>
+            <a:r>
+              <a:rPr lang="en-US" dirty="0" smtClean="0"/>
+              <a:t> </a:t>
+            </a:r>
+            <a:r>
+              <a:rPr lang="ru-RU" dirty="0" smtClean="0"/>
+              <a:t>вызывается функция написанная в файле </a:t>
+            </a:r>
+            <a:r>
+              <a:rPr lang="en-US" dirty="0" smtClean="0"/>
+              <a:t>main.py.</a:t>
+            </a:r>
+          </a:p>
+          <a:p>
+            <a:r>
+              <a:rPr lang="en-US" dirty="0"/>
+              <a:t>	</a:t>
+            </a:r>
+            <a:r>
+              <a:rPr lang="en-US" dirty="0" smtClean="0"/>
+              <a:t>2. </a:t>
+            </a:r>
+            <a:r>
+              <a:rPr lang="ru-RU" dirty="0" smtClean="0"/>
+              <a:t>В </a:t>
+            </a:r>
+            <a:r>
+              <a:rPr lang="en-US" dirty="0" smtClean="0"/>
+              <a:t>html </a:t>
+            </a:r>
+            <a:r>
+              <a:rPr lang="ru-RU" dirty="0" smtClean="0"/>
+              <a:t>указываем </a:t>
+            </a:r>
+            <a:r>
+              <a:rPr lang="en-US" dirty="0" err="1" smtClean="0"/>
+              <a:t>href</a:t>
+            </a:r>
+            <a:r>
+              <a:rPr lang="en-US" dirty="0" smtClean="0"/>
+              <a:t>=‘</a:t>
+            </a:r>
+            <a:r>
+              <a:rPr lang="ru-RU" dirty="0" smtClean="0"/>
+              <a:t>ссылка на нужную страницу</a:t>
+            </a:r>
+            <a:r>
+              <a:rPr lang="en-US" dirty="0" smtClean="0"/>
+              <a:t>’</a:t>
+            </a:r>
+            <a:r>
+              <a:rPr lang="ru-RU" dirty="0" smtClean="0"/>
+              <a:t>.</a:t>
+            </a:r>
+          </a:p>
+          <a:p>
+            <a:r>
+              <a:rPr lang="ru-RU" dirty="0"/>
+              <a:t>	</a:t>
+            </a:r>
+            <a:r>
+              <a:rPr lang="ru-RU" dirty="0" smtClean="0"/>
+              <a:t>3. В обработчике, используем </a:t>
+            </a:r>
+            <a:r>
+              <a:rPr lang="en-US" dirty="0" smtClean="0"/>
+              <a:t>redirect(</a:t>
+            </a:r>
+            <a:r>
+              <a:rPr lang="ru-RU" dirty="0" smtClean="0"/>
+              <a:t>ссылка на страницу</a:t>
+            </a:r>
+            <a:r>
+              <a:rPr lang="en-US" dirty="0" smtClean="0"/>
+              <a:t>)</a:t>
+            </a:r>
+            <a:r>
+              <a:rPr lang="ru-RU" dirty="0" smtClean="0"/>
+              <a:t>.</a:t>
+            </a:r>
+            <a:endParaRPr lang="ru-RU" dirty="0"/>
+          </a:p>
+        </p:txBody>
+      </p:sp>
+    </p:spTree>
+    <p:extLst>
+      <p:ext uri="{BB962C8B-B14F-4D97-AF65-F5344CB8AC3E}">
+        <p14:creationId xmlns:p14="http://schemas.microsoft.com/office/powerpoint/2010/main" val="1841286737"/>
+      </p:ext>
+    </p:extLst>
+  </p:cSld>
+  <p:clrMapOvr>
+    <a:masterClrMapping/>
+  </p:clrMapOvr>
+  <p:timing>
+    <p:tnLst>
+      <p:par>
+        <p:cTn id="1" dur="indefinite" restart="never" nodeType="tmRoot"/>
+      </p:par>
+    </p:tnLst>
+  </p:timing>
+</p:sld>
+</file>
+
+<file path=ppt/slides/slide9.xml><?xml version="1.0" encoding="utf-8"?>
+<p:sld xmlns:a="http://schemas.openxmlformats.org/drawingml/2006/main" xmlns:r="http://schemas.openxmlformats.org/officeDocument/2006/relationships" xmlns:p="http://schemas.openxmlformats.org/presentationml/2006/main">
+  <p:cSld>
+    <p:spTree>
+      <p:nvGrpSpPr>
+        <p:cNvPr id="1" name=""/>
+        <p:cNvGrpSpPr/>
+        <p:nvPr/>
+      </p:nvGrpSpPr>
+      <p:grpSpPr>
+        <a:xfrm>
+          <a:off x="0" y="0"/>
+          <a:ext cx="0" cy="0"/>
+          <a:chOff x="0" y="0"/>
+          <a:chExt cx="0" cy="0"/>
+        </a:xfrm>
+      </p:grpSpPr>
+      <p:sp>
+        <p:nvSpPr>
+          <p:cNvPr id="5" name="TextBox 4"/>
+          <p:cNvSpPr txBox="1"/>
+          <p:nvPr/>
+        </p:nvSpPr>
+        <p:spPr>
+          <a:xfrm>
+            <a:off x="161924" y="256103"/>
+            <a:ext cx="2057401" cy="400110"/>
+          </a:xfrm>
+          <a:prstGeom prst="rect">
+            <a:avLst/>
+          </a:prstGeom>
+          <a:noFill/>
+        </p:spPr>
+        <p:txBody>
+          <a:bodyPr wrap="square" rtlCol="0">
+            <a:spAutoFit/>
+          </a:bodyPr>
+          <a:lstStyle/>
+          <a:p>
+            <a:pPr algn="ctr"/>
+            <a:r>
+              <a:rPr lang="en-US" sz="2000" dirty="0" smtClean="0">
+                <a:solidFill>
+                  <a:schemeClr val="accent6"/>
+                </a:solidFill>
+              </a:rPr>
+              <a:t>8. login/logout</a:t>
+            </a:r>
+            <a:r>
+              <a:rPr lang="ru-RU" sz="2000" dirty="0" smtClean="0">
+                <a:solidFill>
+                  <a:schemeClr val="accent6"/>
+                </a:solidFill>
+              </a:rPr>
+              <a:t>:</a:t>
+            </a:r>
+            <a:endParaRPr lang="ru-RU" sz="2000" dirty="0">
+              <a:solidFill>
+                <a:schemeClr val="accent6"/>
+              </a:solidFill>
+            </a:endParaRPr>
+          </a:p>
+        </p:txBody>
+      </p:sp>
+      <p:pic>
+        <p:nvPicPr>
+          <p:cNvPr id="7" name="Рисунок 6"/>
+          <p:cNvPicPr>
+            <a:picLocks noChangeAspect="1"/>
+          </p:cNvPicPr>
+          <p:nvPr/>
+        </p:nvPicPr>
+        <p:blipFill>
+          <a:blip r:embed="rId2">
+            <a:extLst>
+              <a:ext uri="{28A0092B-C50C-407E-A947-70E740481C1C}">
+                <a14:useLocalDpi xmlns:a14="http://schemas.microsoft.com/office/drawing/2010/main" val="0"/>
+              </a:ext>
+            </a:extLst>
+          </a:blip>
+          <a:stretch>
+            <a:fillRect/>
+          </a:stretch>
+        </p:blipFill>
+        <p:spPr>
+          <a:xfrm>
+            <a:off x="4674393" y="775137"/>
+            <a:ext cx="2366964" cy="1083278"/>
+          </a:xfrm>
+          <a:prstGeom prst="roundRect">
+            <a:avLst>
+              <a:gd name="adj" fmla="val 8594"/>
+            </a:avLst>
+          </a:prstGeom>
+          <a:solidFill>
+            <a:srgbClr val="FFFFFF">
+              <a:shade val="85000"/>
+            </a:srgbClr>
+          </a:solidFill>
+          <a:ln>
+            <a:noFill/>
+          </a:ln>
+          <a:effectLst>
+            <a:reflection blurRad="12700" stA="38000" endPos="28000" dist="5000" dir="5400000" sy="-100000" algn="bl" rotWithShape="0"/>
+          </a:effectLst>
+        </p:spPr>
+      </p:pic>
+      <p:pic>
+        <p:nvPicPr>
+          <p:cNvPr id="8" name="Рисунок 7"/>
+          <p:cNvPicPr>
+            <a:picLocks noChangeAspect="1"/>
+          </p:cNvPicPr>
+          <p:nvPr/>
+        </p:nvPicPr>
+        <p:blipFill>
+          <a:blip r:embed="rId3">
+            <a:extLst>
+              <a:ext uri="{28A0092B-C50C-407E-A947-70E740481C1C}">
+                <a14:useLocalDpi xmlns:a14="http://schemas.microsoft.com/office/drawing/2010/main" val="0"/>
+              </a:ext>
+            </a:extLst>
+          </a:blip>
+          <a:stretch>
+            <a:fillRect/>
+          </a:stretch>
+        </p:blipFill>
+        <p:spPr>
+          <a:xfrm>
+            <a:off x="509587" y="775137"/>
+            <a:ext cx="3533775" cy="952500"/>
+          </a:xfrm>
+          <a:prstGeom prst="roundRect">
+            <a:avLst>
+              <a:gd name="adj" fmla="val 8594"/>
+            </a:avLst>
+          </a:prstGeom>
+          <a:solidFill>
+            <a:srgbClr val="FFFFFF">
+              <a:shade val="85000"/>
+            </a:srgbClr>
+          </a:solidFill>
+          <a:ln>
+            <a:noFill/>
+          </a:ln>
+          <a:effectLst>
+            <a:reflection blurRad="12700" stA="38000" endPos="28000" dist="5000" dir="5400000" sy="-100000" algn="bl" rotWithShape="0"/>
+          </a:effectLst>
+        </p:spPr>
+      </p:pic>
+      <p:sp>
+        <p:nvSpPr>
+          <p:cNvPr id="9" name="TextBox 8"/>
+          <p:cNvSpPr txBox="1"/>
+          <p:nvPr/>
+        </p:nvSpPr>
+        <p:spPr>
+          <a:xfrm>
+            <a:off x="161924" y="1992966"/>
+            <a:ext cx="3500438" cy="646331"/>
+          </a:xfrm>
+          <a:prstGeom prst="rect">
+            <a:avLst/>
+          </a:prstGeom>
+          <a:noFill/>
+        </p:spPr>
+        <p:txBody>
+          <a:bodyPr wrap="square" rtlCol="0">
+            <a:spAutoFit/>
+          </a:bodyPr>
+          <a:lstStyle/>
+          <a:p>
+            <a:pPr marL="285750" indent="-285750">
+              <a:buFont typeface="Arial" panose="020B0604020202020204" pitchFamily="34" charset="0"/>
+              <a:buChar char="•"/>
+            </a:pPr>
+            <a:r>
+              <a:rPr lang="ru-RU" dirty="0" smtClean="0"/>
+              <a:t>Возвращает пользователя под текущим </a:t>
+            </a:r>
+            <a:r>
+              <a:rPr lang="en-US" dirty="0" smtClean="0"/>
+              <a:t>id.</a:t>
+            </a:r>
+            <a:endParaRPr lang="ru-RU" dirty="0"/>
+          </a:p>
+        </p:txBody>
+      </p:sp>
+      <p:sp>
+        <p:nvSpPr>
+          <p:cNvPr id="10" name="TextBox 9"/>
+          <p:cNvSpPr txBox="1"/>
+          <p:nvPr/>
+        </p:nvSpPr>
+        <p:spPr>
+          <a:xfrm>
+            <a:off x="4314824" y="1987083"/>
+            <a:ext cx="3876675" cy="923330"/>
+          </a:xfrm>
+          <a:prstGeom prst="rect">
+            <a:avLst/>
+          </a:prstGeom>
+          <a:noFill/>
+        </p:spPr>
+        <p:txBody>
+          <a:bodyPr wrap="square" rtlCol="0">
+            <a:spAutoFit/>
+          </a:bodyPr>
+          <a:lstStyle/>
+          <a:p>
+            <a:pPr marL="285750" indent="-285750">
+              <a:buFont typeface="Arial" panose="020B0604020202020204" pitchFamily="34" charset="0"/>
+              <a:buChar char="•"/>
+            </a:pPr>
+            <a:r>
+              <a:rPr lang="ru-RU" dirty="0" smtClean="0"/>
+              <a:t>Использует функцию </a:t>
+            </a:r>
+            <a:r>
+              <a:rPr lang="en-US" dirty="0" err="1" smtClean="0"/>
+              <a:t>logout_user</a:t>
+            </a:r>
+            <a:r>
+              <a:rPr lang="en-US" dirty="0" smtClean="0"/>
+              <a:t> </a:t>
+            </a:r>
+            <a:r>
+              <a:rPr lang="ru-RU" dirty="0" smtClean="0"/>
+              <a:t>из библиотеки </a:t>
+            </a:r>
+            <a:r>
+              <a:rPr lang="en-US" dirty="0" smtClean="0"/>
+              <a:t>flask</a:t>
+            </a:r>
+            <a:r>
+              <a:rPr lang="ru-RU" dirty="0" smtClean="0"/>
+              <a:t>.</a:t>
+            </a:r>
+            <a:endParaRPr lang="ru-RU" dirty="0"/>
+          </a:p>
+        </p:txBody>
+      </p:sp>
+      <p:pic>
+        <p:nvPicPr>
+          <p:cNvPr id="11" name="Рисунок 10"/>
+          <p:cNvPicPr>
+            <a:picLocks noChangeAspect="1"/>
+          </p:cNvPicPr>
+          <p:nvPr/>
+        </p:nvPicPr>
+        <p:blipFill>
+          <a:blip r:embed="rId4">
+            <a:extLst>
+              <a:ext uri="{28A0092B-C50C-407E-A947-70E740481C1C}">
+                <a14:useLocalDpi xmlns:a14="http://schemas.microsoft.com/office/drawing/2010/main" val="0"/>
+              </a:ext>
+            </a:extLst>
+          </a:blip>
+          <a:stretch>
+            <a:fillRect/>
+          </a:stretch>
+        </p:blipFill>
+        <p:spPr>
+          <a:xfrm>
+            <a:off x="8121974" y="201279"/>
+            <a:ext cx="3901422" cy="2292230"/>
+          </a:xfrm>
+          <a:prstGeom prst="rect">
+            <a:avLst/>
+          </a:prstGeom>
+          <a:ln>
+            <a:noFill/>
+          </a:ln>
+          <a:effectLst>
+            <a:outerShdw blurRad="190500" algn="tl" rotWithShape="0">
+              <a:srgbClr val="000000">
+                <a:alpha val="70000"/>
+              </a:srgbClr>
+            </a:outerShdw>
+          </a:effectLst>
+        </p:spPr>
+      </p:pic>
+      <p:sp>
+        <p:nvSpPr>
+          <p:cNvPr id="12" name="TextBox 11"/>
+          <p:cNvSpPr txBox="1"/>
+          <p:nvPr/>
+        </p:nvSpPr>
+        <p:spPr>
+          <a:xfrm>
+            <a:off x="7734301" y="2639297"/>
+            <a:ext cx="4457699" cy="1477328"/>
+          </a:xfrm>
+          <a:prstGeom prst="rect">
+            <a:avLst/>
+          </a:prstGeom>
+          <a:noFill/>
+        </p:spPr>
+        <p:txBody>
+          <a:bodyPr wrap="square" rtlCol="0">
+            <a:spAutoFit/>
+          </a:bodyPr>
+          <a:lstStyle/>
+          <a:p>
+            <a:pPr marL="285750" indent="-285750">
+              <a:buFont typeface="Arial" panose="020B0604020202020204" pitchFamily="34" charset="0"/>
+              <a:buChar char="•"/>
+            </a:pPr>
+            <a:r>
+              <a:rPr lang="ru-RU" dirty="0" smtClean="0"/>
+              <a:t>Функция регистрации:</a:t>
+            </a:r>
+          </a:p>
+          <a:p>
+            <a:pPr marL="285750" indent="-285750">
+              <a:buFont typeface="Arial" panose="020B0604020202020204" pitchFamily="34" charset="0"/>
+              <a:buChar char="•"/>
+            </a:pPr>
+            <a:r>
+              <a:rPr lang="ru-RU" dirty="0" smtClean="0"/>
+              <a:t>Подгружаем форму, заполняем данные для таблицы в базе данных и добавляем пользователя. </a:t>
+            </a:r>
+            <a:endParaRPr lang="ru-RU" dirty="0"/>
+          </a:p>
+        </p:txBody>
+      </p:sp>
+      <p:sp>
+        <p:nvSpPr>
+          <p:cNvPr id="13" name="TextBox 12"/>
+          <p:cNvSpPr txBox="1"/>
+          <p:nvPr/>
+        </p:nvSpPr>
+        <p:spPr>
+          <a:xfrm>
+            <a:off x="161924" y="4116625"/>
+            <a:ext cx="9196387" cy="400110"/>
+          </a:xfrm>
+          <a:prstGeom prst="rect">
+            <a:avLst/>
+          </a:prstGeom>
+          <a:noFill/>
+        </p:spPr>
+        <p:txBody>
+          <a:bodyPr wrap="square" rtlCol="0">
+            <a:spAutoFit/>
+          </a:bodyPr>
+          <a:lstStyle/>
+          <a:p>
+            <a:pPr algn="ctr"/>
+            <a:r>
+              <a:rPr lang="ru-RU" sz="2000" dirty="0">
+                <a:solidFill>
+                  <a:schemeClr val="accent6"/>
+                </a:solidFill>
+              </a:rPr>
+              <a:t>9</a:t>
+            </a:r>
+            <a:r>
+              <a:rPr lang="en-US" sz="2000" dirty="0" smtClean="0">
+                <a:solidFill>
+                  <a:schemeClr val="accent6"/>
+                </a:solidFill>
+              </a:rPr>
+              <a:t>.</a:t>
+            </a:r>
+            <a:r>
+              <a:rPr lang="ru-RU" sz="2000" b="1" dirty="0" smtClean="0"/>
+              <a:t> </a:t>
+            </a:r>
+            <a:r>
+              <a:rPr lang="ru-RU" sz="2000" dirty="0">
+                <a:solidFill>
+                  <a:schemeClr val="accent6"/>
+                </a:solidFill>
+              </a:rPr>
+              <a:t>Ограничение возможностей для неавторизованных пользователей</a:t>
+            </a:r>
+            <a:r>
+              <a:rPr lang="en-US" sz="2000" dirty="0" smtClean="0">
+                <a:solidFill>
+                  <a:schemeClr val="accent6"/>
+                </a:solidFill>
+              </a:rPr>
+              <a:t> </a:t>
+            </a:r>
+            <a:r>
+              <a:rPr lang="ru-RU" sz="2000" dirty="0" smtClean="0">
+                <a:solidFill>
+                  <a:schemeClr val="accent6"/>
+                </a:solidFill>
+              </a:rPr>
+              <a:t>:</a:t>
+            </a:r>
+            <a:endParaRPr lang="ru-RU" sz="2000" dirty="0">
+              <a:solidFill>
+                <a:schemeClr val="accent6"/>
+              </a:solidFill>
+            </a:endParaRPr>
+          </a:p>
+        </p:txBody>
+      </p:sp>
+      <p:pic>
+        <p:nvPicPr>
+          <p:cNvPr id="14" name="Рисунок 13"/>
+          <p:cNvPicPr>
+            <a:picLocks noChangeAspect="1"/>
+          </p:cNvPicPr>
+          <p:nvPr/>
+        </p:nvPicPr>
+        <p:blipFill>
+          <a:blip r:embed="rId2">
+            <a:extLst>
+              <a:ext uri="{28A0092B-C50C-407E-A947-70E740481C1C}">
+                <a14:useLocalDpi xmlns:a14="http://schemas.microsoft.com/office/drawing/2010/main" val="0"/>
+              </a:ext>
+            </a:extLst>
+          </a:blip>
+          <a:stretch>
+            <a:fillRect/>
+          </a:stretch>
+        </p:blipFill>
+        <p:spPr>
+          <a:xfrm>
+            <a:off x="4674393" y="771215"/>
+            <a:ext cx="2366964" cy="1083278"/>
+          </a:xfrm>
+          <a:prstGeom prst="roundRect">
+            <a:avLst>
+              <a:gd name="adj" fmla="val 8594"/>
+            </a:avLst>
+          </a:prstGeom>
+          <a:solidFill>
+            <a:srgbClr val="FFFFFF">
+              <a:shade val="85000"/>
+            </a:srgbClr>
+          </a:solidFill>
+          <a:ln>
+            <a:noFill/>
+          </a:ln>
+          <a:effectLst>
+            <a:reflection blurRad="12700" stA="38000" endPos="28000" dist="5000" dir="5400000" sy="-100000" algn="bl" rotWithShape="0"/>
+          </a:effectLst>
+        </p:spPr>
+      </p:pic>
+      <p:sp>
+        <p:nvSpPr>
+          <p:cNvPr id="15" name="TextBox 14"/>
+          <p:cNvSpPr txBox="1"/>
+          <p:nvPr/>
+        </p:nvSpPr>
+        <p:spPr>
+          <a:xfrm>
+            <a:off x="4314824" y="1983161"/>
+            <a:ext cx="3876675" cy="923330"/>
+          </a:xfrm>
+          <a:prstGeom prst="rect">
+            <a:avLst/>
+          </a:prstGeom>
+          <a:noFill/>
+        </p:spPr>
+        <p:txBody>
+          <a:bodyPr wrap="square" rtlCol="0">
+            <a:spAutoFit/>
+          </a:bodyPr>
+          <a:lstStyle/>
+          <a:p>
+            <a:pPr marL="285750" indent="-285750">
+              <a:buFont typeface="Arial" panose="020B0604020202020204" pitchFamily="34" charset="0"/>
+              <a:buChar char="•"/>
+            </a:pPr>
+            <a:r>
+              <a:rPr lang="ru-RU" dirty="0" smtClean="0"/>
+              <a:t>Использует функцию </a:t>
+            </a:r>
+            <a:r>
+              <a:rPr lang="en-US" dirty="0" err="1" smtClean="0"/>
+              <a:t>logout_user</a:t>
+            </a:r>
+            <a:r>
+              <a:rPr lang="en-US" dirty="0" smtClean="0"/>
+              <a:t> </a:t>
+            </a:r>
+            <a:r>
+              <a:rPr lang="ru-RU" dirty="0" smtClean="0"/>
+              <a:t>из библиотеки </a:t>
+            </a:r>
+            <a:r>
+              <a:rPr lang="en-US" dirty="0" smtClean="0"/>
+              <a:t>flask</a:t>
+            </a:r>
+            <a:r>
+              <a:rPr lang="ru-RU" dirty="0" smtClean="0"/>
+              <a:t>.</a:t>
+            </a:r>
+            <a:endParaRPr lang="ru-RU" dirty="0"/>
+          </a:p>
+        </p:txBody>
+      </p:sp>
+      <p:sp>
+        <p:nvSpPr>
+          <p:cNvPr id="16" name="TextBox 15"/>
+          <p:cNvSpPr txBox="1"/>
+          <p:nvPr/>
+        </p:nvSpPr>
+        <p:spPr>
+          <a:xfrm>
+            <a:off x="161924" y="4799617"/>
+            <a:ext cx="8915401" cy="923330"/>
+          </a:xfrm>
+          <a:prstGeom prst="rect">
+            <a:avLst/>
+          </a:prstGeom>
+          <a:noFill/>
+        </p:spPr>
+        <p:txBody>
+          <a:bodyPr wrap="square" rtlCol="0">
+            <a:spAutoFit/>
+          </a:bodyPr>
+          <a:lstStyle/>
+          <a:p>
+            <a:r>
+              <a:rPr lang="ru-RU" dirty="0" smtClean="0"/>
+              <a:t>В </a:t>
+            </a:r>
+            <a:r>
+              <a:rPr lang="en-US" dirty="0" smtClean="0"/>
+              <a:t>html </a:t>
+            </a:r>
+            <a:r>
+              <a:rPr lang="ru-RU" dirty="0" smtClean="0"/>
+              <a:t>шаблоне есть строка проверяющая аутентификацию пользователя </a:t>
+            </a:r>
+            <a:r>
+              <a:rPr lang="en-US" dirty="0" smtClean="0"/>
+              <a:t>({% if </a:t>
+            </a:r>
+            <a:r>
+              <a:rPr lang="en-US" dirty="0" err="1" smtClean="0"/>
+              <a:t>current_user.is_authentificated</a:t>
+            </a:r>
+            <a:r>
+              <a:rPr lang="en-US" dirty="0" smtClean="0"/>
+              <a:t> %})</a:t>
+            </a:r>
+            <a:r>
+              <a:rPr lang="ru-RU" dirty="0" smtClean="0"/>
+              <a:t>. Именно она ставит условия (авторизирован пользователь или нет).</a:t>
+            </a:r>
+            <a:endParaRPr lang="ru-RU" dirty="0"/>
+          </a:p>
+        </p:txBody>
+      </p:sp>
+    </p:spTree>
+    <p:extLst>
+      <p:ext uri="{BB962C8B-B14F-4D97-AF65-F5344CB8AC3E}">
+        <p14:creationId xmlns:p14="http://schemas.microsoft.com/office/powerpoint/2010/main" val="1098109484"/>
+      </p:ext>
+    </p:extLst>
+  </p:cSld>
+  <p:clrMapOvr>
+    <a:masterClrMapping/>
+  </p:clrMapOvr>
+  <p:timing>
+    <p:tnLst>
+      <p:par>
+        <p:cTn id="1" dur="indefinite" restart="never" nodeType="tmRoot"/>
+      </p:par>
+    </p:tnLst>
+  </p:timing>
 </p:sld>
 </file>
 
